--- a/BMS_Lab.pptx
+++ b/BMS_Lab.pptx
@@ -6,25 +6,21 @@
     <p:sldMasterId id="2147483731" r:id="rId2"/>
   </p:sldMasterIdLst>
   <p:notesMasterIdLst>
-    <p:notesMasterId r:id="rId19"/>
+    <p:notesMasterId r:id="rId15"/>
   </p:notesMasterIdLst>
   <p:sldIdLst>
     <p:sldId id="257" r:id="rId3"/>
-    <p:sldId id="312" r:id="rId4"/>
-    <p:sldId id="320" r:id="rId5"/>
-    <p:sldId id="321" r:id="rId6"/>
-    <p:sldId id="322" r:id="rId7"/>
-    <p:sldId id="323" r:id="rId8"/>
-    <p:sldId id="324" r:id="rId9"/>
-    <p:sldId id="325" r:id="rId10"/>
-    <p:sldId id="313" r:id="rId11"/>
-    <p:sldId id="326" r:id="rId12"/>
-    <p:sldId id="314" r:id="rId13"/>
-    <p:sldId id="315" r:id="rId14"/>
-    <p:sldId id="316" r:id="rId15"/>
-    <p:sldId id="317" r:id="rId16"/>
-    <p:sldId id="318" r:id="rId17"/>
-    <p:sldId id="319" r:id="rId18"/>
+    <p:sldId id="327" r:id="rId4"/>
+    <p:sldId id="312" r:id="rId5"/>
+    <p:sldId id="328" r:id="rId6"/>
+    <p:sldId id="320" r:id="rId7"/>
+    <p:sldId id="321" r:id="rId8"/>
+    <p:sldId id="322" r:id="rId9"/>
+    <p:sldId id="323" r:id="rId10"/>
+    <p:sldId id="324" r:id="rId11"/>
+    <p:sldId id="325" r:id="rId12"/>
+    <p:sldId id="313" r:id="rId13"/>
+    <p:sldId id="326" r:id="rId14"/>
   </p:sldIdLst>
   <p:sldSz cx="9144000" cy="6858000" type="screen4x3"/>
   <p:notesSz cx="6858000" cy="9144000"/>
@@ -175,8 +171,8 @@
 <file path=ppt/revisionInfo.xml><?xml version="1.0" encoding="utf-8"?>
 <p1510:revInfo xmlns:a="http://schemas.openxmlformats.org/drawingml/2006/main" xmlns:r="http://schemas.openxmlformats.org/officeDocument/2006/relationships" xmlns:p1510="http://schemas.microsoft.com/office/powerpoint/2015/10/main">
   <p1510:revLst>
-    <p1510:client id="{204A0DAE-418E-4FE2-A9FE-B3BC6D9F5060}" v="279" dt="2022-05-13T21:57:33.001"/>
-    <p1510:client id="{3DA7AF10-077F-4C89-A53A-85262A8354D0}" v="1" dt="2022-05-15T07:23:06.497"/>
+    <p1510:client id="{204A0DAE-418E-4FE2-A9FE-B3BC6D9F5060}" v="404" dt="2022-05-16T15:20:01.294"/>
+    <p1510:client id="{3DA7AF10-077F-4C89-A53A-85262A8354D0}" v="590" dt="2022-05-16T15:26:39.261"/>
   </p1510:revLst>
 </p1510:revInfo>
 </file>
@@ -290,7 +286,7 @@
               <a:pPr>
                 <a:defRPr/>
               </a:pPr>
-              <a:t>15.05.2022</a:t>
+              <a:t>16.05.2022</a:t>
             </a:fld>
             <a:endParaRPr lang="de-DE"/>
           </a:p>
@@ -1718,7 +1714,7 @@
               <a:pPr>
                 <a:defRPr/>
               </a:pPr>
-              <a:t>15.05.2022</a:t>
+              <a:t>16.05.2022</a:t>
             </a:fld>
             <a:endParaRPr lang="de-DE"/>
           </a:p>
@@ -1908,7 +1904,7 @@
               <a:pPr>
                 <a:defRPr/>
               </a:pPr>
-              <a:t>15.05.2022</a:t>
+              <a:t>16.05.2022</a:t>
             </a:fld>
             <a:endParaRPr lang="de-DE"/>
           </a:p>
@@ -2175,7 +2171,7 @@
               <a:pPr>
                 <a:defRPr/>
               </a:pPr>
-              <a:t>15.05.2022</a:t>
+              <a:t>16.05.2022</a:t>
             </a:fld>
             <a:endParaRPr lang="de-DE"/>
           </a:p>
@@ -2482,7 +2478,7 @@
               <a:pPr>
                 <a:defRPr/>
               </a:pPr>
-              <a:t>15.05.2022</a:t>
+              <a:t>16.05.2022</a:t>
             </a:fld>
             <a:endParaRPr lang="de-DE"/>
           </a:p>
@@ -2923,7 +2919,7 @@
               <a:pPr>
                 <a:defRPr/>
               </a:pPr>
-              <a:t>15.05.2022</a:t>
+              <a:t>16.05.2022</a:t>
             </a:fld>
             <a:endParaRPr lang="de-DE"/>
           </a:p>
@@ -3062,7 +3058,7 @@
               <a:pPr>
                 <a:defRPr/>
               </a:pPr>
-              <a:t>15.05.2022</a:t>
+              <a:t>16.05.2022</a:t>
             </a:fld>
             <a:endParaRPr lang="de-DE"/>
           </a:p>
@@ -3179,7 +3175,7 @@
               <a:pPr>
                 <a:defRPr/>
               </a:pPr>
-              <a:t>15.05.2022</a:t>
+              <a:t>16.05.2022</a:t>
             </a:fld>
             <a:endParaRPr lang="de-DE"/>
           </a:p>
@@ -3476,7 +3472,7 @@
               <a:pPr>
                 <a:defRPr/>
               </a:pPr>
-              <a:t>15.05.2022</a:t>
+              <a:t>16.05.2022</a:t>
             </a:fld>
             <a:endParaRPr lang="de-DE"/>
           </a:p>
@@ -3978,7 +3974,7 @@
               <a:pPr>
                 <a:defRPr/>
               </a:pPr>
-              <a:t>15.05.2022</a:t>
+              <a:t>16.05.2022</a:t>
             </a:fld>
             <a:endParaRPr lang="de-DE"/>
           </a:p>
@@ -4168,7 +4164,7 @@
               <a:pPr>
                 <a:defRPr/>
               </a:pPr>
-              <a:t>15.05.2022</a:t>
+              <a:t>16.05.2022</a:t>
             </a:fld>
             <a:endParaRPr lang="de-DE"/>
           </a:p>
@@ -4368,7 +4364,7 @@
               <a:pPr>
                 <a:defRPr/>
               </a:pPr>
-              <a:t>15.05.2022</a:t>
+              <a:t>16.05.2022</a:t>
             </a:fld>
             <a:endParaRPr lang="de-DE"/>
           </a:p>
@@ -4507,7 +4503,7 @@
               <a:pPr>
                 <a:defRPr/>
               </a:pPr>
-              <a:t>15.05.2022</a:t>
+              <a:t>16.05.2022</a:t>
             </a:fld>
             <a:endParaRPr lang="de-DE"/>
           </a:p>
@@ -7568,7 +7564,7 @@
               <a:pPr>
                 <a:defRPr/>
               </a:pPr>
-              <a:t>15.05.2022</a:t>
+              <a:t>16.05.2022</a:t>
             </a:fld>
             <a:endParaRPr lang="de-DE"/>
           </a:p>
@@ -8124,6 +8120,30 @@
           <a:chExt cx="0" cy="0"/>
         </a:xfrm>
       </p:grpSpPr>
+      <p:pic>
+        <p:nvPicPr>
+          <p:cNvPr id="8" name="Grafik 7"/>
+          <p:cNvPicPr>
+            <a:picLocks noChangeAspect="1"/>
+          </p:cNvPicPr>
+          <p:nvPr/>
+        </p:nvPicPr>
+        <p:blipFill>
+          <a:blip r:embed="rId3"/>
+          <a:stretch>
+            <a:fillRect/>
+          </a:stretch>
+        </p:blipFill>
+        <p:spPr>
+          <a:xfrm>
+            <a:off x="6156176" y="503968"/>
+            <a:ext cx="2979624" cy="2602615"/>
+          </a:xfrm>
+          <a:prstGeom prst="rect">
+            <a:avLst/>
+          </a:prstGeom>
+        </p:spPr>
+      </p:pic>
       <p:sp>
         <p:nvSpPr>
           <p:cNvPr id="25" name="Textfeld 24"/>
@@ -8133,7 +8153,7 @@
         <p:spPr>
           <a:xfrm>
             <a:off x="827088" y="1785010"/>
-            <a:ext cx="7524750" cy="707886"/>
+            <a:ext cx="7524750" cy="1323439"/>
           </a:xfrm>
           <a:prstGeom prst="rect">
             <a:avLst/>
@@ -8156,7 +8176,7 @@
               <a:defRPr/>
             </a:pPr>
             <a:r>
-              <a:rPr lang="de-DE" sz="4000" dirty="0">
+              <a:rPr lang="de-DE" sz="4000" u="sng" err="1">
                 <a:solidFill>
                   <a:schemeClr val="tx1">
                     <a:lumMod val="85000"/>
@@ -8166,9 +8186,46 @@
                 <a:latin typeface="+mn-lt"/>
                 <a:cs typeface="+mn-cs"/>
               </a:rPr>
-              <a:t>Titel</a:t>
-            </a:r>
-            <a:endParaRPr lang="de-DE" sz="3600" dirty="0">
+              <a:t>Requirements</a:t>
+            </a:r>
+            <a:r>
+              <a:rPr lang="de-DE" sz="4000" u="sng">
+                <a:solidFill>
+                  <a:schemeClr val="tx1">
+                    <a:lumMod val="85000"/>
+                    <a:lumOff val="15000"/>
+                  </a:schemeClr>
+                </a:solidFill>
+                <a:latin typeface="+mn-lt"/>
+                <a:cs typeface="+mn-cs"/>
+              </a:rPr>
+              <a:t> &amp; </a:t>
+            </a:r>
+          </a:p>
+          <a:p>
+            <a:pPr fontAlgn="auto">
+              <a:spcBef>
+                <a:spcPts val="0"/>
+              </a:spcBef>
+              <a:spcAft>
+                <a:spcPts val="0"/>
+              </a:spcAft>
+              <a:defRPr/>
+            </a:pPr>
+            <a:r>
+              <a:rPr lang="de-DE" sz="4000" u="sng">
+                <a:solidFill>
+                  <a:schemeClr val="tx1">
+                    <a:lumMod val="85000"/>
+                    <a:lumOff val="15000"/>
+                  </a:schemeClr>
+                </a:solidFill>
+                <a:latin typeface="+mn-lt"/>
+                <a:cs typeface="+mn-cs"/>
+              </a:rPr>
+              <a:t>Software Architektur</a:t>
+            </a:r>
+            <a:endParaRPr lang="de-DE" sz="3600" u="sng">
               <a:solidFill>
                 <a:schemeClr val="tx1">
                   <a:lumMod val="85000"/>
@@ -8233,7 +8290,7 @@
         <p:spPr>
           <a:xfrm>
             <a:off x="827088" y="3645024"/>
-            <a:ext cx="3600450" cy="1015663"/>
+            <a:ext cx="3600450" cy="1938992"/>
           </a:xfrm>
           <a:prstGeom prst="rect">
             <a:avLst/>
@@ -8267,6 +8324,54 @@
                 <a:cs typeface="+mn-cs"/>
               </a:rPr>
               <a:t>Ersteller</a:t>
+            </a:r>
+          </a:p>
+          <a:p>
+            <a:pPr fontAlgn="auto">
+              <a:spcBef>
+                <a:spcPts val="0"/>
+              </a:spcBef>
+              <a:spcAft>
+                <a:spcPts val="0"/>
+              </a:spcAft>
+              <a:defRPr/>
+            </a:pPr>
+            <a:r>
+              <a:rPr lang="de-DE" sz="2000" dirty="0">
+                <a:solidFill>
+                  <a:schemeClr val="tx1">
+                    <a:lumMod val="85000"/>
+                    <a:lumOff val="15000"/>
+                  </a:schemeClr>
+                </a:solidFill>
+                <a:latin typeface="+mn-lt"/>
+                <a:cs typeface="+mn-cs"/>
+              </a:rPr>
+              <a:t>	766718</a:t>
+            </a:r>
+          </a:p>
+          <a:p>
+            <a:pPr fontAlgn="auto">
+              <a:spcBef>
+                <a:spcPts val="0"/>
+              </a:spcBef>
+              <a:spcAft>
+                <a:spcPts val="0"/>
+              </a:spcAft>
+              <a:defRPr/>
+            </a:pPr>
+            <a:r>
+              <a:rPr lang="de-DE" sz="2000" dirty="0">
+                <a:solidFill>
+                  <a:schemeClr val="tx1">
+                    <a:lumMod val="85000"/>
+                    <a:lumOff val="15000"/>
+                  </a:schemeClr>
+                </a:solidFill>
+                <a:latin typeface="+mn-lt"/>
+                <a:cs typeface="+mn-cs"/>
+              </a:rPr>
+              <a:t>	766568</a:t>
             </a:r>
           </a:p>
           <a:p>
@@ -8313,6 +8418,30 @@
               </a:rPr>
               <a:t>Datum</a:t>
             </a:r>
+          </a:p>
+          <a:p>
+            <a:pPr fontAlgn="auto">
+              <a:spcBef>
+                <a:spcPts val="0"/>
+              </a:spcBef>
+              <a:spcAft>
+                <a:spcPts val="0"/>
+              </a:spcAft>
+              <a:defRPr/>
+            </a:pPr>
+            <a:r>
+              <a:rPr lang="de-DE" sz="2000" dirty="0">
+                <a:solidFill>
+                  <a:schemeClr val="tx1">
+                    <a:lumMod val="85000"/>
+                    <a:lumOff val="15000"/>
+                  </a:schemeClr>
+                </a:solidFill>
+                <a:latin typeface="+mn-lt"/>
+                <a:cs typeface="+mn-cs"/>
+              </a:rPr>
+              <a:t>	16.05.2022</a:t>
+            </a:r>
             <a:endParaRPr lang="de-DE" sz="1050" dirty="0">
               <a:solidFill>
                 <a:schemeClr val="tx1">
@@ -8326,37 +8455,6 @@
           </a:p>
         </p:txBody>
       </p:sp>
-      <p:cxnSp>
-        <p:nvCxnSpPr>
-          <p:cNvPr id="3" name="Gerade Verbindung 2"/>
-          <p:cNvCxnSpPr/>
-          <p:nvPr/>
-        </p:nvCxnSpPr>
-        <p:spPr>
-          <a:xfrm>
-            <a:off x="923925" y="2636838"/>
-            <a:ext cx="4800600" cy="0"/>
-          </a:xfrm>
-          <a:prstGeom prst="line">
-            <a:avLst/>
-          </a:prstGeom>
-          <a:ln w="19050"/>
-        </p:spPr>
-        <p:style>
-          <a:lnRef idx="1">
-            <a:schemeClr val="dk1"/>
-          </a:lnRef>
-          <a:fillRef idx="0">
-            <a:schemeClr val="dk1"/>
-          </a:fillRef>
-          <a:effectRef idx="0">
-            <a:schemeClr val="dk1"/>
-          </a:effectRef>
-          <a:fontRef idx="minor">
-            <a:schemeClr val="tx1"/>
-          </a:fontRef>
-        </p:style>
-      </p:cxnSp>
       <p:sp>
         <p:nvSpPr>
           <p:cNvPr id="7" name="Textfeld 6"/>
@@ -8398,7 +8496,7 @@
                 <a:latin typeface="+mn-lt"/>
                 <a:cs typeface="+mn-cs"/>
               </a:rPr>
-              <a:t>Thema</a:t>
+              <a:t>BMS-Lab</a:t>
             </a:r>
             <a:endParaRPr lang="de-DE" sz="3600" dirty="0">
               <a:solidFill>
@@ -8412,30 +8510,6 @@
           </a:p>
         </p:txBody>
       </p:sp>
-      <p:pic>
-        <p:nvPicPr>
-          <p:cNvPr id="8" name="Grafik 7"/>
-          <p:cNvPicPr>
-            <a:picLocks noChangeAspect="1"/>
-          </p:cNvPicPr>
-          <p:nvPr/>
-        </p:nvPicPr>
-        <p:blipFill>
-          <a:blip r:embed="rId3"/>
-          <a:stretch>
-            <a:fillRect/>
-          </a:stretch>
-        </p:blipFill>
-        <p:spPr>
-          <a:xfrm>
-            <a:off x="6156176" y="503968"/>
-            <a:ext cx="2979624" cy="2602615"/>
-          </a:xfrm>
-          <a:prstGeom prst="rect">
-            <a:avLst/>
-          </a:prstGeom>
-        </p:spPr>
-      </p:pic>
       <p:pic>
         <p:nvPicPr>
           <p:cNvPr id="10" name="Grafik 9"/>
@@ -8674,7 +8748,7 @@
                 <a:latin typeface="+mn-lt"/>
                 <a:cs typeface="+mn-cs"/>
               </a:rPr>
-              <a:t>BMS-Lab</a:t>
+              <a:t>Komponenten</a:t>
             </a:r>
             <a:endParaRPr lang="de-DE" sz="3600" dirty="0">
               <a:solidFill>
@@ -8690,10 +8764,205 @@
       </p:sp>
       <p:sp>
         <p:nvSpPr>
-          <p:cNvPr id="2" name="Textfeld 1">
+          <p:cNvPr id="2" name="Rechteck 1">
             <a:extLst>
               <a:ext uri="{FF2B5EF4-FFF2-40B4-BE49-F238E27FC236}">
-                <a16:creationId xmlns:a16="http://schemas.microsoft.com/office/drawing/2014/main" id="{F5B03C12-B9B9-63E1-CC40-1A799E83544C}"/>
+                <a16:creationId xmlns:a16="http://schemas.microsoft.com/office/drawing/2014/main" id="{1CC065BE-F83B-5FA9-7B39-0573E17EB876}"/>
+              </a:ext>
+            </a:extLst>
+          </p:cNvPr>
+          <p:cNvSpPr/>
+          <p:nvPr/>
+        </p:nvSpPr>
+        <p:spPr>
+          <a:xfrm>
+            <a:off x="2771800" y="1949420"/>
+            <a:ext cx="3168352" cy="1801908"/>
+          </a:xfrm>
+          <a:prstGeom prst="rect">
+            <a:avLst/>
+          </a:prstGeom>
+        </p:spPr>
+        <p:style>
+          <a:lnRef idx="2">
+            <a:schemeClr val="dk1"/>
+          </a:lnRef>
+          <a:fillRef idx="1">
+            <a:schemeClr val="lt1"/>
+          </a:fillRef>
+          <a:effectRef idx="0">
+            <a:schemeClr val="dk1"/>
+          </a:effectRef>
+          <a:fontRef idx="minor">
+            <a:schemeClr val="dk1"/>
+          </a:fontRef>
+        </p:style>
+        <p:txBody>
+          <a:bodyPr rtlCol="0" anchor="t"/>
+          <a:lstStyle/>
+          <a:p>
+            <a:pPr algn="ctr"/>
+            <a:r>
+              <a:rPr lang="de-DE" sz="1400" dirty="0"/>
+              <a:t>Komponente 6</a:t>
+            </a:r>
+          </a:p>
+          <a:p>
+            <a:pPr algn="ctr"/>
+            <a:endParaRPr lang="de-DE" sz="1400" dirty="0"/>
+          </a:p>
+          <a:p>
+            <a:pPr algn="ctr"/>
+            <a:r>
+              <a:rPr lang="de-DE" dirty="0"/>
+              <a:t>Vehicle Control Unit</a:t>
+            </a:r>
+          </a:p>
+          <a:p>
+            <a:pPr algn="ctr"/>
+            <a:r>
+              <a:rPr lang="de-DE" dirty="0"/>
+              <a:t>(VCU)</a:t>
+            </a:r>
+          </a:p>
+        </p:txBody>
+      </p:sp>
+      <p:cxnSp>
+        <p:nvCxnSpPr>
+          <p:cNvPr id="4" name="Gerade Verbindung mit Pfeil 3">
+            <a:extLst>
+              <a:ext uri="{FF2B5EF4-FFF2-40B4-BE49-F238E27FC236}">
+                <a16:creationId xmlns:a16="http://schemas.microsoft.com/office/drawing/2014/main" id="{91BA3094-3BA4-013B-481B-0DABF09A4152}"/>
+              </a:ext>
+            </a:extLst>
+          </p:cNvPr>
+          <p:cNvCxnSpPr>
+            <a:cxnSpLocks/>
+          </p:cNvCxnSpPr>
+          <p:nvPr/>
+        </p:nvCxnSpPr>
+        <p:spPr>
+          <a:xfrm>
+            <a:off x="1131188" y="2875231"/>
+            <a:ext cx="1656184" cy="0"/>
+          </a:xfrm>
+          <a:prstGeom prst="straightConnector1">
+            <a:avLst/>
+          </a:prstGeom>
+          <a:ln>
+            <a:tailEnd type="triangle"/>
+          </a:ln>
+        </p:spPr>
+        <p:style>
+          <a:lnRef idx="1">
+            <a:schemeClr val="dk1"/>
+          </a:lnRef>
+          <a:fillRef idx="0">
+            <a:schemeClr val="dk1"/>
+          </a:fillRef>
+          <a:effectRef idx="0">
+            <a:schemeClr val="dk1"/>
+          </a:effectRef>
+          <a:fontRef idx="minor">
+            <a:schemeClr val="tx1"/>
+          </a:fontRef>
+        </p:style>
+      </p:cxnSp>
+      <p:cxnSp>
+        <p:nvCxnSpPr>
+          <p:cNvPr id="8" name="Gerade Verbindung mit Pfeil 7">
+            <a:extLst>
+              <a:ext uri="{FF2B5EF4-FFF2-40B4-BE49-F238E27FC236}">
+                <a16:creationId xmlns:a16="http://schemas.microsoft.com/office/drawing/2014/main" id="{B7FFF93C-CDCC-48D6-E929-70BB8B6410EB}"/>
+              </a:ext>
+            </a:extLst>
+          </p:cNvPr>
+          <p:cNvCxnSpPr>
+            <a:cxnSpLocks/>
+          </p:cNvCxnSpPr>
+          <p:nvPr/>
+        </p:nvCxnSpPr>
+        <p:spPr>
+          <a:xfrm>
+            <a:off x="5968908" y="2385944"/>
+            <a:ext cx="1656184" cy="0"/>
+          </a:xfrm>
+          <a:prstGeom prst="straightConnector1">
+            <a:avLst/>
+          </a:prstGeom>
+          <a:ln>
+            <a:tailEnd type="triangle"/>
+          </a:ln>
+        </p:spPr>
+        <p:style>
+          <a:lnRef idx="1">
+            <a:schemeClr val="dk1"/>
+          </a:lnRef>
+          <a:fillRef idx="0">
+            <a:schemeClr val="dk1"/>
+          </a:fillRef>
+          <a:effectRef idx="0">
+            <a:schemeClr val="dk1"/>
+          </a:effectRef>
+          <a:fontRef idx="minor">
+            <a:schemeClr val="tx1"/>
+          </a:fontRef>
+        </p:style>
+      </p:cxnSp>
+      <p:sp>
+        <p:nvSpPr>
+          <p:cNvPr id="5" name="Rechteck 4">
+            <a:extLst>
+              <a:ext uri="{FF2B5EF4-FFF2-40B4-BE49-F238E27FC236}">
+                <a16:creationId xmlns:a16="http://schemas.microsoft.com/office/drawing/2014/main" id="{EC55813B-9ECD-C501-358F-AD763F37CE95}"/>
+              </a:ext>
+            </a:extLst>
+          </p:cNvPr>
+          <p:cNvSpPr/>
+          <p:nvPr/>
+        </p:nvSpPr>
+        <p:spPr>
+          <a:xfrm>
+            <a:off x="4702288" y="3427878"/>
+            <a:ext cx="1224136" cy="323450"/>
+          </a:xfrm>
+          <a:prstGeom prst="rect">
+            <a:avLst/>
+          </a:prstGeom>
+          <a:ln w="9525"/>
+        </p:spPr>
+        <p:style>
+          <a:lnRef idx="2">
+            <a:schemeClr val="dk1"/>
+          </a:lnRef>
+          <a:fillRef idx="1">
+            <a:schemeClr val="lt1"/>
+          </a:fillRef>
+          <a:effectRef idx="0">
+            <a:schemeClr val="dk1"/>
+          </a:effectRef>
+          <a:fontRef idx="minor">
+            <a:schemeClr val="dk1"/>
+          </a:fontRef>
+        </p:style>
+        <p:txBody>
+          <a:bodyPr rtlCol="0" anchor="ctr"/>
+          <a:lstStyle/>
+          <a:p>
+            <a:pPr algn="ctr"/>
+            <a:r>
+              <a:rPr lang="de-DE" sz="1200" dirty="0"/>
+              <a:t>10x pro Sekunde</a:t>
+            </a:r>
+          </a:p>
+        </p:txBody>
+      </p:sp>
+      <p:sp>
+        <p:nvSpPr>
+          <p:cNvPr id="6" name="Textfeld 5">
+            <a:extLst>
+              <a:ext uri="{FF2B5EF4-FFF2-40B4-BE49-F238E27FC236}">
+                <a16:creationId xmlns:a16="http://schemas.microsoft.com/office/drawing/2014/main" id="{DD3DC2DF-4E59-1E95-3859-AE3E4C24DC6A}"/>
               </a:ext>
             </a:extLst>
           </p:cNvPr>
@@ -8702,8 +8971,8 @@
         </p:nvSpPr>
         <p:spPr>
           <a:xfrm>
-            <a:off x="755576" y="1700808"/>
-            <a:ext cx="7344816" cy="369332"/>
+            <a:off x="971600" y="4262611"/>
+            <a:ext cx="6984776" cy="584775"/>
           </a:xfrm>
           <a:prstGeom prst="rect">
             <a:avLst/>
@@ -8716,47 +8985,320 @@
           </a:bodyPr>
           <a:lstStyle/>
           <a:p>
-            <a:r>
-              <a:rPr lang="de-DE" dirty="0"/>
-              <a:t>Architektur</a:t>
-            </a:r>
-          </a:p>
-        </p:txBody>
-      </p:sp>
-      <p:pic>
-        <p:nvPicPr>
-          <p:cNvPr id="4" name="Grafik 3">
+            <a:pPr marL="285750" indent="-285750">
+              <a:buFont typeface="Arial" panose="020B0604020202020204" pitchFamily="34" charset="0"/>
+              <a:buChar char="•"/>
+            </a:pPr>
+            <a:r>
+              <a:rPr lang="de-DE" sz="1600" dirty="0"/>
+              <a:t>Die VCU verarbeitet die Informationen des </a:t>
+            </a:r>
+            <a:r>
+              <a:rPr lang="de-DE" sz="1600" dirty="0" err="1"/>
+              <a:t>Safety</a:t>
+            </a:r>
+            <a:r>
+              <a:rPr lang="de-DE" sz="1600" dirty="0"/>
+              <a:t> Controllers und gibt diese an das VCU Display und an den Inverter weiter.</a:t>
+            </a:r>
+          </a:p>
+        </p:txBody>
+      </p:sp>
+      <p:sp>
+        <p:nvSpPr>
+          <p:cNvPr id="7" name="Textfeld 6">
             <a:extLst>
               <a:ext uri="{FF2B5EF4-FFF2-40B4-BE49-F238E27FC236}">
-                <a16:creationId xmlns:a16="http://schemas.microsoft.com/office/drawing/2014/main" id="{45DC12FD-1065-378C-9AB4-1F343ED619A9}"/>
+                <a16:creationId xmlns:a16="http://schemas.microsoft.com/office/drawing/2014/main" id="{AF1A5FCA-9F96-B7B0-1BAA-4F389CC0A5F0}"/>
               </a:ext>
             </a:extLst>
           </p:cNvPr>
-          <p:cNvPicPr>
-            <a:picLocks noChangeAspect="1"/>
-          </p:cNvPicPr>
+          <p:cNvSpPr txBox="1"/>
           <p:nvPr/>
-        </p:nvPicPr>
-        <p:blipFill>
-          <a:blip r:embed="rId2"/>
-          <a:stretch>
-            <a:fillRect/>
-          </a:stretch>
-        </p:blipFill>
+        </p:nvSpPr>
         <p:spPr>
           <a:xfrm>
-            <a:off x="2123728" y="5143822"/>
-            <a:ext cx="4896544" cy="880491"/>
+            <a:off x="1092220" y="2590557"/>
+            <a:ext cx="1743764" cy="584775"/>
           </a:xfrm>
           <a:prstGeom prst="rect">
             <a:avLst/>
           </a:prstGeom>
+          <a:noFill/>
         </p:spPr>
-      </p:pic>
+        <p:txBody>
+          <a:bodyPr wrap="square" rtlCol="0">
+            <a:spAutoFit/>
+          </a:bodyPr>
+          <a:lstStyle/>
+          <a:p>
+            <a:r>
+              <a:rPr lang="de-DE" sz="1600" dirty="0">
+                <a:solidFill>
+                  <a:srgbClr val="0070C0"/>
+                </a:solidFill>
+              </a:rPr>
+              <a:t>Nachricht von </a:t>
+            </a:r>
+            <a:r>
+              <a:rPr lang="de-DE" sz="1600" dirty="0" err="1">
+                <a:solidFill>
+                  <a:srgbClr val="0070C0"/>
+                </a:solidFill>
+              </a:rPr>
+              <a:t>Safety</a:t>
+            </a:r>
+            <a:r>
+              <a:rPr lang="de-DE" sz="1600" dirty="0">
+                <a:solidFill>
+                  <a:srgbClr val="0070C0"/>
+                </a:solidFill>
+              </a:rPr>
+              <a:t> Controller</a:t>
+            </a:r>
+          </a:p>
+        </p:txBody>
+      </p:sp>
+      <p:sp>
+        <p:nvSpPr>
+          <p:cNvPr id="16" name="Textfeld 15">
+            <a:extLst>
+              <a:ext uri="{FF2B5EF4-FFF2-40B4-BE49-F238E27FC236}">
+                <a16:creationId xmlns:a16="http://schemas.microsoft.com/office/drawing/2014/main" id="{6D03D6D3-8D89-86D6-22C6-EB2D0D390FD1}"/>
+              </a:ext>
+            </a:extLst>
+          </p:cNvPr>
+          <p:cNvSpPr txBox="1"/>
+          <p:nvPr/>
+        </p:nvSpPr>
+        <p:spPr>
+          <a:xfrm>
+            <a:off x="6139936" y="2101272"/>
+            <a:ext cx="1512168" cy="338554"/>
+          </a:xfrm>
+          <a:prstGeom prst="rect">
+            <a:avLst/>
+          </a:prstGeom>
+          <a:noFill/>
+        </p:spPr>
+        <p:txBody>
+          <a:bodyPr wrap="square" rtlCol="0">
+            <a:spAutoFit/>
+          </a:bodyPr>
+          <a:lstStyle/>
+          <a:p>
+            <a:r>
+              <a:rPr lang="de-DE" sz="1600" dirty="0">
+                <a:solidFill>
+                  <a:srgbClr val="FF0000"/>
+                </a:solidFill>
+              </a:rPr>
+              <a:t>Display (VCU)</a:t>
+            </a:r>
+          </a:p>
+        </p:txBody>
+      </p:sp>
+      <p:sp>
+        <p:nvSpPr>
+          <p:cNvPr id="3" name="Textfeld 2">
+            <a:extLst>
+              <a:ext uri="{FF2B5EF4-FFF2-40B4-BE49-F238E27FC236}">
+                <a16:creationId xmlns:a16="http://schemas.microsoft.com/office/drawing/2014/main" id="{6AB53ED0-9355-F510-BB7D-B1F2132E81EE}"/>
+              </a:ext>
+            </a:extLst>
+          </p:cNvPr>
+          <p:cNvSpPr txBox="1"/>
+          <p:nvPr/>
+        </p:nvSpPr>
+        <p:spPr>
+          <a:xfrm>
+            <a:off x="1815932" y="1567825"/>
+            <a:ext cx="5080088" cy="276999"/>
+          </a:xfrm>
+          <a:prstGeom prst="rect">
+            <a:avLst/>
+          </a:prstGeom>
+          <a:noFill/>
+        </p:spPr>
+        <p:txBody>
+          <a:bodyPr wrap="square" rtlCol="0">
+            <a:spAutoFit/>
+          </a:bodyPr>
+          <a:lstStyle/>
+          <a:p>
+            <a:r>
+              <a:rPr lang="de-DE" sz="1200" dirty="0">
+                <a:solidFill>
+                  <a:srgbClr val="00B050"/>
+                </a:solidFill>
+              </a:rPr>
+              <a:t>■  Sensor Eingang            </a:t>
+            </a:r>
+            <a:r>
+              <a:rPr lang="de-DE" sz="1200" dirty="0">
+                <a:solidFill>
+                  <a:srgbClr val="FF0000"/>
+                </a:solidFill>
+              </a:rPr>
+              <a:t>■  Aktor Ausgang           </a:t>
+            </a:r>
+            <a:r>
+              <a:rPr lang="de-DE" sz="1200" dirty="0">
+                <a:solidFill>
+                  <a:srgbClr val="0070C0"/>
+                </a:solidFill>
+              </a:rPr>
+              <a:t>■  Berechnete Daten</a:t>
+            </a:r>
+            <a:endParaRPr lang="de-DE" sz="1200" dirty="0">
+              <a:solidFill>
+                <a:srgbClr val="FF0000"/>
+              </a:solidFill>
+            </a:endParaRPr>
+          </a:p>
+        </p:txBody>
+      </p:sp>
+      <p:cxnSp>
+        <p:nvCxnSpPr>
+          <p:cNvPr id="17" name="Gerade Verbindung mit Pfeil 16">
+            <a:extLst>
+              <a:ext uri="{FF2B5EF4-FFF2-40B4-BE49-F238E27FC236}">
+                <a16:creationId xmlns:a16="http://schemas.microsoft.com/office/drawing/2014/main" id="{3E4F3910-5F06-519B-9C8B-41AC497D4F2B}"/>
+              </a:ext>
+            </a:extLst>
+          </p:cNvPr>
+          <p:cNvCxnSpPr>
+            <a:cxnSpLocks/>
+          </p:cNvCxnSpPr>
+          <p:nvPr/>
+        </p:nvCxnSpPr>
+        <p:spPr>
+          <a:xfrm>
+            <a:off x="5963188" y="3224489"/>
+            <a:ext cx="1656184" cy="0"/>
+          </a:xfrm>
+          <a:prstGeom prst="straightConnector1">
+            <a:avLst/>
+          </a:prstGeom>
+          <a:ln>
+            <a:tailEnd type="triangle"/>
+          </a:ln>
+        </p:spPr>
+        <p:style>
+          <a:lnRef idx="1">
+            <a:schemeClr val="dk1"/>
+          </a:lnRef>
+          <a:fillRef idx="0">
+            <a:schemeClr val="dk1"/>
+          </a:fillRef>
+          <a:effectRef idx="0">
+            <a:schemeClr val="dk1"/>
+          </a:effectRef>
+          <a:fontRef idx="minor">
+            <a:schemeClr val="tx1"/>
+          </a:fontRef>
+        </p:style>
+      </p:cxnSp>
+      <p:sp>
+        <p:nvSpPr>
+          <p:cNvPr id="19" name="Textfeld 18">
+            <a:extLst>
+              <a:ext uri="{FF2B5EF4-FFF2-40B4-BE49-F238E27FC236}">
+                <a16:creationId xmlns:a16="http://schemas.microsoft.com/office/drawing/2014/main" id="{9D8BD886-8B52-2117-C533-892FAE6E474E}"/>
+              </a:ext>
+            </a:extLst>
+          </p:cNvPr>
+          <p:cNvSpPr txBox="1"/>
+          <p:nvPr/>
+        </p:nvSpPr>
+        <p:spPr>
+          <a:xfrm>
+            <a:off x="6134216" y="2939817"/>
+            <a:ext cx="1512168" cy="338554"/>
+          </a:xfrm>
+          <a:prstGeom prst="rect">
+            <a:avLst/>
+          </a:prstGeom>
+          <a:noFill/>
+        </p:spPr>
+        <p:txBody>
+          <a:bodyPr wrap="square" rtlCol="0">
+            <a:spAutoFit/>
+          </a:bodyPr>
+          <a:lstStyle/>
+          <a:p>
+            <a:r>
+              <a:rPr lang="de-DE" sz="1600" dirty="0">
+                <a:solidFill>
+                  <a:srgbClr val="FF0000"/>
+                </a:solidFill>
+              </a:rPr>
+              <a:t>Inverter</a:t>
+            </a:r>
+          </a:p>
+        </p:txBody>
+      </p:sp>
+      <p:sp>
+        <p:nvSpPr>
+          <p:cNvPr id="20" name="Rechteck 19">
+            <a:extLst>
+              <a:ext uri="{FF2B5EF4-FFF2-40B4-BE49-F238E27FC236}">
+                <a16:creationId xmlns:a16="http://schemas.microsoft.com/office/drawing/2014/main" id="{F7897167-2F51-A62F-0A64-8C0DE3E5D474}"/>
+              </a:ext>
+            </a:extLst>
+          </p:cNvPr>
+          <p:cNvSpPr/>
+          <p:nvPr/>
+        </p:nvSpPr>
+        <p:spPr>
+          <a:xfrm>
+            <a:off x="2787372" y="3297903"/>
+            <a:ext cx="1914916" cy="453378"/>
+          </a:xfrm>
+          <a:prstGeom prst="rect">
+            <a:avLst/>
+          </a:prstGeom>
+          <a:ln w="9525"/>
+        </p:spPr>
+        <p:style>
+          <a:lnRef idx="2">
+            <a:schemeClr val="dk1"/>
+          </a:lnRef>
+          <a:fillRef idx="1">
+            <a:schemeClr val="lt1"/>
+          </a:fillRef>
+          <a:effectRef idx="0">
+            <a:schemeClr val="dk1"/>
+          </a:effectRef>
+          <a:fontRef idx="minor">
+            <a:schemeClr val="dk1"/>
+          </a:fontRef>
+        </p:style>
+        <p:txBody>
+          <a:bodyPr rtlCol="0" anchor="t"/>
+          <a:lstStyle/>
+          <a:p>
+            <a:r>
+              <a:rPr lang="de-DE" sz="1200" dirty="0" err="1"/>
+              <a:t>Requirements</a:t>
+            </a:r>
+            <a:r>
+              <a:rPr lang="de-DE" sz="1200" dirty="0"/>
+              <a:t>:</a:t>
+            </a:r>
+          </a:p>
+          <a:p>
+            <a:r>
+              <a:rPr lang="de-DE" sz="1200" dirty="0"/>
+              <a:t>BMS-101 bis BMS-111</a:t>
+            </a:r>
+          </a:p>
+        </p:txBody>
+      </p:sp>
     </p:spTree>
     <p:extLst>
       <p:ext uri="{BB962C8B-B14F-4D97-AF65-F5344CB8AC3E}">
-        <p14:creationId xmlns:p14="http://schemas.microsoft.com/office/powerpoint/2010/main" val="1938776808"/>
+        <p14:creationId xmlns:p14="http://schemas.microsoft.com/office/powerpoint/2010/main" val="2368014717"/>
       </p:ext>
     </p:extLst>
   </p:cSld>
@@ -8915,7 +9457,7 @@
               <a:defRPr/>
             </a:pPr>
             <a:r>
-              <a:rPr lang="de-DE" sz="4000" dirty="0">
+              <a:rPr lang="de-DE" sz="4000">
                 <a:solidFill>
                   <a:schemeClr val="bg1">
                     <a:lumMod val="75000"/>
@@ -8924,7 +9466,7 @@
                 <a:latin typeface="+mn-lt"/>
                 <a:cs typeface="+mn-cs"/>
               </a:rPr>
-              <a:t>Thema</a:t>
+              <a:t>Software Architektur</a:t>
             </a:r>
             <a:endParaRPr lang="de-DE" sz="3600" dirty="0">
               <a:solidFill>
@@ -8938,10 +9480,502 @@
           </a:p>
         </p:txBody>
       </p:sp>
+      <p:pic>
+        <p:nvPicPr>
+          <p:cNvPr id="6" name="Grafik 5">
+            <a:extLst>
+              <a:ext uri="{FF2B5EF4-FFF2-40B4-BE49-F238E27FC236}">
+                <a16:creationId xmlns:a16="http://schemas.microsoft.com/office/drawing/2014/main" id="{3F9ABA64-3363-6B79-8EF6-9422A7070E1F}"/>
+              </a:ext>
+            </a:extLst>
+          </p:cNvPr>
+          <p:cNvPicPr>
+            <a:picLocks noChangeAspect="1"/>
+          </p:cNvPicPr>
+          <p:nvPr/>
+        </p:nvPicPr>
+        <p:blipFill>
+          <a:blip r:embed="rId2" cstate="print">
+            <a:extLst>
+              <a:ext uri="{28A0092B-C50C-407E-A947-70E740481C1C}">
+                <a14:useLocalDpi xmlns:a14="http://schemas.microsoft.com/office/drawing/2010/main" val="0"/>
+              </a:ext>
+            </a:extLst>
+          </a:blip>
+          <a:srcRect/>
+          <a:stretch/>
+        </p:blipFill>
+        <p:spPr>
+          <a:xfrm>
+            <a:off x="5770444" y="1593544"/>
+            <a:ext cx="3271056" cy="1044838"/>
+          </a:xfrm>
+          <a:prstGeom prst="rect">
+            <a:avLst/>
+          </a:prstGeom>
+        </p:spPr>
+      </p:pic>
+      <p:cxnSp>
+        <p:nvCxnSpPr>
+          <p:cNvPr id="8" name="Gerader Verbinder 7">
+            <a:extLst>
+              <a:ext uri="{FF2B5EF4-FFF2-40B4-BE49-F238E27FC236}">
+                <a16:creationId xmlns:a16="http://schemas.microsoft.com/office/drawing/2014/main" id="{FAA8A70F-5AC3-3FB0-F91D-EB73290E601F}"/>
+              </a:ext>
+            </a:extLst>
+          </p:cNvPr>
+          <p:cNvCxnSpPr/>
+          <p:nvPr/>
+        </p:nvCxnSpPr>
+        <p:spPr>
+          <a:xfrm>
+            <a:off x="143508" y="2656565"/>
+            <a:ext cx="8856984" cy="0"/>
+          </a:xfrm>
+          <a:prstGeom prst="line">
+            <a:avLst/>
+          </a:prstGeom>
+          <a:ln w="9525" cap="flat" cmpd="sng" algn="ctr">
+            <a:solidFill>
+              <a:schemeClr val="accent1"/>
+            </a:solidFill>
+            <a:prstDash val="dash"/>
+            <a:round/>
+            <a:headEnd type="none" w="med" len="med"/>
+            <a:tailEnd type="none" w="med" len="med"/>
+          </a:ln>
+        </p:spPr>
+        <p:style>
+          <a:lnRef idx="0">
+            <a:scrgbClr r="0" g="0" b="0"/>
+          </a:lnRef>
+          <a:fillRef idx="0">
+            <a:scrgbClr r="0" g="0" b="0"/>
+          </a:fillRef>
+          <a:effectRef idx="0">
+            <a:scrgbClr r="0" g="0" b="0"/>
+          </a:effectRef>
+          <a:fontRef idx="minor">
+            <a:schemeClr val="tx1"/>
+          </a:fontRef>
+        </p:style>
+      </p:cxnSp>
+      <p:cxnSp>
+        <p:nvCxnSpPr>
+          <p:cNvPr id="12" name="Gerader Verbinder 11">
+            <a:extLst>
+              <a:ext uri="{FF2B5EF4-FFF2-40B4-BE49-F238E27FC236}">
+                <a16:creationId xmlns:a16="http://schemas.microsoft.com/office/drawing/2014/main" id="{6D2D8386-C8AA-7E66-DE45-F1E5C5A0C795}"/>
+              </a:ext>
+            </a:extLst>
+          </p:cNvPr>
+          <p:cNvCxnSpPr/>
+          <p:nvPr/>
+        </p:nvCxnSpPr>
+        <p:spPr>
+          <a:xfrm>
+            <a:off x="143508" y="3861048"/>
+            <a:ext cx="8856984" cy="0"/>
+          </a:xfrm>
+          <a:prstGeom prst="line">
+            <a:avLst/>
+          </a:prstGeom>
+          <a:ln w="9525" cap="flat" cmpd="sng" algn="ctr">
+            <a:solidFill>
+              <a:schemeClr val="accent1"/>
+            </a:solidFill>
+            <a:prstDash val="dash"/>
+            <a:round/>
+            <a:headEnd type="none" w="med" len="med"/>
+            <a:tailEnd type="none" w="med" len="med"/>
+          </a:ln>
+        </p:spPr>
+        <p:style>
+          <a:lnRef idx="0">
+            <a:scrgbClr r="0" g="0" b="0"/>
+          </a:lnRef>
+          <a:fillRef idx="0">
+            <a:scrgbClr r="0" g="0" b="0"/>
+          </a:fillRef>
+          <a:effectRef idx="0">
+            <a:scrgbClr r="0" g="0" b="0"/>
+          </a:effectRef>
+          <a:fontRef idx="minor">
+            <a:schemeClr val="tx1"/>
+          </a:fontRef>
+        </p:style>
+      </p:cxnSp>
+      <p:cxnSp>
+        <p:nvCxnSpPr>
+          <p:cNvPr id="14" name="Gerader Verbinder 13">
+            <a:extLst>
+              <a:ext uri="{FF2B5EF4-FFF2-40B4-BE49-F238E27FC236}">
+                <a16:creationId xmlns:a16="http://schemas.microsoft.com/office/drawing/2014/main" id="{EA0990F9-6EA5-89A9-EF08-039F1724F062}"/>
+              </a:ext>
+            </a:extLst>
+          </p:cNvPr>
+          <p:cNvCxnSpPr/>
+          <p:nvPr/>
+        </p:nvCxnSpPr>
+        <p:spPr>
+          <a:xfrm>
+            <a:off x="143508" y="5085184"/>
+            <a:ext cx="8856984" cy="0"/>
+          </a:xfrm>
+          <a:prstGeom prst="line">
+            <a:avLst/>
+          </a:prstGeom>
+          <a:ln w="9525" cap="flat" cmpd="sng" algn="ctr">
+            <a:solidFill>
+              <a:schemeClr val="accent1"/>
+            </a:solidFill>
+            <a:prstDash val="dash"/>
+            <a:round/>
+            <a:headEnd type="none" w="med" len="med"/>
+            <a:tailEnd type="none" w="med" len="med"/>
+          </a:ln>
+        </p:spPr>
+        <p:style>
+          <a:lnRef idx="0">
+            <a:scrgbClr r="0" g="0" b="0"/>
+          </a:lnRef>
+          <a:fillRef idx="0">
+            <a:scrgbClr r="0" g="0" b="0"/>
+          </a:fillRef>
+          <a:effectRef idx="0">
+            <a:scrgbClr r="0" g="0" b="0"/>
+          </a:effectRef>
+          <a:fontRef idx="minor">
+            <a:schemeClr val="tx1"/>
+          </a:fontRef>
+        </p:style>
+      </p:cxnSp>
+      <p:sp>
+        <p:nvSpPr>
+          <p:cNvPr id="9" name="Textfeld 8">
+            <a:extLst>
+              <a:ext uri="{FF2B5EF4-FFF2-40B4-BE49-F238E27FC236}">
+                <a16:creationId xmlns:a16="http://schemas.microsoft.com/office/drawing/2014/main" id="{A32ADE64-7257-822A-CEE3-89AB117008F3}"/>
+              </a:ext>
+            </a:extLst>
+          </p:cNvPr>
+          <p:cNvSpPr txBox="1"/>
+          <p:nvPr/>
+        </p:nvSpPr>
+        <p:spPr>
+          <a:xfrm>
+            <a:off x="179513" y="1886039"/>
+            <a:ext cx="2160239" cy="369332"/>
+          </a:xfrm>
+          <a:prstGeom prst="rect">
+            <a:avLst/>
+          </a:prstGeom>
+          <a:noFill/>
+        </p:spPr>
+        <p:txBody>
+          <a:bodyPr wrap="square" rtlCol="0">
+            <a:spAutoFit/>
+          </a:bodyPr>
+          <a:lstStyle/>
+          <a:p>
+            <a:r>
+              <a:rPr lang="de-DE" dirty="0"/>
+              <a:t>Sicherheits-Schicht</a:t>
+            </a:r>
+          </a:p>
+        </p:txBody>
+      </p:sp>
+      <p:sp>
+        <p:nvSpPr>
+          <p:cNvPr id="15" name="Textfeld 14">
+            <a:extLst>
+              <a:ext uri="{FF2B5EF4-FFF2-40B4-BE49-F238E27FC236}">
+                <a16:creationId xmlns:a16="http://schemas.microsoft.com/office/drawing/2014/main" id="{76368781-2A25-DF4A-999A-725AB6360056}"/>
+              </a:ext>
+            </a:extLst>
+          </p:cNvPr>
+          <p:cNvSpPr txBox="1"/>
+          <p:nvPr/>
+        </p:nvSpPr>
+        <p:spPr>
+          <a:xfrm>
+            <a:off x="179513" y="3056476"/>
+            <a:ext cx="3024335" cy="369332"/>
+          </a:xfrm>
+          <a:prstGeom prst="rect">
+            <a:avLst/>
+          </a:prstGeom>
+          <a:noFill/>
+        </p:spPr>
+        <p:txBody>
+          <a:bodyPr wrap="square" rtlCol="0">
+            <a:spAutoFit/>
+          </a:bodyPr>
+          <a:lstStyle/>
+          <a:p>
+            <a:r>
+              <a:rPr lang="de-DE" dirty="0" err="1"/>
+              <a:t>Cell</a:t>
+            </a:r>
+            <a:r>
+              <a:rPr lang="de-DE" dirty="0"/>
+              <a:t>-</a:t>
+            </a:r>
+            <a:r>
+              <a:rPr lang="de-DE" dirty="0" err="1"/>
+              <a:t>Balancing</a:t>
+            </a:r>
+            <a:r>
+              <a:rPr lang="de-DE" dirty="0"/>
+              <a:t>-Schicht</a:t>
+            </a:r>
+          </a:p>
+        </p:txBody>
+      </p:sp>
+      <p:sp>
+        <p:nvSpPr>
+          <p:cNvPr id="16" name="Textfeld 15">
+            <a:extLst>
+              <a:ext uri="{FF2B5EF4-FFF2-40B4-BE49-F238E27FC236}">
+                <a16:creationId xmlns:a16="http://schemas.microsoft.com/office/drawing/2014/main" id="{7DC0CBA9-9D7F-A876-8221-5E489D75A9D6}"/>
+              </a:ext>
+            </a:extLst>
+          </p:cNvPr>
+          <p:cNvSpPr txBox="1"/>
+          <p:nvPr/>
+        </p:nvSpPr>
+        <p:spPr>
+          <a:xfrm>
+            <a:off x="179512" y="4260958"/>
+            <a:ext cx="2376264" cy="369332"/>
+          </a:xfrm>
+          <a:prstGeom prst="rect">
+            <a:avLst/>
+          </a:prstGeom>
+          <a:noFill/>
+        </p:spPr>
+        <p:txBody>
+          <a:bodyPr wrap="square" rtlCol="0">
+            <a:spAutoFit/>
+          </a:bodyPr>
+          <a:lstStyle/>
+          <a:p>
+            <a:r>
+              <a:rPr lang="de-DE" dirty="0"/>
+              <a:t>Informations-Schicht</a:t>
+            </a:r>
+          </a:p>
+        </p:txBody>
+      </p:sp>
+      <p:sp>
+        <p:nvSpPr>
+          <p:cNvPr id="17" name="Textfeld 16">
+            <a:extLst>
+              <a:ext uri="{FF2B5EF4-FFF2-40B4-BE49-F238E27FC236}">
+                <a16:creationId xmlns:a16="http://schemas.microsoft.com/office/drawing/2014/main" id="{6BB8406F-D5BD-49A7-CA6A-2D1F12F9B7B4}"/>
+              </a:ext>
+            </a:extLst>
+          </p:cNvPr>
+          <p:cNvSpPr txBox="1"/>
+          <p:nvPr/>
+        </p:nvSpPr>
+        <p:spPr>
+          <a:xfrm>
+            <a:off x="179512" y="5485093"/>
+            <a:ext cx="3888432" cy="369332"/>
+          </a:xfrm>
+          <a:prstGeom prst="rect">
+            <a:avLst/>
+          </a:prstGeom>
+          <a:noFill/>
+        </p:spPr>
+        <p:txBody>
+          <a:bodyPr wrap="square" rtlCol="0">
+            <a:spAutoFit/>
+          </a:bodyPr>
+          <a:lstStyle/>
+          <a:p>
+            <a:r>
+              <a:rPr lang="de-DE" dirty="0"/>
+              <a:t>Vehicle-Control-Unit-Schicht</a:t>
+            </a:r>
+          </a:p>
+        </p:txBody>
+      </p:sp>
+      <p:pic>
+        <p:nvPicPr>
+          <p:cNvPr id="11" name="Grafik 10">
+            <a:extLst>
+              <a:ext uri="{FF2B5EF4-FFF2-40B4-BE49-F238E27FC236}">
+                <a16:creationId xmlns:a16="http://schemas.microsoft.com/office/drawing/2014/main" id="{5FCDA3DF-28C4-8D58-5857-C5BCB54EB95B}"/>
+              </a:ext>
+            </a:extLst>
+          </p:cNvPr>
+          <p:cNvPicPr>
+            <a:picLocks noChangeAspect="1"/>
+          </p:cNvPicPr>
+          <p:nvPr/>
+        </p:nvPicPr>
+        <p:blipFill>
+          <a:blip r:embed="rId3" cstate="print">
+            <a:extLst>
+              <a:ext uri="{28A0092B-C50C-407E-A947-70E740481C1C}">
+                <a14:useLocalDpi xmlns:a14="http://schemas.microsoft.com/office/drawing/2010/main" val="0"/>
+              </a:ext>
+            </a:extLst>
+          </a:blip>
+          <a:srcRect/>
+          <a:stretch/>
+        </p:blipFill>
+        <p:spPr>
+          <a:xfrm>
+            <a:off x="5749788" y="2780928"/>
+            <a:ext cx="3322711" cy="956141"/>
+          </a:xfrm>
+          <a:prstGeom prst="rect">
+            <a:avLst/>
+          </a:prstGeom>
+        </p:spPr>
+      </p:pic>
+      <p:pic>
+        <p:nvPicPr>
+          <p:cNvPr id="20" name="Grafik 19">
+            <a:extLst>
+              <a:ext uri="{FF2B5EF4-FFF2-40B4-BE49-F238E27FC236}">
+                <a16:creationId xmlns:a16="http://schemas.microsoft.com/office/drawing/2014/main" id="{EEBA4ECF-445C-3C73-F4D8-3BD3A6AA986D}"/>
+              </a:ext>
+            </a:extLst>
+          </p:cNvPr>
+          <p:cNvPicPr>
+            <a:picLocks noChangeAspect="1"/>
+          </p:cNvPicPr>
+          <p:nvPr/>
+        </p:nvPicPr>
+        <p:blipFill>
+          <a:blip r:embed="rId4" cstate="print">
+            <a:extLst>
+              <a:ext uri="{28A0092B-C50C-407E-A947-70E740481C1C}">
+                <a14:useLocalDpi xmlns:a14="http://schemas.microsoft.com/office/drawing/2010/main" val="0"/>
+              </a:ext>
+            </a:extLst>
+          </a:blip>
+          <a:srcRect/>
+          <a:stretch/>
+        </p:blipFill>
+        <p:spPr>
+          <a:xfrm>
+            <a:off x="2334739" y="1610729"/>
+            <a:ext cx="3402261" cy="954175"/>
+          </a:xfrm>
+          <a:prstGeom prst="rect">
+            <a:avLst/>
+          </a:prstGeom>
+        </p:spPr>
+      </p:pic>
+      <p:pic>
+        <p:nvPicPr>
+          <p:cNvPr id="22" name="Grafik 21">
+            <a:extLst>
+              <a:ext uri="{FF2B5EF4-FFF2-40B4-BE49-F238E27FC236}">
+                <a16:creationId xmlns:a16="http://schemas.microsoft.com/office/drawing/2014/main" id="{7ADFF31B-82F4-C439-E036-B71FDFF4557A}"/>
+              </a:ext>
+            </a:extLst>
+          </p:cNvPr>
+          <p:cNvPicPr>
+            <a:picLocks noChangeAspect="1"/>
+          </p:cNvPicPr>
+          <p:nvPr/>
+        </p:nvPicPr>
+        <p:blipFill>
+          <a:blip r:embed="rId5"/>
+          <a:stretch>
+            <a:fillRect/>
+          </a:stretch>
+        </p:blipFill>
+        <p:spPr>
+          <a:xfrm>
+            <a:off x="2411760" y="4003864"/>
+            <a:ext cx="3312368" cy="964118"/>
+          </a:xfrm>
+          <a:prstGeom prst="rect">
+            <a:avLst/>
+          </a:prstGeom>
+        </p:spPr>
+      </p:pic>
+      <p:pic>
+        <p:nvPicPr>
+          <p:cNvPr id="24" name="Grafik 23">
+            <a:extLst>
+              <a:ext uri="{FF2B5EF4-FFF2-40B4-BE49-F238E27FC236}">
+                <a16:creationId xmlns:a16="http://schemas.microsoft.com/office/drawing/2014/main" id="{08EF6AFD-9706-E584-1F23-0F1874988CD7}"/>
+              </a:ext>
+            </a:extLst>
+          </p:cNvPr>
+          <p:cNvPicPr>
+            <a:picLocks noChangeAspect="1"/>
+          </p:cNvPicPr>
+          <p:nvPr/>
+        </p:nvPicPr>
+        <p:blipFill>
+          <a:blip r:embed="rId6" cstate="print">
+            <a:extLst>
+              <a:ext uri="{28A0092B-C50C-407E-A947-70E740481C1C}">
+                <a14:useLocalDpi xmlns:a14="http://schemas.microsoft.com/office/drawing/2010/main" val="0"/>
+              </a:ext>
+            </a:extLst>
+          </a:blip>
+          <a:srcRect/>
+          <a:stretch/>
+        </p:blipFill>
+        <p:spPr>
+          <a:xfrm>
+            <a:off x="5740215" y="4024176"/>
+            <a:ext cx="3316632" cy="968359"/>
+          </a:xfrm>
+          <a:prstGeom prst="rect">
+            <a:avLst/>
+          </a:prstGeom>
+        </p:spPr>
+      </p:pic>
+      <p:pic>
+        <p:nvPicPr>
+          <p:cNvPr id="26" name="Grafik 25">
+            <a:extLst>
+              <a:ext uri="{FF2B5EF4-FFF2-40B4-BE49-F238E27FC236}">
+                <a16:creationId xmlns:a16="http://schemas.microsoft.com/office/drawing/2014/main" id="{E69B30B1-1759-29BC-AF94-930662890084}"/>
+              </a:ext>
+            </a:extLst>
+          </p:cNvPr>
+          <p:cNvPicPr>
+            <a:picLocks noChangeAspect="1"/>
+          </p:cNvPicPr>
+          <p:nvPr/>
+        </p:nvPicPr>
+        <p:blipFill>
+          <a:blip r:embed="rId7" cstate="print">
+            <a:extLst>
+              <a:ext uri="{28A0092B-C50C-407E-A947-70E740481C1C}">
+                <a14:useLocalDpi xmlns:a14="http://schemas.microsoft.com/office/drawing/2010/main" val="0"/>
+              </a:ext>
+            </a:extLst>
+          </a:blip>
+          <a:srcRect/>
+          <a:stretch/>
+        </p:blipFill>
+        <p:spPr>
+          <a:xfrm>
+            <a:off x="5749788" y="5246939"/>
+            <a:ext cx="3312368" cy="964721"/>
+          </a:xfrm>
+          <a:prstGeom prst="rect">
+            <a:avLst/>
+          </a:prstGeom>
+        </p:spPr>
+      </p:pic>
     </p:spTree>
     <p:extLst>
       <p:ext uri="{BB962C8B-B14F-4D97-AF65-F5344CB8AC3E}">
-        <p14:creationId xmlns:p14="http://schemas.microsoft.com/office/powerpoint/2010/main" val="3047484660"/>
+        <p14:creationId xmlns:p14="http://schemas.microsoft.com/office/powerpoint/2010/main" val="3380547026"/>
       </p:ext>
     </p:extLst>
   </p:cSld>
@@ -9076,7 +10110,7 @@
         </p:nvSpPr>
         <p:spPr>
           <a:xfrm>
-            <a:off x="323529" y="438420"/>
+            <a:off x="323529" y="373106"/>
             <a:ext cx="6408712" cy="707886"/>
           </a:xfrm>
           <a:prstGeom prst="rect">
@@ -9109,7 +10143,7 @@
                 <a:latin typeface="+mn-lt"/>
                 <a:cs typeface="+mn-cs"/>
               </a:rPr>
-              <a:t>Thema</a:t>
+              <a:t>Software Architektur</a:t>
             </a:r>
             <a:endParaRPr lang="de-DE" sz="3600" dirty="0">
               <a:solidFill>
@@ -9123,752 +10157,47 @@
           </a:p>
         </p:txBody>
       </p:sp>
-    </p:spTree>
-    <p:extLst>
-      <p:ext uri="{BB962C8B-B14F-4D97-AF65-F5344CB8AC3E}">
-        <p14:creationId xmlns:p14="http://schemas.microsoft.com/office/powerpoint/2010/main" val="3520442360"/>
-      </p:ext>
-    </p:extLst>
-  </p:cSld>
-  <p:clrMapOvr>
-    <a:masterClrMapping/>
-  </p:clrMapOvr>
-</p:sld>
-</file>
-
-<file path=ppt/slides/slide13.xml><?xml version="1.0" encoding="utf-8"?>
-<p:sld xmlns:a="http://schemas.openxmlformats.org/drawingml/2006/main" xmlns:r="http://schemas.openxmlformats.org/officeDocument/2006/relationships" xmlns:p="http://schemas.openxmlformats.org/presentationml/2006/main">
-  <p:cSld>
-    <p:spTree>
-      <p:nvGrpSpPr>
-        <p:cNvPr id="1" name=""/>
-        <p:cNvGrpSpPr/>
-        <p:nvPr/>
-      </p:nvGrpSpPr>
-      <p:grpSpPr>
-        <a:xfrm>
-          <a:off x="0" y="0"/>
-          <a:ext cx="0" cy="0"/>
-          <a:chOff x="0" y="0"/>
-          <a:chExt cx="0" cy="0"/>
-        </a:xfrm>
-      </p:grpSpPr>
-      <p:sp>
-        <p:nvSpPr>
-          <p:cNvPr id="18" name="Foliennummernplatzhalter 17"/>
-          <p:cNvSpPr txBox="1">
-            <a:spLocks noGrp="1"/>
-          </p:cNvSpPr>
+      <p:pic>
+        <p:nvPicPr>
+          <p:cNvPr id="5" name="Grafik 4">
+            <a:extLst>
+              <a:ext uri="{FF2B5EF4-FFF2-40B4-BE49-F238E27FC236}">
+                <a16:creationId xmlns:a16="http://schemas.microsoft.com/office/drawing/2014/main" id="{BFC43D45-4FD9-0BB9-E62D-9C3547DDA867}"/>
+              </a:ext>
+            </a:extLst>
+          </p:cNvPr>
+          <p:cNvPicPr>
+            <a:picLocks noChangeAspect="1"/>
+          </p:cNvPicPr>
           <p:nvPr/>
-        </p:nvSpPr>
+        </p:nvPicPr>
+        <p:blipFill>
+          <a:blip r:embed="rId2"/>
+          <a:stretch>
+            <a:fillRect/>
+          </a:stretch>
+        </p:blipFill>
         <p:spPr>
           <a:xfrm>
-            <a:off x="6553200" y="6356350"/>
-            <a:ext cx="2133600" cy="365125"/>
+            <a:off x="1011297" y="1611029"/>
+            <a:ext cx="7345966" cy="3801519"/>
           </a:xfrm>
           <a:prstGeom prst="rect">
             <a:avLst/>
           </a:prstGeom>
-          <a:noFill/>
-        </p:spPr>
-        <p:txBody>
-          <a:bodyPr anchor="ctr"/>
-          <a:lstStyle/>
-          <a:p>
-            <a:pPr algn="r" fontAlgn="auto">
-              <a:spcBef>
-                <a:spcPts val="0"/>
-              </a:spcBef>
-              <a:spcAft>
-                <a:spcPts val="0"/>
-              </a:spcAft>
-              <a:defRPr/>
-            </a:pPr>
-            <a:fld id="{DAF3A313-D66B-4357-A41A-5240B2F93707}" type="slidenum">
-              <a:rPr lang="de-DE" sz="1600" b="1">
-                <a:solidFill>
-                  <a:schemeClr val="tx1">
-                    <a:lumMod val="85000"/>
-                    <a:lumOff val="15000"/>
-                  </a:schemeClr>
-                </a:solidFill>
-                <a:latin typeface="+mn-lt"/>
-                <a:cs typeface="+mn-cs"/>
-              </a:rPr>
-              <a:pPr algn="r" fontAlgn="auto">
-                <a:spcBef>
-                  <a:spcPts val="0"/>
-                </a:spcBef>
-                <a:spcAft>
-                  <a:spcPts val="0"/>
-                </a:spcAft>
-                <a:defRPr/>
-              </a:pPr>
-              <a:t>13</a:t>
-            </a:fld>
-            <a:endParaRPr lang="de-DE" sz="1600" b="1" dirty="0">
-              <a:solidFill>
-                <a:schemeClr val="tx1">
-                  <a:lumMod val="85000"/>
-                  <a:lumOff val="15000"/>
-                </a:schemeClr>
-              </a:solidFill>
-              <a:latin typeface="+mn-lt"/>
-              <a:cs typeface="+mn-cs"/>
-            </a:endParaRPr>
-          </a:p>
-        </p:txBody>
-      </p:sp>
-      <p:sp>
-        <p:nvSpPr>
-          <p:cNvPr id="29701" name="Text Box 9"/>
-          <p:cNvSpPr txBox="1">
-            <a:spLocks noChangeArrowheads="1"/>
-          </p:cNvSpPr>
-          <p:nvPr/>
-        </p:nvSpPr>
-        <p:spPr bwMode="auto">
-          <a:xfrm>
-            <a:off x="-1065213" y="3305175"/>
-            <a:ext cx="184150" cy="366713"/>
-          </a:xfrm>
-          <a:prstGeom prst="rect">
-            <a:avLst/>
-          </a:prstGeom>
-          <a:noFill/>
-          <a:ln w="9525">
-            <a:noFill/>
-            <a:miter lim="800000"/>
-            <a:headEnd/>
-            <a:tailEnd/>
+          <a:ln>
+            <a:solidFill>
+              <a:schemeClr val="accent1"/>
+            </a:solidFill>
           </a:ln>
         </p:spPr>
-        <p:txBody>
-          <a:bodyPr wrap="none">
-            <a:spAutoFit/>
-          </a:bodyPr>
-          <a:lstStyle/>
-          <a:p>
-            <a:endParaRPr lang="de-DE" dirty="0"/>
-          </a:p>
-        </p:txBody>
-      </p:sp>
-      <p:sp>
-        <p:nvSpPr>
-          <p:cNvPr id="13" name="Textfeld 12"/>
-          <p:cNvSpPr txBox="1"/>
-          <p:nvPr/>
-        </p:nvSpPr>
-        <p:spPr>
-          <a:xfrm>
-            <a:off x="323529" y="438420"/>
-            <a:ext cx="6408712" cy="707886"/>
-          </a:xfrm>
-          <a:prstGeom prst="rect">
-            <a:avLst/>
-          </a:prstGeom>
-          <a:noFill/>
-        </p:spPr>
-        <p:txBody>
-          <a:bodyPr wrap="square">
-            <a:spAutoFit/>
-          </a:bodyPr>
-          <a:lstStyle/>
-          <a:p>
-            <a:pPr fontAlgn="auto">
-              <a:spcBef>
-                <a:spcPts val="0"/>
-              </a:spcBef>
-              <a:spcAft>
-                <a:spcPts val="0"/>
-              </a:spcAft>
-              <a:defRPr/>
-            </a:pPr>
-            <a:r>
-              <a:rPr lang="de-DE" sz="4000" dirty="0">
-                <a:solidFill>
-                  <a:schemeClr val="bg1">
-                    <a:lumMod val="75000"/>
-                  </a:schemeClr>
-                </a:solidFill>
-                <a:latin typeface="+mn-lt"/>
-                <a:cs typeface="+mn-cs"/>
-              </a:rPr>
-              <a:t>Thema</a:t>
-            </a:r>
-            <a:endParaRPr lang="de-DE" sz="3600" dirty="0">
-              <a:solidFill>
-                <a:schemeClr val="bg1">
-                  <a:lumMod val="75000"/>
-                </a:schemeClr>
-              </a:solidFill>
-              <a:latin typeface="+mn-lt"/>
-              <a:cs typeface="+mn-cs"/>
-            </a:endParaRPr>
-          </a:p>
-        </p:txBody>
-      </p:sp>
-    </p:spTree>
-    <p:extLst>
-      <p:ext uri="{BB962C8B-B14F-4D97-AF65-F5344CB8AC3E}">
-        <p14:creationId xmlns:p14="http://schemas.microsoft.com/office/powerpoint/2010/main" val="3745453746"/>
-      </p:ext>
-    </p:extLst>
-  </p:cSld>
-  <p:clrMapOvr>
-    <a:masterClrMapping/>
-  </p:clrMapOvr>
-</p:sld>
-</file>
-
-<file path=ppt/slides/slide14.xml><?xml version="1.0" encoding="utf-8"?>
-<p:sld xmlns:a="http://schemas.openxmlformats.org/drawingml/2006/main" xmlns:r="http://schemas.openxmlformats.org/officeDocument/2006/relationships" xmlns:p="http://schemas.openxmlformats.org/presentationml/2006/main">
-  <p:cSld>
-    <p:spTree>
-      <p:nvGrpSpPr>
-        <p:cNvPr id="1" name=""/>
-        <p:cNvGrpSpPr/>
-        <p:nvPr/>
-      </p:nvGrpSpPr>
-      <p:grpSpPr>
-        <a:xfrm>
-          <a:off x="0" y="0"/>
-          <a:ext cx="0" cy="0"/>
-          <a:chOff x="0" y="0"/>
-          <a:chExt cx="0" cy="0"/>
-        </a:xfrm>
-      </p:grpSpPr>
-      <p:sp>
-        <p:nvSpPr>
-          <p:cNvPr id="18" name="Foliennummernplatzhalter 17"/>
-          <p:cNvSpPr txBox="1">
-            <a:spLocks noGrp="1"/>
-          </p:cNvSpPr>
-          <p:nvPr/>
-        </p:nvSpPr>
-        <p:spPr>
-          <a:xfrm>
-            <a:off x="6553200" y="6356350"/>
-            <a:ext cx="2133600" cy="365125"/>
-          </a:xfrm>
-          <a:prstGeom prst="rect">
-            <a:avLst/>
-          </a:prstGeom>
-          <a:noFill/>
-        </p:spPr>
-        <p:txBody>
-          <a:bodyPr anchor="ctr"/>
-          <a:lstStyle/>
-          <a:p>
-            <a:pPr algn="r" fontAlgn="auto">
-              <a:spcBef>
-                <a:spcPts val="0"/>
-              </a:spcBef>
-              <a:spcAft>
-                <a:spcPts val="0"/>
-              </a:spcAft>
-              <a:defRPr/>
-            </a:pPr>
-            <a:fld id="{DAF3A313-D66B-4357-A41A-5240B2F93707}" type="slidenum">
-              <a:rPr lang="de-DE" sz="1600" b="1">
-                <a:solidFill>
-                  <a:schemeClr val="tx1">
-                    <a:lumMod val="85000"/>
-                    <a:lumOff val="15000"/>
-                  </a:schemeClr>
-                </a:solidFill>
-                <a:latin typeface="+mn-lt"/>
-                <a:cs typeface="+mn-cs"/>
-              </a:rPr>
-              <a:pPr algn="r" fontAlgn="auto">
-                <a:spcBef>
-                  <a:spcPts val="0"/>
-                </a:spcBef>
-                <a:spcAft>
-                  <a:spcPts val="0"/>
-                </a:spcAft>
-                <a:defRPr/>
-              </a:pPr>
-              <a:t>14</a:t>
-            </a:fld>
-            <a:endParaRPr lang="de-DE" sz="1600" b="1" dirty="0">
-              <a:solidFill>
-                <a:schemeClr val="tx1">
-                  <a:lumMod val="85000"/>
-                  <a:lumOff val="15000"/>
-                </a:schemeClr>
-              </a:solidFill>
-              <a:latin typeface="+mn-lt"/>
-              <a:cs typeface="+mn-cs"/>
-            </a:endParaRPr>
-          </a:p>
-        </p:txBody>
-      </p:sp>
-      <p:sp>
-        <p:nvSpPr>
-          <p:cNvPr id="29701" name="Text Box 9"/>
-          <p:cNvSpPr txBox="1">
-            <a:spLocks noChangeArrowheads="1"/>
-          </p:cNvSpPr>
-          <p:nvPr/>
-        </p:nvSpPr>
-        <p:spPr bwMode="auto">
-          <a:xfrm>
-            <a:off x="-1065213" y="3305175"/>
-            <a:ext cx="184150" cy="366713"/>
-          </a:xfrm>
-          <a:prstGeom prst="rect">
-            <a:avLst/>
-          </a:prstGeom>
-          <a:noFill/>
-          <a:ln w="9525">
-            <a:noFill/>
-            <a:miter lim="800000"/>
-            <a:headEnd/>
-            <a:tailEnd/>
-          </a:ln>
-        </p:spPr>
-        <p:txBody>
-          <a:bodyPr wrap="none">
-            <a:spAutoFit/>
-          </a:bodyPr>
-          <a:lstStyle/>
-          <a:p>
-            <a:endParaRPr lang="de-DE" dirty="0"/>
-          </a:p>
-        </p:txBody>
-      </p:sp>
-      <p:sp>
-        <p:nvSpPr>
-          <p:cNvPr id="13" name="Textfeld 12"/>
-          <p:cNvSpPr txBox="1"/>
-          <p:nvPr/>
-        </p:nvSpPr>
-        <p:spPr>
-          <a:xfrm>
-            <a:off x="323529" y="438420"/>
-            <a:ext cx="6408712" cy="707886"/>
-          </a:xfrm>
-          <a:prstGeom prst="rect">
-            <a:avLst/>
-          </a:prstGeom>
-          <a:noFill/>
-        </p:spPr>
-        <p:txBody>
-          <a:bodyPr wrap="square">
-            <a:spAutoFit/>
-          </a:bodyPr>
-          <a:lstStyle/>
-          <a:p>
-            <a:pPr fontAlgn="auto">
-              <a:spcBef>
-                <a:spcPts val="0"/>
-              </a:spcBef>
-              <a:spcAft>
-                <a:spcPts val="0"/>
-              </a:spcAft>
-              <a:defRPr/>
-            </a:pPr>
-            <a:r>
-              <a:rPr lang="de-DE" sz="4000" dirty="0">
-                <a:solidFill>
-                  <a:schemeClr val="bg1">
-                    <a:lumMod val="75000"/>
-                  </a:schemeClr>
-                </a:solidFill>
-                <a:latin typeface="+mn-lt"/>
-                <a:cs typeface="+mn-cs"/>
-              </a:rPr>
-              <a:t>Thema</a:t>
-            </a:r>
-            <a:endParaRPr lang="de-DE" sz="3600" dirty="0">
-              <a:solidFill>
-                <a:schemeClr val="bg1">
-                  <a:lumMod val="75000"/>
-                </a:schemeClr>
-              </a:solidFill>
-              <a:latin typeface="+mn-lt"/>
-              <a:cs typeface="+mn-cs"/>
-            </a:endParaRPr>
-          </a:p>
-        </p:txBody>
-      </p:sp>
-    </p:spTree>
-    <p:extLst>
-      <p:ext uri="{BB962C8B-B14F-4D97-AF65-F5344CB8AC3E}">
-        <p14:creationId xmlns:p14="http://schemas.microsoft.com/office/powerpoint/2010/main" val="1927434988"/>
-      </p:ext>
-    </p:extLst>
-  </p:cSld>
-  <p:clrMapOvr>
-    <a:masterClrMapping/>
-  </p:clrMapOvr>
-</p:sld>
-</file>
-
-<file path=ppt/slides/slide15.xml><?xml version="1.0" encoding="utf-8"?>
-<p:sld xmlns:a="http://schemas.openxmlformats.org/drawingml/2006/main" xmlns:r="http://schemas.openxmlformats.org/officeDocument/2006/relationships" xmlns:p="http://schemas.openxmlformats.org/presentationml/2006/main">
-  <p:cSld>
-    <p:spTree>
-      <p:nvGrpSpPr>
-        <p:cNvPr id="1" name=""/>
-        <p:cNvGrpSpPr/>
-        <p:nvPr/>
-      </p:nvGrpSpPr>
-      <p:grpSpPr>
-        <a:xfrm>
-          <a:off x="0" y="0"/>
-          <a:ext cx="0" cy="0"/>
-          <a:chOff x="0" y="0"/>
-          <a:chExt cx="0" cy="0"/>
-        </a:xfrm>
-      </p:grpSpPr>
-      <p:sp>
-        <p:nvSpPr>
-          <p:cNvPr id="18" name="Foliennummernplatzhalter 17"/>
-          <p:cNvSpPr txBox="1">
-            <a:spLocks noGrp="1"/>
-          </p:cNvSpPr>
-          <p:nvPr/>
-        </p:nvSpPr>
-        <p:spPr>
-          <a:xfrm>
-            <a:off x="6553200" y="6356350"/>
-            <a:ext cx="2133600" cy="365125"/>
-          </a:xfrm>
-          <a:prstGeom prst="rect">
-            <a:avLst/>
-          </a:prstGeom>
-          <a:noFill/>
-        </p:spPr>
-        <p:txBody>
-          <a:bodyPr anchor="ctr"/>
-          <a:lstStyle/>
-          <a:p>
-            <a:pPr algn="r" fontAlgn="auto">
-              <a:spcBef>
-                <a:spcPts val="0"/>
-              </a:spcBef>
-              <a:spcAft>
-                <a:spcPts val="0"/>
-              </a:spcAft>
-              <a:defRPr/>
-            </a:pPr>
-            <a:fld id="{DAF3A313-D66B-4357-A41A-5240B2F93707}" type="slidenum">
-              <a:rPr lang="de-DE" sz="1600" b="1">
-                <a:solidFill>
-                  <a:schemeClr val="tx1">
-                    <a:lumMod val="85000"/>
-                    <a:lumOff val="15000"/>
-                  </a:schemeClr>
-                </a:solidFill>
-                <a:latin typeface="+mn-lt"/>
-                <a:cs typeface="+mn-cs"/>
-              </a:rPr>
-              <a:pPr algn="r" fontAlgn="auto">
-                <a:spcBef>
-                  <a:spcPts val="0"/>
-                </a:spcBef>
-                <a:spcAft>
-                  <a:spcPts val="0"/>
-                </a:spcAft>
-                <a:defRPr/>
-              </a:pPr>
-              <a:t>15</a:t>
-            </a:fld>
-            <a:endParaRPr lang="de-DE" sz="1600" b="1" dirty="0">
-              <a:solidFill>
-                <a:schemeClr val="tx1">
-                  <a:lumMod val="85000"/>
-                  <a:lumOff val="15000"/>
-                </a:schemeClr>
-              </a:solidFill>
-              <a:latin typeface="+mn-lt"/>
-              <a:cs typeface="+mn-cs"/>
-            </a:endParaRPr>
-          </a:p>
-        </p:txBody>
-      </p:sp>
-      <p:sp>
-        <p:nvSpPr>
-          <p:cNvPr id="29701" name="Text Box 9"/>
-          <p:cNvSpPr txBox="1">
-            <a:spLocks noChangeArrowheads="1"/>
-          </p:cNvSpPr>
-          <p:nvPr/>
-        </p:nvSpPr>
-        <p:spPr bwMode="auto">
-          <a:xfrm>
-            <a:off x="-1065213" y="3305175"/>
-            <a:ext cx="184150" cy="366713"/>
-          </a:xfrm>
-          <a:prstGeom prst="rect">
-            <a:avLst/>
-          </a:prstGeom>
-          <a:noFill/>
-          <a:ln w="9525">
-            <a:noFill/>
-            <a:miter lim="800000"/>
-            <a:headEnd/>
-            <a:tailEnd/>
-          </a:ln>
-        </p:spPr>
-        <p:txBody>
-          <a:bodyPr wrap="none">
-            <a:spAutoFit/>
-          </a:bodyPr>
-          <a:lstStyle/>
-          <a:p>
-            <a:endParaRPr lang="de-DE" dirty="0"/>
-          </a:p>
-        </p:txBody>
-      </p:sp>
-      <p:sp>
-        <p:nvSpPr>
-          <p:cNvPr id="13" name="Textfeld 12"/>
-          <p:cNvSpPr txBox="1"/>
-          <p:nvPr/>
-        </p:nvSpPr>
-        <p:spPr>
-          <a:xfrm>
-            <a:off x="323529" y="438420"/>
-            <a:ext cx="6408712" cy="707886"/>
-          </a:xfrm>
-          <a:prstGeom prst="rect">
-            <a:avLst/>
-          </a:prstGeom>
-          <a:noFill/>
-        </p:spPr>
-        <p:txBody>
-          <a:bodyPr wrap="square">
-            <a:spAutoFit/>
-          </a:bodyPr>
-          <a:lstStyle/>
-          <a:p>
-            <a:pPr fontAlgn="auto">
-              <a:spcBef>
-                <a:spcPts val="0"/>
-              </a:spcBef>
-              <a:spcAft>
-                <a:spcPts val="0"/>
-              </a:spcAft>
-              <a:defRPr/>
-            </a:pPr>
-            <a:r>
-              <a:rPr lang="de-DE" sz="4000" dirty="0">
-                <a:solidFill>
-                  <a:schemeClr val="bg1">
-                    <a:lumMod val="75000"/>
-                  </a:schemeClr>
-                </a:solidFill>
-                <a:latin typeface="+mn-lt"/>
-                <a:cs typeface="+mn-cs"/>
-              </a:rPr>
-              <a:t>Thema</a:t>
-            </a:r>
-            <a:endParaRPr lang="de-DE" sz="3600" dirty="0">
-              <a:solidFill>
-                <a:schemeClr val="bg1">
-                  <a:lumMod val="75000"/>
-                </a:schemeClr>
-              </a:solidFill>
-              <a:latin typeface="+mn-lt"/>
-              <a:cs typeface="+mn-cs"/>
-            </a:endParaRPr>
-          </a:p>
-        </p:txBody>
-      </p:sp>
-    </p:spTree>
-    <p:extLst>
-      <p:ext uri="{BB962C8B-B14F-4D97-AF65-F5344CB8AC3E}">
-        <p14:creationId xmlns:p14="http://schemas.microsoft.com/office/powerpoint/2010/main" val="2886329338"/>
-      </p:ext>
-    </p:extLst>
-  </p:cSld>
-  <p:clrMapOvr>
-    <a:masterClrMapping/>
-  </p:clrMapOvr>
-</p:sld>
-</file>
-
-<file path=ppt/slides/slide16.xml><?xml version="1.0" encoding="utf-8"?>
-<p:sld xmlns:a="http://schemas.openxmlformats.org/drawingml/2006/main" xmlns:r="http://schemas.openxmlformats.org/officeDocument/2006/relationships" xmlns:p="http://schemas.openxmlformats.org/presentationml/2006/main">
-  <p:cSld>
-    <p:spTree>
-      <p:nvGrpSpPr>
-        <p:cNvPr id="1" name=""/>
-        <p:cNvGrpSpPr/>
-        <p:nvPr/>
-      </p:nvGrpSpPr>
-      <p:grpSpPr>
-        <a:xfrm>
-          <a:off x="0" y="0"/>
-          <a:ext cx="0" cy="0"/>
-          <a:chOff x="0" y="0"/>
-          <a:chExt cx="0" cy="0"/>
-        </a:xfrm>
-      </p:grpSpPr>
-      <p:sp>
-        <p:nvSpPr>
-          <p:cNvPr id="18" name="Foliennummernplatzhalter 17"/>
-          <p:cNvSpPr txBox="1">
-            <a:spLocks noGrp="1"/>
-          </p:cNvSpPr>
-          <p:nvPr/>
-        </p:nvSpPr>
-        <p:spPr>
-          <a:xfrm>
-            <a:off x="6553200" y="6356350"/>
-            <a:ext cx="2133600" cy="365125"/>
-          </a:xfrm>
-          <a:prstGeom prst="rect">
-            <a:avLst/>
-          </a:prstGeom>
-          <a:noFill/>
-        </p:spPr>
-        <p:txBody>
-          <a:bodyPr anchor="ctr"/>
-          <a:lstStyle/>
-          <a:p>
-            <a:pPr algn="r" fontAlgn="auto">
-              <a:spcBef>
-                <a:spcPts val="0"/>
-              </a:spcBef>
-              <a:spcAft>
-                <a:spcPts val="0"/>
-              </a:spcAft>
-              <a:defRPr/>
-            </a:pPr>
-            <a:fld id="{DAF3A313-D66B-4357-A41A-5240B2F93707}" type="slidenum">
-              <a:rPr lang="de-DE" sz="1600" b="1">
-                <a:solidFill>
-                  <a:schemeClr val="tx1">
-                    <a:lumMod val="85000"/>
-                    <a:lumOff val="15000"/>
-                  </a:schemeClr>
-                </a:solidFill>
-                <a:latin typeface="+mn-lt"/>
-                <a:cs typeface="+mn-cs"/>
-              </a:rPr>
-              <a:pPr algn="r" fontAlgn="auto">
-                <a:spcBef>
-                  <a:spcPts val="0"/>
-                </a:spcBef>
-                <a:spcAft>
-                  <a:spcPts val="0"/>
-                </a:spcAft>
-                <a:defRPr/>
-              </a:pPr>
-              <a:t>16</a:t>
-            </a:fld>
-            <a:endParaRPr lang="de-DE" sz="1600" b="1" dirty="0">
-              <a:solidFill>
-                <a:schemeClr val="tx1">
-                  <a:lumMod val="85000"/>
-                  <a:lumOff val="15000"/>
-                </a:schemeClr>
-              </a:solidFill>
-              <a:latin typeface="+mn-lt"/>
-              <a:cs typeface="+mn-cs"/>
-            </a:endParaRPr>
-          </a:p>
-        </p:txBody>
-      </p:sp>
-      <p:sp>
-        <p:nvSpPr>
-          <p:cNvPr id="29701" name="Text Box 9"/>
-          <p:cNvSpPr txBox="1">
-            <a:spLocks noChangeArrowheads="1"/>
-          </p:cNvSpPr>
-          <p:nvPr/>
-        </p:nvSpPr>
-        <p:spPr bwMode="auto">
-          <a:xfrm>
-            <a:off x="-1065213" y="3305175"/>
-            <a:ext cx="184150" cy="366713"/>
-          </a:xfrm>
-          <a:prstGeom prst="rect">
-            <a:avLst/>
-          </a:prstGeom>
-          <a:noFill/>
-          <a:ln w="9525">
-            <a:noFill/>
-            <a:miter lim="800000"/>
-            <a:headEnd/>
-            <a:tailEnd/>
-          </a:ln>
-        </p:spPr>
-        <p:txBody>
-          <a:bodyPr wrap="none">
-            <a:spAutoFit/>
-          </a:bodyPr>
-          <a:lstStyle/>
-          <a:p>
-            <a:endParaRPr lang="de-DE" dirty="0"/>
-          </a:p>
-        </p:txBody>
-      </p:sp>
-      <p:sp>
-        <p:nvSpPr>
-          <p:cNvPr id="13" name="Textfeld 12"/>
-          <p:cNvSpPr txBox="1"/>
-          <p:nvPr/>
-        </p:nvSpPr>
-        <p:spPr>
-          <a:xfrm>
-            <a:off x="323529" y="438420"/>
-            <a:ext cx="6408712" cy="707886"/>
-          </a:xfrm>
-          <a:prstGeom prst="rect">
-            <a:avLst/>
-          </a:prstGeom>
-          <a:noFill/>
-        </p:spPr>
-        <p:txBody>
-          <a:bodyPr wrap="square">
-            <a:spAutoFit/>
-          </a:bodyPr>
-          <a:lstStyle/>
-          <a:p>
-            <a:pPr fontAlgn="auto">
-              <a:spcBef>
-                <a:spcPts val="0"/>
-              </a:spcBef>
-              <a:spcAft>
-                <a:spcPts val="0"/>
-              </a:spcAft>
-              <a:defRPr/>
-            </a:pPr>
-            <a:r>
-              <a:rPr lang="de-DE" sz="4000" dirty="0">
-                <a:solidFill>
-                  <a:schemeClr val="bg1">
-                    <a:lumMod val="75000"/>
-                  </a:schemeClr>
-                </a:solidFill>
-                <a:latin typeface="+mn-lt"/>
-                <a:cs typeface="+mn-cs"/>
-              </a:rPr>
-              <a:t>Thema</a:t>
-            </a:r>
-            <a:endParaRPr lang="de-DE" sz="3600" dirty="0">
-              <a:solidFill>
-                <a:schemeClr val="bg1">
-                  <a:lumMod val="75000"/>
-                </a:schemeClr>
-              </a:solidFill>
-              <a:latin typeface="+mn-lt"/>
-              <a:cs typeface="+mn-cs"/>
-            </a:endParaRPr>
-          </a:p>
-        </p:txBody>
-      </p:sp>
-      <p:sp>
-        <p:nvSpPr>
-          <p:cNvPr id="2" name="Rechteck 1">
+      </p:pic>
+      <p:sp>
+        <p:nvSpPr>
+          <p:cNvPr id="11" name="Rechteck: abgerundete Ecken 10">
             <a:extLst>
               <a:ext uri="{FF2B5EF4-FFF2-40B4-BE49-F238E27FC236}">
-                <a16:creationId xmlns:a16="http://schemas.microsoft.com/office/drawing/2014/main" id="{1CC065BE-F83B-5FA9-7B39-0573E17EB876}"/>
+                <a16:creationId xmlns:a16="http://schemas.microsoft.com/office/drawing/2014/main" id="{DA91DFD6-25BB-1831-2C3C-3C6E7081A83E}"/>
               </a:ext>
             </a:extLst>
           </p:cNvPr>
@@ -9877,216 +10206,47 @@
         </p:nvSpPr>
         <p:spPr>
           <a:xfrm>
-            <a:off x="2771800" y="1949420"/>
-            <a:ext cx="3168352" cy="1801908"/>
+            <a:off x="3707904" y="5877272"/>
+            <a:ext cx="1728191" cy="365125"/>
           </a:xfrm>
-          <a:prstGeom prst="rect">
+          <a:prstGeom prst="roundRect">
             <a:avLst/>
           </a:prstGeom>
         </p:spPr>
         <p:style>
           <a:lnRef idx="2">
-            <a:schemeClr val="dk1"/>
+            <a:schemeClr val="accent2">
+              <a:shade val="50000"/>
+            </a:schemeClr>
           </a:lnRef>
           <a:fillRef idx="1">
-            <a:schemeClr val="lt1"/>
+            <a:schemeClr val="accent2"/>
           </a:fillRef>
           <a:effectRef idx="0">
-            <a:schemeClr val="dk1"/>
+            <a:schemeClr val="accent2"/>
           </a:effectRef>
           <a:fontRef idx="minor">
-            <a:schemeClr val="dk1"/>
+            <a:schemeClr val="lt1"/>
           </a:fontRef>
         </p:style>
         <p:txBody>
-          <a:bodyPr rtlCol="0" anchor="t"/>
+          <a:bodyPr rtlCol="0" anchor="ctr"/>
           <a:lstStyle/>
           <a:p>
             <a:pPr algn="ctr"/>
             <a:r>
-              <a:rPr lang="de-DE" sz="1400" dirty="0"/>
-              <a:t>Komponente 1</a:t>
-            </a:r>
-          </a:p>
-          <a:p>
-            <a:pPr algn="ctr"/>
-            <a:endParaRPr lang="de-DE" sz="1400" dirty="0"/>
-          </a:p>
-          <a:p>
-            <a:pPr algn="ctr"/>
-            <a:r>
-              <a:rPr lang="de-DE" dirty="0" err="1"/>
-              <a:t>Safety</a:t>
-            </a:r>
-            <a:r>
-              <a:rPr lang="de-DE" dirty="0"/>
-              <a:t> Controller</a:t>
-            </a:r>
-          </a:p>
-        </p:txBody>
-      </p:sp>
-      <p:cxnSp>
-        <p:nvCxnSpPr>
-          <p:cNvPr id="4" name="Gerade Verbindung mit Pfeil 3">
+              <a:rPr lang="de-DE" sz="1600"/>
+              <a:t>Basic Software</a:t>
+            </a:r>
+          </a:p>
+        </p:txBody>
+      </p:sp>
+      <p:sp>
+        <p:nvSpPr>
+          <p:cNvPr id="7" name="Pfeil: nach links und rechts 6">
             <a:extLst>
               <a:ext uri="{FF2B5EF4-FFF2-40B4-BE49-F238E27FC236}">
-                <a16:creationId xmlns:a16="http://schemas.microsoft.com/office/drawing/2014/main" id="{91BA3094-3BA4-013B-481B-0DABF09A4152}"/>
-              </a:ext>
-            </a:extLst>
-          </p:cNvPr>
-          <p:cNvCxnSpPr/>
-          <p:nvPr/>
-        </p:nvCxnSpPr>
-        <p:spPr>
-          <a:xfrm>
-            <a:off x="1115616" y="2348880"/>
-            <a:ext cx="1656184" cy="0"/>
-          </a:xfrm>
-          <a:prstGeom prst="straightConnector1">
-            <a:avLst/>
-          </a:prstGeom>
-          <a:ln>
-            <a:tailEnd type="triangle"/>
-          </a:ln>
-        </p:spPr>
-        <p:style>
-          <a:lnRef idx="1">
-            <a:schemeClr val="dk1"/>
-          </a:lnRef>
-          <a:fillRef idx="0">
-            <a:schemeClr val="dk1"/>
-          </a:fillRef>
-          <a:effectRef idx="0">
-            <a:schemeClr val="dk1"/>
-          </a:effectRef>
-          <a:fontRef idx="minor">
-            <a:schemeClr val="tx1"/>
-          </a:fontRef>
-        </p:style>
-      </p:cxnSp>
-      <p:cxnSp>
-        <p:nvCxnSpPr>
-          <p:cNvPr id="8" name="Gerade Verbindung mit Pfeil 7">
-            <a:extLst>
-              <a:ext uri="{FF2B5EF4-FFF2-40B4-BE49-F238E27FC236}">
-                <a16:creationId xmlns:a16="http://schemas.microsoft.com/office/drawing/2014/main" id="{B7FFF93C-CDCC-48D6-E929-70BB8B6410EB}"/>
-              </a:ext>
-            </a:extLst>
-          </p:cNvPr>
-          <p:cNvCxnSpPr/>
-          <p:nvPr/>
-        </p:nvCxnSpPr>
-        <p:spPr>
-          <a:xfrm>
-            <a:off x="5940152" y="2802398"/>
-            <a:ext cx="1656184" cy="0"/>
-          </a:xfrm>
-          <a:prstGeom prst="straightConnector1">
-            <a:avLst/>
-          </a:prstGeom>
-          <a:ln>
-            <a:tailEnd type="triangle"/>
-          </a:ln>
-        </p:spPr>
-        <p:style>
-          <a:lnRef idx="1">
-            <a:schemeClr val="dk1"/>
-          </a:lnRef>
-          <a:fillRef idx="0">
-            <a:schemeClr val="dk1"/>
-          </a:fillRef>
-          <a:effectRef idx="0">
-            <a:schemeClr val="dk1"/>
-          </a:effectRef>
-          <a:fontRef idx="minor">
-            <a:schemeClr val="tx1"/>
-          </a:fontRef>
-        </p:style>
-      </p:cxnSp>
-      <p:cxnSp>
-        <p:nvCxnSpPr>
-          <p:cNvPr id="9" name="Gerade Verbindung mit Pfeil 8">
-            <a:extLst>
-              <a:ext uri="{FF2B5EF4-FFF2-40B4-BE49-F238E27FC236}">
-                <a16:creationId xmlns:a16="http://schemas.microsoft.com/office/drawing/2014/main" id="{C124C377-2057-A0A6-8E32-6F33B2193D21}"/>
-              </a:ext>
-            </a:extLst>
-          </p:cNvPr>
-          <p:cNvCxnSpPr/>
-          <p:nvPr/>
-        </p:nvCxnSpPr>
-        <p:spPr>
-          <a:xfrm>
-            <a:off x="1115616" y="2852936"/>
-            <a:ext cx="1656184" cy="0"/>
-          </a:xfrm>
-          <a:prstGeom prst="straightConnector1">
-            <a:avLst/>
-          </a:prstGeom>
-          <a:ln>
-            <a:tailEnd type="triangle"/>
-          </a:ln>
-        </p:spPr>
-        <p:style>
-          <a:lnRef idx="1">
-            <a:schemeClr val="dk1"/>
-          </a:lnRef>
-          <a:fillRef idx="0">
-            <a:schemeClr val="dk1"/>
-          </a:fillRef>
-          <a:effectRef idx="0">
-            <a:schemeClr val="dk1"/>
-          </a:effectRef>
-          <a:fontRef idx="minor">
-            <a:schemeClr val="tx1"/>
-          </a:fontRef>
-        </p:style>
-      </p:cxnSp>
-      <p:cxnSp>
-        <p:nvCxnSpPr>
-          <p:cNvPr id="10" name="Gerade Verbindung mit Pfeil 9">
-            <a:extLst>
-              <a:ext uri="{FF2B5EF4-FFF2-40B4-BE49-F238E27FC236}">
-                <a16:creationId xmlns:a16="http://schemas.microsoft.com/office/drawing/2014/main" id="{E2F33017-C1AE-A4D4-B921-74BA6C73FF2D}"/>
-              </a:ext>
-            </a:extLst>
-          </p:cNvPr>
-          <p:cNvCxnSpPr/>
-          <p:nvPr/>
-        </p:nvCxnSpPr>
-        <p:spPr>
-          <a:xfrm>
-            <a:off x="1115616" y="3427872"/>
-            <a:ext cx="1656184" cy="0"/>
-          </a:xfrm>
-          <a:prstGeom prst="straightConnector1">
-            <a:avLst/>
-          </a:prstGeom>
-          <a:ln>
-            <a:tailEnd type="triangle"/>
-          </a:ln>
-        </p:spPr>
-        <p:style>
-          <a:lnRef idx="1">
-            <a:schemeClr val="dk1"/>
-          </a:lnRef>
-          <a:fillRef idx="0">
-            <a:schemeClr val="dk1"/>
-          </a:fillRef>
-          <a:effectRef idx="0">
-            <a:schemeClr val="dk1"/>
-          </a:effectRef>
-          <a:fontRef idx="minor">
-            <a:schemeClr val="tx1"/>
-          </a:fontRef>
-        </p:style>
-      </p:cxnSp>
-      <p:sp>
-        <p:nvSpPr>
-          <p:cNvPr id="5" name="Rechteck 4">
-            <a:extLst>
-              <a:ext uri="{FF2B5EF4-FFF2-40B4-BE49-F238E27FC236}">
-                <a16:creationId xmlns:a16="http://schemas.microsoft.com/office/drawing/2014/main" id="{EC55813B-9ECD-C501-358F-AD763F37CE95}"/>
+                <a16:creationId xmlns:a16="http://schemas.microsoft.com/office/drawing/2014/main" id="{23071E10-14AB-441A-410B-DDBC3FE9473C}"/>
               </a:ext>
             </a:extLst>
           </p:cNvPr>
@@ -10094,27 +10254,28 @@
           <p:nvPr/>
         </p:nvSpPr>
         <p:spPr>
-          <a:xfrm>
-            <a:off x="4702288" y="3427878"/>
-            <a:ext cx="1224136" cy="323450"/>
+          <a:xfrm rot="16200000">
+            <a:off x="3808930" y="5567437"/>
+            <a:ext cx="403648" cy="159223"/>
           </a:xfrm>
-          <a:prstGeom prst="rect">
+          <a:prstGeom prst="leftRightArrow">
             <a:avLst/>
           </a:prstGeom>
-          <a:ln w="9525"/>
         </p:spPr>
         <p:style>
           <a:lnRef idx="2">
-            <a:schemeClr val="dk1"/>
+            <a:schemeClr val="accent6">
+              <a:shade val="50000"/>
+            </a:schemeClr>
           </a:lnRef>
           <a:fillRef idx="1">
-            <a:schemeClr val="lt1"/>
+            <a:schemeClr val="accent6"/>
           </a:fillRef>
           <a:effectRef idx="0">
-            <a:schemeClr val="dk1"/>
+            <a:schemeClr val="accent6"/>
           </a:effectRef>
           <a:fontRef idx="minor">
-            <a:schemeClr val="dk1"/>
+            <a:schemeClr val="lt1"/>
           </a:fontRef>
         </p:style>
         <p:txBody>
@@ -10122,291 +10283,152 @@
           <a:lstStyle/>
           <a:p>
             <a:pPr algn="ctr"/>
-            <a:r>
-              <a:rPr lang="de-DE" sz="1200" dirty="0"/>
-              <a:t>Alle 100 </a:t>
-            </a:r>
-            <a:r>
-              <a:rPr lang="de-DE" sz="1200" dirty="0" err="1"/>
-              <a:t>ms</a:t>
-            </a:r>
-            <a:endParaRPr lang="de-DE" sz="1200" dirty="0"/>
-          </a:p>
-        </p:txBody>
-      </p:sp>
-      <p:sp>
-        <p:nvSpPr>
-          <p:cNvPr id="6" name="Textfeld 5">
+            <a:endParaRPr lang="de-DE"/>
+          </a:p>
+        </p:txBody>
+      </p:sp>
+      <p:sp>
+        <p:nvSpPr>
+          <p:cNvPr id="14" name="Pfeil: nach links und rechts 13">
             <a:extLst>
               <a:ext uri="{FF2B5EF4-FFF2-40B4-BE49-F238E27FC236}">
-                <a16:creationId xmlns:a16="http://schemas.microsoft.com/office/drawing/2014/main" id="{DD3DC2DF-4E59-1E95-3859-AE3E4C24DC6A}"/>
+                <a16:creationId xmlns:a16="http://schemas.microsoft.com/office/drawing/2014/main" id="{ABA7FF95-6388-B571-54DD-FC11E246F4ED}"/>
               </a:ext>
             </a:extLst>
           </p:cNvPr>
-          <p:cNvSpPr txBox="1"/>
+          <p:cNvSpPr/>
           <p:nvPr/>
         </p:nvSpPr>
         <p:spPr>
-          <a:xfrm>
-            <a:off x="971600" y="4262611"/>
-            <a:ext cx="6984776" cy="1138773"/>
+          <a:xfrm rot="16200000">
+            <a:off x="4562068" y="5567437"/>
+            <a:ext cx="403648" cy="159223"/>
           </a:xfrm>
-          <a:prstGeom prst="rect">
+          <a:prstGeom prst="leftRightArrow">
             <a:avLst/>
           </a:prstGeom>
-          <a:noFill/>
         </p:spPr>
-        <p:txBody>
-          <a:bodyPr wrap="square" rtlCol="0">
-            <a:spAutoFit/>
-          </a:bodyPr>
+        <p:style>
+          <a:lnRef idx="2">
+            <a:schemeClr val="accent6">
+              <a:shade val="50000"/>
+            </a:schemeClr>
+          </a:lnRef>
+          <a:fillRef idx="1">
+            <a:schemeClr val="accent6"/>
+          </a:fillRef>
+          <a:effectRef idx="0">
+            <a:schemeClr val="accent6"/>
+          </a:effectRef>
+          <a:fontRef idx="minor">
+            <a:schemeClr val="lt1"/>
+          </a:fontRef>
+        </p:style>
+        <p:txBody>
+          <a:bodyPr rtlCol="0" anchor="ctr"/>
           <a:lstStyle/>
           <a:p>
-            <a:pPr marL="285750" indent="-285750">
-              <a:buFont typeface="Arial" panose="020B0604020202020204" pitchFamily="34" charset="0"/>
-              <a:buChar char="•"/>
-            </a:pPr>
-            <a:r>
-              <a:rPr lang="de-DE" sz="1600" dirty="0"/>
-              <a:t>Eins</a:t>
-            </a:r>
-          </a:p>
-          <a:p>
-            <a:pPr marL="285750" indent="-285750">
-              <a:buFont typeface="Arial" panose="020B0604020202020204" pitchFamily="34" charset="0"/>
-              <a:buChar char="•"/>
-            </a:pPr>
-            <a:r>
-              <a:rPr lang="de-DE" sz="1600" dirty="0"/>
-              <a:t>Zwei</a:t>
-            </a:r>
-          </a:p>
-          <a:p>
-            <a:pPr marL="285750" indent="-285750">
-              <a:buFont typeface="Arial" panose="020B0604020202020204" pitchFamily="34" charset="0"/>
-              <a:buChar char="•"/>
-            </a:pPr>
-            <a:r>
-              <a:rPr lang="de-DE" sz="1600" dirty="0"/>
-              <a:t>Drei</a:t>
-            </a:r>
-          </a:p>
-          <a:p>
-            <a:pPr marL="285750" indent="-285750">
-              <a:buFont typeface="Arial" panose="020B0604020202020204" pitchFamily="34" charset="0"/>
-              <a:buChar char="•"/>
-            </a:pPr>
-            <a:r>
-              <a:rPr lang="de-DE" dirty="0"/>
-              <a:t> </a:t>
-            </a:r>
-          </a:p>
-        </p:txBody>
-      </p:sp>
-      <p:sp>
-        <p:nvSpPr>
-          <p:cNvPr id="7" name="Textfeld 6">
+            <a:pPr algn="ctr"/>
+            <a:endParaRPr lang="de-DE"/>
+          </a:p>
+        </p:txBody>
+      </p:sp>
+      <p:sp>
+        <p:nvSpPr>
+          <p:cNvPr id="15" name="Pfeil: nach links und rechts 14">
             <a:extLst>
               <a:ext uri="{FF2B5EF4-FFF2-40B4-BE49-F238E27FC236}">
-                <a16:creationId xmlns:a16="http://schemas.microsoft.com/office/drawing/2014/main" id="{AF1A5FCA-9F96-B7B0-1BAA-4F389CC0A5F0}"/>
+                <a16:creationId xmlns:a16="http://schemas.microsoft.com/office/drawing/2014/main" id="{718E5D37-A6BB-C2BF-637D-F9D6154D4E01}"/>
               </a:ext>
             </a:extLst>
           </p:cNvPr>
-          <p:cNvSpPr txBox="1"/>
+          <p:cNvSpPr/>
           <p:nvPr/>
         </p:nvSpPr>
         <p:spPr>
-          <a:xfrm>
-            <a:off x="1115616" y="1988840"/>
-            <a:ext cx="1512168" cy="338554"/>
+          <a:xfrm rot="16200000">
+            <a:off x="4185499" y="5567437"/>
+            <a:ext cx="403648" cy="159223"/>
           </a:xfrm>
-          <a:prstGeom prst="rect">
+          <a:prstGeom prst="leftRightArrow">
             <a:avLst/>
           </a:prstGeom>
-          <a:noFill/>
         </p:spPr>
-        <p:txBody>
-          <a:bodyPr wrap="square" rtlCol="0">
-            <a:spAutoFit/>
-          </a:bodyPr>
+        <p:style>
+          <a:lnRef idx="2">
+            <a:schemeClr val="accent6">
+              <a:shade val="50000"/>
+            </a:schemeClr>
+          </a:lnRef>
+          <a:fillRef idx="1">
+            <a:schemeClr val="accent6"/>
+          </a:fillRef>
+          <a:effectRef idx="0">
+            <a:schemeClr val="accent6"/>
+          </a:effectRef>
+          <a:fontRef idx="minor">
+            <a:schemeClr val="lt1"/>
+          </a:fontRef>
+        </p:style>
+        <p:txBody>
+          <a:bodyPr rtlCol="0" anchor="ctr"/>
           <a:lstStyle/>
           <a:p>
-            <a:r>
-              <a:rPr lang="de-DE" sz="1600" dirty="0"/>
-              <a:t>Eingang 1</a:t>
-            </a:r>
-          </a:p>
-        </p:txBody>
-      </p:sp>
-      <p:sp>
-        <p:nvSpPr>
-          <p:cNvPr id="14" name="Textfeld 13">
+            <a:pPr algn="ctr"/>
+            <a:endParaRPr lang="de-DE"/>
+          </a:p>
+        </p:txBody>
+      </p:sp>
+      <p:sp>
+        <p:nvSpPr>
+          <p:cNvPr id="16" name="Pfeil: nach links und rechts 15">
             <a:extLst>
               <a:ext uri="{FF2B5EF4-FFF2-40B4-BE49-F238E27FC236}">
-                <a16:creationId xmlns:a16="http://schemas.microsoft.com/office/drawing/2014/main" id="{69F5CF58-7841-E5D9-2817-CCF50676B00E}"/>
+                <a16:creationId xmlns:a16="http://schemas.microsoft.com/office/drawing/2014/main" id="{B3FB5ED2-046A-22CE-1E87-206DD5982018}"/>
               </a:ext>
             </a:extLst>
           </p:cNvPr>
-          <p:cNvSpPr txBox="1"/>
+          <p:cNvSpPr/>
           <p:nvPr/>
         </p:nvSpPr>
         <p:spPr>
-          <a:xfrm>
-            <a:off x="1115616" y="2517726"/>
-            <a:ext cx="1512168" cy="338554"/>
+          <a:xfrm rot="16200000">
+            <a:off x="4938638" y="5567438"/>
+            <a:ext cx="403648" cy="159223"/>
           </a:xfrm>
-          <a:prstGeom prst="rect">
+          <a:prstGeom prst="leftRightArrow">
             <a:avLst/>
           </a:prstGeom>
-          <a:noFill/>
         </p:spPr>
-        <p:txBody>
-          <a:bodyPr wrap="square" rtlCol="0">
-            <a:spAutoFit/>
-          </a:bodyPr>
+        <p:style>
+          <a:lnRef idx="2">
+            <a:schemeClr val="accent6">
+              <a:shade val="50000"/>
+            </a:schemeClr>
+          </a:lnRef>
+          <a:fillRef idx="1">
+            <a:schemeClr val="accent6"/>
+          </a:fillRef>
+          <a:effectRef idx="0">
+            <a:schemeClr val="accent6"/>
+          </a:effectRef>
+          <a:fontRef idx="minor">
+            <a:schemeClr val="lt1"/>
+          </a:fontRef>
+        </p:style>
+        <p:txBody>
+          <a:bodyPr rtlCol="0" anchor="ctr"/>
           <a:lstStyle/>
           <a:p>
-            <a:r>
-              <a:rPr lang="de-DE" sz="1600" dirty="0"/>
-              <a:t>Eingang 1</a:t>
-            </a:r>
-          </a:p>
-        </p:txBody>
-      </p:sp>
-      <p:sp>
-        <p:nvSpPr>
-          <p:cNvPr id="15" name="Textfeld 14">
-            <a:extLst>
-              <a:ext uri="{FF2B5EF4-FFF2-40B4-BE49-F238E27FC236}">
-                <a16:creationId xmlns:a16="http://schemas.microsoft.com/office/drawing/2014/main" id="{A7471095-CEF3-2F9F-8B89-69DC19DACAE2}"/>
-              </a:ext>
-            </a:extLst>
-          </p:cNvPr>
-          <p:cNvSpPr txBox="1"/>
-          <p:nvPr/>
-        </p:nvSpPr>
-        <p:spPr>
-          <a:xfrm>
-            <a:off x="1115616" y="3062566"/>
-            <a:ext cx="1512168" cy="338554"/>
-          </a:xfrm>
-          <a:prstGeom prst="rect">
-            <a:avLst/>
-          </a:prstGeom>
-          <a:noFill/>
-        </p:spPr>
-        <p:txBody>
-          <a:bodyPr wrap="square" rtlCol="0">
-            <a:spAutoFit/>
-          </a:bodyPr>
-          <a:lstStyle/>
-          <a:p>
-            <a:r>
-              <a:rPr lang="de-DE" sz="1600" dirty="0"/>
-              <a:t>Eingang 1</a:t>
-            </a:r>
-          </a:p>
-        </p:txBody>
-      </p:sp>
-      <p:sp>
-        <p:nvSpPr>
-          <p:cNvPr id="16" name="Textfeld 15">
-            <a:extLst>
-              <a:ext uri="{FF2B5EF4-FFF2-40B4-BE49-F238E27FC236}">
-                <a16:creationId xmlns:a16="http://schemas.microsoft.com/office/drawing/2014/main" id="{6D03D6D3-8D89-86D6-22C6-EB2D0D390FD1}"/>
-              </a:ext>
-            </a:extLst>
-          </p:cNvPr>
-          <p:cNvSpPr txBox="1"/>
-          <p:nvPr/>
-        </p:nvSpPr>
-        <p:spPr>
-          <a:xfrm>
-            <a:off x="6105128" y="2433066"/>
-            <a:ext cx="1512168" cy="338554"/>
-          </a:xfrm>
-          <a:prstGeom prst="rect">
-            <a:avLst/>
-          </a:prstGeom>
-          <a:noFill/>
-        </p:spPr>
-        <p:txBody>
-          <a:bodyPr wrap="square" rtlCol="0">
-            <a:spAutoFit/>
-          </a:bodyPr>
-          <a:lstStyle/>
-          <a:p>
-            <a:r>
-              <a:rPr lang="de-DE" sz="1600" dirty="0"/>
-              <a:t>Ausgang 1</a:t>
-            </a:r>
-          </a:p>
-        </p:txBody>
-      </p:sp>
-      <p:sp>
-        <p:nvSpPr>
-          <p:cNvPr id="3" name="Textfeld 2">
-            <a:extLst>
-              <a:ext uri="{FF2B5EF4-FFF2-40B4-BE49-F238E27FC236}">
-                <a16:creationId xmlns:a16="http://schemas.microsoft.com/office/drawing/2014/main" id="{6AB53ED0-9355-F510-BB7D-B1F2132E81EE}"/>
-              </a:ext>
-            </a:extLst>
-          </p:cNvPr>
-          <p:cNvSpPr txBox="1"/>
-          <p:nvPr/>
-        </p:nvSpPr>
-        <p:spPr>
-          <a:xfrm>
-            <a:off x="1815932" y="1567825"/>
-            <a:ext cx="5080088" cy="276999"/>
-          </a:xfrm>
-          <a:prstGeom prst="rect">
-            <a:avLst/>
-          </a:prstGeom>
-          <a:noFill/>
-        </p:spPr>
-        <p:txBody>
-          <a:bodyPr wrap="square" rtlCol="0">
-            <a:spAutoFit/>
-          </a:bodyPr>
-          <a:lstStyle/>
-          <a:p>
-            <a:r>
-              <a:rPr lang="de-DE" sz="1200" dirty="0">
-                <a:solidFill>
-                  <a:srgbClr val="00B050"/>
-                </a:solidFill>
-              </a:rPr>
-              <a:t>■  Sensor Eingang            </a:t>
-            </a:r>
-            <a:r>
-              <a:rPr lang="de-DE" sz="1200" dirty="0">
-                <a:solidFill>
-                  <a:srgbClr val="FF0000"/>
-                </a:solidFill>
-              </a:rPr>
-              <a:t>■  Aktor Ausgang           </a:t>
-            </a:r>
-            <a:r>
-              <a:rPr lang="de-DE" sz="1200" dirty="0">
-                <a:solidFill>
-                  <a:srgbClr val="0070C0"/>
-                </a:solidFill>
-              </a:rPr>
-              <a:t>■  Berechnete Daten</a:t>
-            </a:r>
-            <a:endParaRPr lang="de-DE" sz="1200" dirty="0">
-              <a:solidFill>
-                <a:srgbClr val="FF0000"/>
-              </a:solidFill>
-            </a:endParaRPr>
+            <a:pPr algn="ctr"/>
+            <a:endParaRPr lang="de-DE"/>
           </a:p>
         </p:txBody>
       </p:sp>
     </p:spTree>
     <p:extLst>
       <p:ext uri="{BB962C8B-B14F-4D97-AF65-F5344CB8AC3E}">
-        <p14:creationId xmlns:p14="http://schemas.microsoft.com/office/powerpoint/2010/main" val="4113961845"/>
+        <p14:creationId xmlns:p14="http://schemas.microsoft.com/office/powerpoint/2010/main" val="1938776808"/>
       </p:ext>
     </p:extLst>
   </p:cSld>
@@ -10486,7 +10508,7 @@
               </a:pPr>
               <a:t>2</a:t>
             </a:fld>
-            <a:endParaRPr lang="de-DE" sz="1600" b="1" dirty="0">
+            <a:endParaRPr lang="de-DE" sz="1600" b="1">
               <a:solidFill>
                 <a:schemeClr val="tx1">
                   <a:lumMod val="85000"/>
@@ -10529,7 +10551,7 @@
           </a:bodyPr>
           <a:lstStyle/>
           <a:p>
-            <a:endParaRPr lang="de-DE" dirty="0"/>
+            <a:endParaRPr lang="de-DE"/>
           </a:p>
         </p:txBody>
       </p:sp>
@@ -10574,7 +10596,292 @@
                 <a:latin typeface="+mn-lt"/>
                 <a:cs typeface="+mn-cs"/>
               </a:rPr>
-              <a:t>BMS-Lab</a:t>
+              <a:t>Gliederung</a:t>
+            </a:r>
+            <a:endParaRPr lang="de-DE" sz="3600" dirty="0">
+              <a:solidFill>
+                <a:schemeClr val="bg1">
+                  <a:lumMod val="75000"/>
+                </a:schemeClr>
+              </a:solidFill>
+              <a:latin typeface="+mn-lt"/>
+              <a:cs typeface="+mn-cs"/>
+            </a:endParaRPr>
+          </a:p>
+        </p:txBody>
+      </p:sp>
+      <p:sp>
+        <p:nvSpPr>
+          <p:cNvPr id="2" name="Textfeld 1">
+            <a:extLst>
+              <a:ext uri="{FF2B5EF4-FFF2-40B4-BE49-F238E27FC236}">
+                <a16:creationId xmlns:a16="http://schemas.microsoft.com/office/drawing/2014/main" id="{9131DE49-C727-4F53-8CDD-E1BDAE9BD77A}"/>
+              </a:ext>
+            </a:extLst>
+          </p:cNvPr>
+          <p:cNvSpPr txBox="1"/>
+          <p:nvPr/>
+        </p:nvSpPr>
+        <p:spPr>
+          <a:xfrm>
+            <a:off x="827584" y="2149703"/>
+            <a:ext cx="7488832" cy="3046988"/>
+          </a:xfrm>
+          <a:prstGeom prst="rect">
+            <a:avLst/>
+          </a:prstGeom>
+          <a:noFill/>
+          <a:ln>
+            <a:noFill/>
+          </a:ln>
+        </p:spPr>
+        <p:txBody>
+          <a:bodyPr wrap="square" rtlCol="0">
+            <a:spAutoFit/>
+          </a:bodyPr>
+          <a:lstStyle/>
+          <a:p>
+            <a:pPr marL="285750" indent="-285750">
+              <a:lnSpc>
+                <a:spcPct val="150000"/>
+              </a:lnSpc>
+              <a:buFont typeface="Arial" panose="020B0604020202020204" pitchFamily="34" charset="0"/>
+              <a:buChar char="•"/>
+            </a:pPr>
+            <a:r>
+              <a:rPr lang="de-DE" sz="2400" err="1"/>
+              <a:t>Reqirements</a:t>
+            </a:r>
+            <a:endParaRPr lang="de-DE" sz="2400"/>
+          </a:p>
+          <a:p>
+            <a:pPr marL="742950" lvl="1" indent="-285750">
+              <a:buFont typeface="Arial" panose="020B0604020202020204" pitchFamily="34" charset="0"/>
+              <a:buChar char="•"/>
+            </a:pPr>
+            <a:r>
+              <a:rPr lang="de-DE" sz="2400" dirty="0"/>
+              <a:t>Unsere Änderungen und Ergänzungen</a:t>
+            </a:r>
+          </a:p>
+          <a:p>
+            <a:endParaRPr lang="de-DE" sz="2400" dirty="0"/>
+          </a:p>
+          <a:p>
+            <a:pPr marL="285750" indent="-285750">
+              <a:buFont typeface="Arial" panose="020B0604020202020204" pitchFamily="34" charset="0"/>
+              <a:buChar char="•"/>
+            </a:pPr>
+            <a:r>
+              <a:rPr lang="de-DE" sz="2400" dirty="0"/>
+              <a:t>Komponenten</a:t>
+            </a:r>
+          </a:p>
+          <a:p>
+            <a:pPr marL="285750" indent="-285750">
+              <a:buFont typeface="Arial" panose="020B0604020202020204" pitchFamily="34" charset="0"/>
+              <a:buChar char="•"/>
+            </a:pPr>
+            <a:endParaRPr lang="de-DE" sz="2400" dirty="0"/>
+          </a:p>
+          <a:p>
+            <a:pPr marL="285750" indent="-285750">
+              <a:lnSpc>
+                <a:spcPct val="150000"/>
+              </a:lnSpc>
+              <a:buFont typeface="Arial" panose="020B0604020202020204" pitchFamily="34" charset="0"/>
+              <a:buChar char="•"/>
+            </a:pPr>
+            <a:r>
+              <a:rPr lang="de-DE" sz="2400" dirty="0"/>
+              <a:t>Software Architektur</a:t>
+            </a:r>
+            <a:endParaRPr lang="de-DE" sz="2400"/>
+          </a:p>
+          <a:p>
+            <a:pPr marL="742950" lvl="1" indent="-285750">
+              <a:buFont typeface="Arial" panose="020B0604020202020204" pitchFamily="34" charset="0"/>
+              <a:buChar char="•"/>
+            </a:pPr>
+            <a:r>
+              <a:rPr lang="de-DE" sz="2400" dirty="0"/>
+              <a:t>Schichtmodell</a:t>
+            </a:r>
+          </a:p>
+        </p:txBody>
+      </p:sp>
+    </p:spTree>
+    <p:extLst>
+      <p:ext uri="{BB962C8B-B14F-4D97-AF65-F5344CB8AC3E}">
+        <p14:creationId xmlns:p14="http://schemas.microsoft.com/office/powerpoint/2010/main" val="2130843515"/>
+      </p:ext>
+    </p:extLst>
+  </p:cSld>
+  <p:clrMapOvr>
+    <a:masterClrMapping/>
+  </p:clrMapOvr>
+</p:sld>
+</file>
+
+<file path=ppt/slides/slide3.xml><?xml version="1.0" encoding="utf-8"?>
+<p:sld xmlns:a="http://schemas.openxmlformats.org/drawingml/2006/main" xmlns:r="http://schemas.openxmlformats.org/officeDocument/2006/relationships" xmlns:p="http://schemas.openxmlformats.org/presentationml/2006/main">
+  <p:cSld>
+    <p:spTree>
+      <p:nvGrpSpPr>
+        <p:cNvPr id="1" name=""/>
+        <p:cNvGrpSpPr/>
+        <p:nvPr/>
+      </p:nvGrpSpPr>
+      <p:grpSpPr>
+        <a:xfrm>
+          <a:off x="0" y="0"/>
+          <a:ext cx="0" cy="0"/>
+          <a:chOff x="0" y="0"/>
+          <a:chExt cx="0" cy="0"/>
+        </a:xfrm>
+      </p:grpSpPr>
+      <p:sp>
+        <p:nvSpPr>
+          <p:cNvPr id="18" name="Foliennummernplatzhalter 17"/>
+          <p:cNvSpPr txBox="1">
+            <a:spLocks noGrp="1"/>
+          </p:cNvSpPr>
+          <p:nvPr/>
+        </p:nvSpPr>
+        <p:spPr>
+          <a:xfrm>
+            <a:off x="6553200" y="6356350"/>
+            <a:ext cx="2133600" cy="365125"/>
+          </a:xfrm>
+          <a:prstGeom prst="rect">
+            <a:avLst/>
+          </a:prstGeom>
+          <a:noFill/>
+        </p:spPr>
+        <p:txBody>
+          <a:bodyPr anchor="ctr"/>
+          <a:lstStyle/>
+          <a:p>
+            <a:pPr algn="r" fontAlgn="auto">
+              <a:spcBef>
+                <a:spcPts val="0"/>
+              </a:spcBef>
+              <a:spcAft>
+                <a:spcPts val="0"/>
+              </a:spcAft>
+              <a:defRPr/>
+            </a:pPr>
+            <a:fld id="{DAF3A313-D66B-4357-A41A-5240B2F93707}" type="slidenum">
+              <a:rPr lang="de-DE" sz="1600" b="1">
+                <a:solidFill>
+                  <a:schemeClr val="tx1">
+                    <a:lumMod val="85000"/>
+                    <a:lumOff val="15000"/>
+                  </a:schemeClr>
+                </a:solidFill>
+                <a:latin typeface="+mn-lt"/>
+                <a:cs typeface="+mn-cs"/>
+              </a:rPr>
+              <a:pPr algn="r" fontAlgn="auto">
+                <a:spcBef>
+                  <a:spcPts val="0"/>
+                </a:spcBef>
+                <a:spcAft>
+                  <a:spcPts val="0"/>
+                </a:spcAft>
+                <a:defRPr/>
+              </a:pPr>
+              <a:t>3</a:t>
+            </a:fld>
+            <a:endParaRPr lang="de-DE" sz="1600" b="1" dirty="0">
+              <a:solidFill>
+                <a:schemeClr val="tx1">
+                  <a:lumMod val="85000"/>
+                  <a:lumOff val="15000"/>
+                </a:schemeClr>
+              </a:solidFill>
+              <a:latin typeface="+mn-lt"/>
+              <a:cs typeface="+mn-cs"/>
+            </a:endParaRPr>
+          </a:p>
+        </p:txBody>
+      </p:sp>
+      <p:sp>
+        <p:nvSpPr>
+          <p:cNvPr id="29701" name="Text Box 9"/>
+          <p:cNvSpPr txBox="1">
+            <a:spLocks noChangeArrowheads="1"/>
+          </p:cNvSpPr>
+          <p:nvPr/>
+        </p:nvSpPr>
+        <p:spPr bwMode="auto">
+          <a:xfrm>
+            <a:off x="-1065213" y="3305175"/>
+            <a:ext cx="184150" cy="366713"/>
+          </a:xfrm>
+          <a:prstGeom prst="rect">
+            <a:avLst/>
+          </a:prstGeom>
+          <a:noFill/>
+          <a:ln w="9525">
+            <a:noFill/>
+            <a:miter lim="800000"/>
+            <a:headEnd/>
+            <a:tailEnd/>
+          </a:ln>
+        </p:spPr>
+        <p:txBody>
+          <a:bodyPr wrap="none">
+            <a:spAutoFit/>
+          </a:bodyPr>
+          <a:lstStyle/>
+          <a:p>
+            <a:endParaRPr lang="de-DE" dirty="0"/>
+          </a:p>
+        </p:txBody>
+      </p:sp>
+      <p:sp>
+        <p:nvSpPr>
+          <p:cNvPr id="13" name="Textfeld 12"/>
+          <p:cNvSpPr txBox="1"/>
+          <p:nvPr/>
+        </p:nvSpPr>
+        <p:spPr>
+          <a:xfrm>
+            <a:off x="323529" y="438420"/>
+            <a:ext cx="6408712" cy="707886"/>
+          </a:xfrm>
+          <a:prstGeom prst="rect">
+            <a:avLst/>
+          </a:prstGeom>
+          <a:noFill/>
+        </p:spPr>
+        <p:txBody>
+          <a:bodyPr wrap="square">
+            <a:spAutoFit/>
+          </a:bodyPr>
+          <a:lstStyle/>
+          <a:p>
+            <a:pPr fontAlgn="auto">
+              <a:spcBef>
+                <a:spcPts val="0"/>
+              </a:spcBef>
+              <a:spcAft>
+                <a:spcPts val="0"/>
+              </a:spcAft>
+              <a:defRPr/>
+            </a:pPr>
+            <a:r>
+              <a:rPr lang="de-DE" sz="4000" err="1">
+                <a:solidFill>
+                  <a:schemeClr val="bg1">
+                    <a:lumMod val="75000"/>
+                  </a:schemeClr>
+                </a:solidFill>
+                <a:latin typeface="+mn-lt"/>
+                <a:cs typeface="+mn-cs"/>
+              </a:rPr>
+              <a:t>Requirements</a:t>
             </a:r>
             <a:endParaRPr lang="de-DE" sz="3600" dirty="0">
               <a:solidFill>
@@ -10603,13 +10910,13 @@
           <p:nvPr>
             <p:extLst>
               <p:ext uri="{D42A27DB-BD31-4B8C-83A1-F6EECF244321}">
-                <p14:modId xmlns:p14="http://schemas.microsoft.com/office/powerpoint/2010/main" val="1412602244"/>
+                <p14:modId xmlns:p14="http://schemas.microsoft.com/office/powerpoint/2010/main" val="2554830018"/>
               </p:ext>
             </p:extLst>
           </p:nvPr>
         </p:nvGraphicFramePr>
         <p:xfrm>
-          <a:off x="323529" y="2276872"/>
+          <a:off x="323529" y="1876256"/>
           <a:ext cx="8568951" cy="3744413"/>
         </p:xfrm>
         <a:graphic>
@@ -14259,42 +14566,6 @@
           </a:graphicData>
         </a:graphic>
       </p:graphicFrame>
-      <p:sp>
-        <p:nvSpPr>
-          <p:cNvPr id="5" name="Textfeld 4">
-            <a:extLst>
-              <a:ext uri="{FF2B5EF4-FFF2-40B4-BE49-F238E27FC236}">
-                <a16:creationId xmlns:a16="http://schemas.microsoft.com/office/drawing/2014/main" id="{9AF0C981-951B-F4AA-C20A-3A548EF8B65D}"/>
-              </a:ext>
-            </a:extLst>
-          </p:cNvPr>
-          <p:cNvSpPr txBox="1"/>
-          <p:nvPr/>
-        </p:nvSpPr>
-        <p:spPr>
-          <a:xfrm>
-            <a:off x="323529" y="1628800"/>
-            <a:ext cx="8640960" cy="369332"/>
-          </a:xfrm>
-          <a:prstGeom prst="rect">
-            <a:avLst/>
-          </a:prstGeom>
-          <a:noFill/>
-        </p:spPr>
-        <p:txBody>
-          <a:bodyPr wrap="square" rtlCol="0">
-            <a:spAutoFit/>
-          </a:bodyPr>
-          <a:lstStyle/>
-          <a:p>
-            <a:r>
-              <a:rPr lang="de-DE" dirty="0" err="1"/>
-              <a:t>Requirements</a:t>
-            </a:r>
-            <a:endParaRPr lang="de-DE" dirty="0"/>
-          </a:p>
-        </p:txBody>
-      </p:sp>
     </p:spTree>
     <p:extLst>
       <p:ext uri="{BB962C8B-B14F-4D97-AF65-F5344CB8AC3E}">
@@ -14308,7 +14579,7 @@
 </p:sld>
 </file>
 
-<file path=ppt/slides/slide3.xml><?xml version="1.0" encoding="utf-8"?>
+<file path=ppt/slides/slide4.xml><?xml version="1.0" encoding="utf-8"?>
 <p:sld xmlns:a="http://schemas.openxmlformats.org/drawingml/2006/main" xmlns:r="http://schemas.openxmlformats.org/officeDocument/2006/relationships" xmlns:p="http://schemas.openxmlformats.org/presentationml/2006/main">
   <p:cSld>
     <p:spTree>
@@ -14376,7 +14647,7 @@
                 </a:spcAft>
                 <a:defRPr/>
               </a:pPr>
-              <a:t>3</a:t>
+              <a:t>4</a:t>
             </a:fld>
             <a:endParaRPr lang="de-DE" sz="1600" b="1" dirty="0">
               <a:solidFill>
@@ -14457,6 +14728,3922 @@
               <a:defRPr/>
             </a:pPr>
             <a:r>
+              <a:rPr lang="de-DE" sz="4000" err="1">
+                <a:solidFill>
+                  <a:schemeClr val="bg1">
+                    <a:lumMod val="75000"/>
+                  </a:schemeClr>
+                </a:solidFill>
+                <a:latin typeface="+mn-lt"/>
+                <a:cs typeface="+mn-cs"/>
+              </a:rPr>
+              <a:t>Requirements</a:t>
+            </a:r>
+            <a:endParaRPr lang="de-DE" sz="3600" dirty="0">
+              <a:solidFill>
+                <a:schemeClr val="bg1">
+                  <a:lumMod val="75000"/>
+                </a:schemeClr>
+              </a:solidFill>
+              <a:latin typeface="+mn-lt"/>
+              <a:cs typeface="+mn-cs"/>
+            </a:endParaRPr>
+          </a:p>
+        </p:txBody>
+      </p:sp>
+      <p:graphicFrame>
+        <p:nvGraphicFramePr>
+          <p:cNvPr id="4" name="Tabelle 3">
+            <a:extLst>
+              <a:ext uri="{FF2B5EF4-FFF2-40B4-BE49-F238E27FC236}">
+                <a16:creationId xmlns:a16="http://schemas.microsoft.com/office/drawing/2014/main" id="{0EAD8744-9A20-3849-6585-48FDA5B989B7}"/>
+              </a:ext>
+            </a:extLst>
+          </p:cNvPr>
+          <p:cNvGraphicFramePr>
+            <a:graphicFrameLocks noGrp="1"/>
+          </p:cNvGraphicFramePr>
+          <p:nvPr>
+            <p:extLst>
+              <p:ext uri="{D42A27DB-BD31-4B8C-83A1-F6EECF244321}">
+                <p14:modId xmlns:p14="http://schemas.microsoft.com/office/powerpoint/2010/main" val="3786560614"/>
+              </p:ext>
+            </p:extLst>
+          </p:nvPr>
+        </p:nvGraphicFramePr>
+        <p:xfrm>
+          <a:off x="323529" y="1876256"/>
+          <a:ext cx="8568951" cy="3744413"/>
+        </p:xfrm>
+        <a:graphic>
+          <a:graphicData uri="http://schemas.openxmlformats.org/drawingml/2006/table">
+            <a:tbl>
+              <a:tblPr/>
+              <a:tblGrid>
+                <a:gridCol w="524630">
+                  <a:extLst>
+                    <a:ext uri="{9D8B030D-6E8A-4147-A177-3AD203B41FA5}">
+                      <a16:colId xmlns:a16="http://schemas.microsoft.com/office/drawing/2014/main" val="1877899779"/>
+                    </a:ext>
+                  </a:extLst>
+                </a:gridCol>
+                <a:gridCol w="568349">
+                  <a:extLst>
+                    <a:ext uri="{9D8B030D-6E8A-4147-A177-3AD203B41FA5}">
+                      <a16:colId xmlns:a16="http://schemas.microsoft.com/office/drawing/2014/main" val="1018962982"/>
+                    </a:ext>
+                  </a:extLst>
+                </a:gridCol>
+                <a:gridCol w="7475972">
+                  <a:extLst>
+                    <a:ext uri="{9D8B030D-6E8A-4147-A177-3AD203B41FA5}">
+                      <a16:colId xmlns:a16="http://schemas.microsoft.com/office/drawing/2014/main" val="583714656"/>
+                    </a:ext>
+                  </a:extLst>
+                </a:gridCol>
+              </a:tblGrid>
+              <a:tr h="203904">
+                <a:tc>
+                  <a:txBody>
+                    <a:bodyPr/>
+                    <a:lstStyle/>
+                    <a:p>
+                      <a:pPr algn="l" fontAlgn="b"/>
+                      <a:r>
+                        <a:rPr lang="de-DE" sz="800" b="1" i="0" u="none" strike="noStrike">
+                          <a:solidFill>
+                            <a:srgbClr val="000000"/>
+                          </a:solidFill>
+                          <a:effectLst/>
+                          <a:latin typeface="Calibri" panose="020F0502020204030204" pitchFamily="34" charset="0"/>
+                        </a:rPr>
+                        <a:t>ID</a:t>
+                      </a:r>
+                    </a:p>
+                  </a:txBody>
+                  <a:tcPr marL="6298" marR="6298" marT="6298" marB="0" anchor="b">
+                    <a:lnL w="12700" cap="flat" cmpd="sng" algn="ctr">
+                      <a:solidFill>
+                        <a:srgbClr val="000000"/>
+                      </a:solidFill>
+                      <a:prstDash val="solid"/>
+                      <a:round/>
+                      <a:headEnd type="none" w="med" len="med"/>
+                      <a:tailEnd type="none" w="med" len="med"/>
+                    </a:lnL>
+                    <a:lnR w="6350" cap="flat" cmpd="sng" algn="ctr">
+                      <a:solidFill>
+                        <a:srgbClr val="000000"/>
+                      </a:solidFill>
+                      <a:prstDash val="solid"/>
+                      <a:round/>
+                      <a:headEnd type="none" w="med" len="med"/>
+                      <a:tailEnd type="none" w="med" len="med"/>
+                    </a:lnR>
+                    <a:lnT w="12700" cap="flat" cmpd="sng" algn="ctr">
+                      <a:solidFill>
+                        <a:srgbClr val="000000"/>
+                      </a:solidFill>
+                      <a:prstDash val="solid"/>
+                      <a:round/>
+                      <a:headEnd type="none" w="med" len="med"/>
+                      <a:tailEnd type="none" w="med" len="med"/>
+                    </a:lnT>
+                    <a:lnB w="25400" cap="flat" cmpd="dbl" algn="ctr">
+                      <a:solidFill>
+                        <a:srgbClr val="000000"/>
+                      </a:solidFill>
+                      <a:prstDash val="solid"/>
+                      <a:round/>
+                      <a:headEnd type="none" w="med" len="med"/>
+                      <a:tailEnd type="none" w="med" len="med"/>
+                    </a:lnB>
+                  </a:tcPr>
+                </a:tc>
+                <a:tc>
+                  <a:txBody>
+                    <a:bodyPr/>
+                    <a:lstStyle/>
+                    <a:p>
+                      <a:pPr algn="l" fontAlgn="b"/>
+                      <a:r>
+                        <a:rPr lang="de-DE" sz="800" b="1" i="0" u="none" strike="noStrike">
+                          <a:solidFill>
+                            <a:srgbClr val="000000"/>
+                          </a:solidFill>
+                          <a:effectLst/>
+                          <a:latin typeface="Calibri" panose="020F0502020204030204" pitchFamily="34" charset="0"/>
+                        </a:rPr>
+                        <a:t>Typ </a:t>
+                      </a:r>
+                    </a:p>
+                  </a:txBody>
+                  <a:tcPr marL="6298" marR="6298" marT="6298" marB="0" anchor="b">
+                    <a:lnL w="6350" cap="flat" cmpd="sng" algn="ctr">
+                      <a:solidFill>
+                        <a:srgbClr val="000000"/>
+                      </a:solidFill>
+                      <a:prstDash val="solid"/>
+                      <a:round/>
+                      <a:headEnd type="none" w="med" len="med"/>
+                      <a:tailEnd type="none" w="med" len="med"/>
+                    </a:lnL>
+                    <a:lnR w="6350" cap="flat" cmpd="sng" algn="ctr">
+                      <a:solidFill>
+                        <a:srgbClr val="000000"/>
+                      </a:solidFill>
+                      <a:prstDash val="solid"/>
+                      <a:round/>
+                      <a:headEnd type="none" w="med" len="med"/>
+                      <a:tailEnd type="none" w="med" len="med"/>
+                    </a:lnR>
+                    <a:lnT w="12700" cap="flat" cmpd="sng" algn="ctr">
+                      <a:solidFill>
+                        <a:srgbClr val="000000"/>
+                      </a:solidFill>
+                      <a:prstDash val="solid"/>
+                      <a:round/>
+                      <a:headEnd type="none" w="med" len="med"/>
+                      <a:tailEnd type="none" w="med" len="med"/>
+                    </a:lnT>
+                    <a:lnB w="25400" cap="flat" cmpd="dbl" algn="ctr">
+                      <a:solidFill>
+                        <a:srgbClr val="000000"/>
+                      </a:solidFill>
+                      <a:prstDash val="solid"/>
+                      <a:round/>
+                      <a:headEnd type="none" w="med" len="med"/>
+                      <a:tailEnd type="none" w="med" len="med"/>
+                    </a:lnB>
+                  </a:tcPr>
+                </a:tc>
+                <a:tc>
+                  <a:txBody>
+                    <a:bodyPr/>
+                    <a:lstStyle/>
+                    <a:p>
+                      <a:pPr algn="l" fontAlgn="b"/>
+                      <a:r>
+                        <a:rPr lang="de-DE" sz="800" b="1" i="0" u="none" strike="noStrike">
+                          <a:solidFill>
+                            <a:srgbClr val="000000"/>
+                          </a:solidFill>
+                          <a:effectLst/>
+                          <a:latin typeface="Calibri" panose="020F0502020204030204" pitchFamily="34" charset="0"/>
+                        </a:rPr>
+                        <a:t>Anforderungs-Beschreibung</a:t>
+                      </a:r>
+                    </a:p>
+                  </a:txBody>
+                  <a:tcPr marL="6298" marR="6298" marT="6298" marB="0" anchor="b">
+                    <a:lnL w="6350" cap="flat" cmpd="sng" algn="ctr">
+                      <a:solidFill>
+                        <a:srgbClr val="000000"/>
+                      </a:solidFill>
+                      <a:prstDash val="solid"/>
+                      <a:round/>
+                      <a:headEnd type="none" w="med" len="med"/>
+                      <a:tailEnd type="none" w="med" len="med"/>
+                    </a:lnL>
+                    <a:lnR w="12700" cap="flat" cmpd="sng" algn="ctr">
+                      <a:solidFill>
+                        <a:srgbClr val="000000"/>
+                      </a:solidFill>
+                      <a:prstDash val="solid"/>
+                      <a:round/>
+                      <a:headEnd type="none" w="med" len="med"/>
+                      <a:tailEnd type="none" w="med" len="med"/>
+                    </a:lnR>
+                    <a:lnT w="12700" cap="flat" cmpd="sng" algn="ctr">
+                      <a:solidFill>
+                        <a:srgbClr val="000000"/>
+                      </a:solidFill>
+                      <a:prstDash val="solid"/>
+                      <a:round/>
+                      <a:headEnd type="none" w="med" len="med"/>
+                      <a:tailEnd type="none" w="med" len="med"/>
+                    </a:lnT>
+                    <a:lnB w="25400" cap="flat" cmpd="dbl" algn="ctr">
+                      <a:solidFill>
+                        <a:srgbClr val="000000"/>
+                      </a:solidFill>
+                      <a:prstDash val="solid"/>
+                      <a:round/>
+                      <a:headEnd type="none" w="med" len="med"/>
+                      <a:tailEnd type="none" w="med" len="med"/>
+                    </a:lnB>
+                  </a:tcPr>
+                </a:tc>
+                <a:extLst>
+                  <a:ext uri="{0D108BD9-81ED-4DB2-BD59-A6C34878D82A}">
+                    <a16:rowId xmlns:a16="http://schemas.microsoft.com/office/drawing/2014/main" val="406039575"/>
+                  </a:ext>
+                </a:extLst>
+              </a:tr>
+              <a:tr h="194635">
+                <a:tc>
+                  <a:txBody>
+                    <a:bodyPr/>
+                    <a:lstStyle/>
+                    <a:p>
+                      <a:pPr algn="l" fontAlgn="b"/>
+                      <a:r>
+                        <a:rPr lang="de-DE" sz="700" b="1" i="0" u="none" strike="noStrike">
+                          <a:solidFill>
+                            <a:srgbClr val="000000"/>
+                          </a:solidFill>
+                          <a:effectLst/>
+                          <a:latin typeface="Calibri" panose="020F0502020204030204" pitchFamily="34" charset="0"/>
+                        </a:rPr>
+                        <a:t>BMS-100</a:t>
+                      </a:r>
+                    </a:p>
+                  </a:txBody>
+                  <a:tcPr marL="6298" marR="6298" marT="6298" marB="0" anchor="b">
+                    <a:lnL w="12700" cap="flat" cmpd="sng" algn="ctr">
+                      <a:solidFill>
+                        <a:srgbClr val="000000"/>
+                      </a:solidFill>
+                      <a:prstDash val="solid"/>
+                      <a:round/>
+                      <a:headEnd type="none" w="med" len="med"/>
+                      <a:tailEnd type="none" w="med" len="med"/>
+                    </a:lnL>
+                    <a:lnR w="6350" cap="flat" cmpd="sng" algn="ctr">
+                      <a:solidFill>
+                        <a:srgbClr val="000000"/>
+                      </a:solidFill>
+                      <a:prstDash val="solid"/>
+                      <a:round/>
+                      <a:headEnd type="none" w="med" len="med"/>
+                      <a:tailEnd type="none" w="med" len="med"/>
+                    </a:lnR>
+                    <a:lnT w="25400" cap="flat" cmpd="dbl" algn="ctr">
+                      <a:solidFill>
+                        <a:srgbClr val="000000"/>
+                      </a:solidFill>
+                      <a:prstDash val="solid"/>
+                      <a:round/>
+                      <a:headEnd type="none" w="med" len="med"/>
+                      <a:tailEnd type="none" w="med" len="med"/>
+                    </a:lnT>
+                    <a:lnB w="6350" cap="flat" cmpd="sng" algn="ctr">
+                      <a:solidFill>
+                        <a:srgbClr val="000000"/>
+                      </a:solidFill>
+                      <a:prstDash val="solid"/>
+                      <a:round/>
+                      <a:headEnd type="none" w="med" len="med"/>
+                      <a:tailEnd type="none" w="med" len="med"/>
+                    </a:lnB>
+                    <a:solidFill>
+                      <a:srgbClr val="BFBFBF"/>
+                    </a:solidFill>
+                  </a:tcPr>
+                </a:tc>
+                <a:tc>
+                  <a:txBody>
+                    <a:bodyPr/>
+                    <a:lstStyle/>
+                    <a:p>
+                      <a:pPr algn="l" fontAlgn="b"/>
+                      <a:r>
+                        <a:rPr lang="de-DE" sz="700" b="1" i="0" u="none" strike="noStrike">
+                          <a:solidFill>
+                            <a:srgbClr val="000000"/>
+                          </a:solidFill>
+                          <a:effectLst/>
+                          <a:latin typeface="Calibri" panose="020F0502020204030204" pitchFamily="34" charset="0"/>
+                        </a:rPr>
+                        <a:t>Überschrift</a:t>
+                      </a:r>
+                    </a:p>
+                  </a:txBody>
+                  <a:tcPr marL="6298" marR="6298" marT="6298" marB="0" anchor="b">
+                    <a:lnL w="6350" cap="flat" cmpd="sng" algn="ctr">
+                      <a:solidFill>
+                        <a:srgbClr val="000000"/>
+                      </a:solidFill>
+                      <a:prstDash val="solid"/>
+                      <a:round/>
+                      <a:headEnd type="none" w="med" len="med"/>
+                      <a:tailEnd type="none" w="med" len="med"/>
+                    </a:lnL>
+                    <a:lnR w="6350" cap="flat" cmpd="sng" algn="ctr">
+                      <a:solidFill>
+                        <a:srgbClr val="000000"/>
+                      </a:solidFill>
+                      <a:prstDash val="solid"/>
+                      <a:round/>
+                      <a:headEnd type="none" w="med" len="med"/>
+                      <a:tailEnd type="none" w="med" len="med"/>
+                    </a:lnR>
+                    <a:lnT w="25400" cap="flat" cmpd="dbl" algn="ctr">
+                      <a:solidFill>
+                        <a:srgbClr val="000000"/>
+                      </a:solidFill>
+                      <a:prstDash val="solid"/>
+                      <a:round/>
+                      <a:headEnd type="none" w="med" len="med"/>
+                      <a:tailEnd type="none" w="med" len="med"/>
+                    </a:lnT>
+                    <a:lnB w="6350" cap="flat" cmpd="sng" algn="ctr">
+                      <a:solidFill>
+                        <a:srgbClr val="000000"/>
+                      </a:solidFill>
+                      <a:prstDash val="solid"/>
+                      <a:round/>
+                      <a:headEnd type="none" w="med" len="med"/>
+                      <a:tailEnd type="none" w="med" len="med"/>
+                    </a:lnB>
+                    <a:solidFill>
+                      <a:srgbClr val="BFBFBF"/>
+                    </a:solidFill>
+                  </a:tcPr>
+                </a:tc>
+                <a:tc>
+                  <a:txBody>
+                    <a:bodyPr/>
+                    <a:lstStyle/>
+                    <a:p>
+                      <a:pPr algn="l" fontAlgn="b"/>
+                      <a:r>
+                        <a:rPr lang="de-DE" sz="700" b="1" i="0" u="none" strike="noStrike">
+                          <a:solidFill>
+                            <a:srgbClr val="000000"/>
+                          </a:solidFill>
+                          <a:effectLst/>
+                          <a:latin typeface="Calibri" panose="020F0502020204030204" pitchFamily="34" charset="0"/>
+                        </a:rPr>
+                        <a:t>Safety Management</a:t>
+                      </a:r>
+                    </a:p>
+                  </a:txBody>
+                  <a:tcPr marL="6298" marR="6298" marT="6298" marB="0" anchor="b">
+                    <a:lnL w="6350" cap="flat" cmpd="sng" algn="ctr">
+                      <a:solidFill>
+                        <a:srgbClr val="000000"/>
+                      </a:solidFill>
+                      <a:prstDash val="solid"/>
+                      <a:round/>
+                      <a:headEnd type="none" w="med" len="med"/>
+                      <a:tailEnd type="none" w="med" len="med"/>
+                    </a:lnL>
+                    <a:lnR w="12700" cap="flat" cmpd="sng" algn="ctr">
+                      <a:solidFill>
+                        <a:srgbClr val="000000"/>
+                      </a:solidFill>
+                      <a:prstDash val="solid"/>
+                      <a:round/>
+                      <a:headEnd type="none" w="med" len="med"/>
+                      <a:tailEnd type="none" w="med" len="med"/>
+                    </a:lnR>
+                    <a:lnT w="25400" cap="flat" cmpd="dbl" algn="ctr">
+                      <a:solidFill>
+                        <a:srgbClr val="000000"/>
+                      </a:solidFill>
+                      <a:prstDash val="solid"/>
+                      <a:round/>
+                      <a:headEnd type="none" w="med" len="med"/>
+                      <a:tailEnd type="none" w="med" len="med"/>
+                    </a:lnT>
+                    <a:lnB w="6350" cap="flat" cmpd="sng" algn="ctr">
+                      <a:solidFill>
+                        <a:srgbClr val="000000"/>
+                      </a:solidFill>
+                      <a:prstDash val="solid"/>
+                      <a:round/>
+                      <a:headEnd type="none" w="med" len="med"/>
+                      <a:tailEnd type="none" w="med" len="med"/>
+                    </a:lnB>
+                    <a:solidFill>
+                      <a:srgbClr val="BFBFBF"/>
+                    </a:solidFill>
+                  </a:tcPr>
+                </a:tc>
+                <a:extLst>
+                  <a:ext uri="{0D108BD9-81ED-4DB2-BD59-A6C34878D82A}">
+                    <a16:rowId xmlns:a16="http://schemas.microsoft.com/office/drawing/2014/main" val="1083060634"/>
+                  </a:ext>
+                </a:extLst>
+              </a:tr>
+              <a:tr h="185367">
+                <a:tc>
+                  <a:txBody>
+                    <a:bodyPr/>
+                    <a:lstStyle/>
+                    <a:p>
+                      <a:pPr algn="l" fontAlgn="b"/>
+                      <a:r>
+                        <a:rPr lang="de-DE" sz="700" b="0" i="0" u="none" strike="noStrike">
+                          <a:solidFill>
+                            <a:srgbClr val="000000"/>
+                          </a:solidFill>
+                          <a:effectLst/>
+                          <a:latin typeface="Calibri" panose="020F0502020204030204" pitchFamily="34" charset="0"/>
+                        </a:rPr>
+                        <a:t>BMS-101</a:t>
+                      </a:r>
+                    </a:p>
+                  </a:txBody>
+                  <a:tcPr marL="6298" marR="6298" marT="6298" marB="0" anchor="b">
+                    <a:lnL w="12700" cap="flat" cmpd="sng" algn="ctr">
+                      <a:solidFill>
+                        <a:srgbClr val="000000"/>
+                      </a:solidFill>
+                      <a:prstDash val="solid"/>
+                      <a:round/>
+                      <a:headEnd type="none" w="med" len="med"/>
+                      <a:tailEnd type="none" w="med" len="med"/>
+                    </a:lnL>
+                    <a:lnR w="6350" cap="flat" cmpd="sng" algn="ctr">
+                      <a:solidFill>
+                        <a:srgbClr val="000000"/>
+                      </a:solidFill>
+                      <a:prstDash val="solid"/>
+                      <a:round/>
+                      <a:headEnd type="none" w="med" len="med"/>
+                      <a:tailEnd type="none" w="med" len="med"/>
+                    </a:lnR>
+                    <a:lnT w="6350" cap="flat" cmpd="sng" algn="ctr">
+                      <a:solidFill>
+                        <a:srgbClr val="000000"/>
+                      </a:solidFill>
+                      <a:prstDash val="solid"/>
+                      <a:round/>
+                      <a:headEnd type="none" w="med" len="med"/>
+                      <a:tailEnd type="none" w="med" len="med"/>
+                    </a:lnT>
+                    <a:lnB w="6350" cap="flat" cmpd="sng" algn="ctr">
+                      <a:solidFill>
+                        <a:srgbClr val="000000"/>
+                      </a:solidFill>
+                      <a:prstDash val="solid"/>
+                      <a:round/>
+                      <a:headEnd type="none" w="med" len="med"/>
+                      <a:tailEnd type="none" w="med" len="med"/>
+                    </a:lnB>
+                  </a:tcPr>
+                </a:tc>
+                <a:tc>
+                  <a:txBody>
+                    <a:bodyPr/>
+                    <a:lstStyle/>
+                    <a:p>
+                      <a:pPr algn="l" fontAlgn="b"/>
+                      <a:r>
+                        <a:rPr lang="de-DE" sz="700" b="0" i="0" u="none" strike="noStrike">
+                          <a:solidFill>
+                            <a:srgbClr val="000000"/>
+                          </a:solidFill>
+                          <a:effectLst/>
+                          <a:latin typeface="Calibri" panose="020F0502020204030204" pitchFamily="34" charset="0"/>
+                        </a:rPr>
+                        <a:t>Anforderung</a:t>
+                      </a:r>
+                    </a:p>
+                  </a:txBody>
+                  <a:tcPr marL="6298" marR="6298" marT="6298" marB="0" anchor="b">
+                    <a:lnL w="6350" cap="flat" cmpd="sng" algn="ctr">
+                      <a:solidFill>
+                        <a:srgbClr val="000000"/>
+                      </a:solidFill>
+                      <a:prstDash val="solid"/>
+                      <a:round/>
+                      <a:headEnd type="none" w="med" len="med"/>
+                      <a:tailEnd type="none" w="med" len="med"/>
+                    </a:lnL>
+                    <a:lnR w="6350" cap="flat" cmpd="sng" algn="ctr">
+                      <a:solidFill>
+                        <a:srgbClr val="000000"/>
+                      </a:solidFill>
+                      <a:prstDash val="solid"/>
+                      <a:round/>
+                      <a:headEnd type="none" w="med" len="med"/>
+                      <a:tailEnd type="none" w="med" len="med"/>
+                    </a:lnR>
+                    <a:lnT w="6350" cap="flat" cmpd="sng" algn="ctr">
+                      <a:solidFill>
+                        <a:srgbClr val="000000"/>
+                      </a:solidFill>
+                      <a:prstDash val="solid"/>
+                      <a:round/>
+                      <a:headEnd type="none" w="med" len="med"/>
+                      <a:tailEnd type="none" w="med" len="med"/>
+                    </a:lnT>
+                    <a:lnB w="6350" cap="flat" cmpd="sng" algn="ctr">
+                      <a:solidFill>
+                        <a:srgbClr val="000000"/>
+                      </a:solidFill>
+                      <a:prstDash val="solid"/>
+                      <a:round/>
+                      <a:headEnd type="none" w="med" len="med"/>
+                      <a:tailEnd type="none" w="med" len="med"/>
+                    </a:lnB>
+                  </a:tcPr>
+                </a:tc>
+                <a:tc>
+                  <a:txBody>
+                    <a:bodyPr/>
+                    <a:lstStyle/>
+                    <a:p>
+                      <a:pPr algn="l" fontAlgn="b"/>
+                      <a:r>
+                        <a:rPr lang="de-DE" sz="700" b="0" i="0" u="none" strike="noStrike">
+                          <a:solidFill>
+                            <a:srgbClr val="000000"/>
+                          </a:solidFill>
+                          <a:effectLst/>
+                          <a:latin typeface="Calibri" panose="020F0502020204030204" pitchFamily="34" charset="0"/>
+                        </a:rPr>
+                        <a:t>Das BMS muss die Spannung aller Zellen überwachen und </a:t>
+                      </a:r>
+                      <a:r>
+                        <a:rPr lang="de-DE" sz="700" b="0" i="0" u="none" strike="noStrike">
+                          <a:solidFill>
+                            <a:srgbClr val="000000"/>
+                          </a:solidFill>
+                          <a:effectLst/>
+                          <a:highlight>
+                            <a:srgbClr val="FFFF00"/>
+                          </a:highlight>
+                          <a:latin typeface="Calibri" panose="020F0502020204030204" pitchFamily="34" charset="0"/>
+                        </a:rPr>
+                        <a:t>mindestens alle 100 ms messen.</a:t>
+                      </a:r>
+                    </a:p>
+                  </a:txBody>
+                  <a:tcPr marL="6298" marR="6298" marT="6298" marB="0" anchor="b">
+                    <a:lnL w="6350" cap="flat" cmpd="sng" algn="ctr">
+                      <a:solidFill>
+                        <a:srgbClr val="000000"/>
+                      </a:solidFill>
+                      <a:prstDash val="solid"/>
+                      <a:round/>
+                      <a:headEnd type="none" w="med" len="med"/>
+                      <a:tailEnd type="none" w="med" len="med"/>
+                    </a:lnL>
+                    <a:lnR w="12700" cap="flat" cmpd="sng" algn="ctr">
+                      <a:solidFill>
+                        <a:srgbClr val="000000"/>
+                      </a:solidFill>
+                      <a:prstDash val="solid"/>
+                      <a:round/>
+                      <a:headEnd type="none" w="med" len="med"/>
+                      <a:tailEnd type="none" w="med" len="med"/>
+                    </a:lnR>
+                    <a:lnT w="6350" cap="flat" cmpd="sng" algn="ctr">
+                      <a:solidFill>
+                        <a:srgbClr val="000000"/>
+                      </a:solidFill>
+                      <a:prstDash val="solid"/>
+                      <a:round/>
+                      <a:headEnd type="none" w="med" len="med"/>
+                      <a:tailEnd type="none" w="med" len="med"/>
+                    </a:lnT>
+                    <a:lnB w="6350" cap="flat" cmpd="sng" algn="ctr">
+                      <a:solidFill>
+                        <a:srgbClr val="000000"/>
+                      </a:solidFill>
+                      <a:prstDash val="solid"/>
+                      <a:round/>
+                      <a:headEnd type="none" w="med" len="med"/>
+                      <a:tailEnd type="none" w="med" len="med"/>
+                    </a:lnB>
+                  </a:tcPr>
+                </a:tc>
+                <a:extLst>
+                  <a:ext uri="{0D108BD9-81ED-4DB2-BD59-A6C34878D82A}">
+                    <a16:rowId xmlns:a16="http://schemas.microsoft.com/office/drawing/2014/main" val="1561906565"/>
+                  </a:ext>
+                </a:extLst>
+              </a:tr>
+              <a:tr h="185367">
+                <a:tc>
+                  <a:txBody>
+                    <a:bodyPr/>
+                    <a:lstStyle/>
+                    <a:p>
+                      <a:pPr algn="l" fontAlgn="b"/>
+                      <a:r>
+                        <a:rPr lang="de-DE" sz="700" b="0" i="0" u="none" strike="noStrike">
+                          <a:solidFill>
+                            <a:srgbClr val="000000"/>
+                          </a:solidFill>
+                          <a:effectLst/>
+                          <a:latin typeface="Calibri" panose="020F0502020204030204" pitchFamily="34" charset="0"/>
+                        </a:rPr>
+                        <a:t>BMS-102</a:t>
+                      </a:r>
+                    </a:p>
+                  </a:txBody>
+                  <a:tcPr marL="6298" marR="6298" marT="6298" marB="0" anchor="b">
+                    <a:lnL w="12700" cap="flat" cmpd="sng" algn="ctr">
+                      <a:solidFill>
+                        <a:srgbClr val="000000"/>
+                      </a:solidFill>
+                      <a:prstDash val="solid"/>
+                      <a:round/>
+                      <a:headEnd type="none" w="med" len="med"/>
+                      <a:tailEnd type="none" w="med" len="med"/>
+                    </a:lnL>
+                    <a:lnR w="6350" cap="flat" cmpd="sng" algn="ctr">
+                      <a:solidFill>
+                        <a:srgbClr val="000000"/>
+                      </a:solidFill>
+                      <a:prstDash val="solid"/>
+                      <a:round/>
+                      <a:headEnd type="none" w="med" len="med"/>
+                      <a:tailEnd type="none" w="med" len="med"/>
+                    </a:lnR>
+                    <a:lnT w="6350" cap="flat" cmpd="sng" algn="ctr">
+                      <a:solidFill>
+                        <a:srgbClr val="000000"/>
+                      </a:solidFill>
+                      <a:prstDash val="solid"/>
+                      <a:round/>
+                      <a:headEnd type="none" w="med" len="med"/>
+                      <a:tailEnd type="none" w="med" len="med"/>
+                    </a:lnT>
+                    <a:lnB w="6350" cap="flat" cmpd="sng" algn="ctr">
+                      <a:solidFill>
+                        <a:srgbClr val="000000"/>
+                      </a:solidFill>
+                      <a:prstDash val="solid"/>
+                      <a:round/>
+                      <a:headEnd type="none" w="med" len="med"/>
+                      <a:tailEnd type="none" w="med" len="med"/>
+                    </a:lnB>
+                  </a:tcPr>
+                </a:tc>
+                <a:tc>
+                  <a:txBody>
+                    <a:bodyPr/>
+                    <a:lstStyle/>
+                    <a:p>
+                      <a:pPr algn="l" fontAlgn="b"/>
+                      <a:r>
+                        <a:rPr lang="de-DE" sz="700" b="0" i="0" u="none" strike="noStrike">
+                          <a:solidFill>
+                            <a:srgbClr val="000000"/>
+                          </a:solidFill>
+                          <a:effectLst/>
+                          <a:latin typeface="Calibri" panose="020F0502020204030204" pitchFamily="34" charset="0"/>
+                        </a:rPr>
+                        <a:t>Anforderung</a:t>
+                      </a:r>
+                    </a:p>
+                  </a:txBody>
+                  <a:tcPr marL="6298" marR="6298" marT="6298" marB="0" anchor="b">
+                    <a:lnL w="6350" cap="flat" cmpd="sng" algn="ctr">
+                      <a:solidFill>
+                        <a:srgbClr val="000000"/>
+                      </a:solidFill>
+                      <a:prstDash val="solid"/>
+                      <a:round/>
+                      <a:headEnd type="none" w="med" len="med"/>
+                      <a:tailEnd type="none" w="med" len="med"/>
+                    </a:lnL>
+                    <a:lnR w="6350" cap="flat" cmpd="sng" algn="ctr">
+                      <a:solidFill>
+                        <a:srgbClr val="000000"/>
+                      </a:solidFill>
+                      <a:prstDash val="solid"/>
+                      <a:round/>
+                      <a:headEnd type="none" w="med" len="med"/>
+                      <a:tailEnd type="none" w="med" len="med"/>
+                    </a:lnR>
+                    <a:lnT w="6350" cap="flat" cmpd="sng" algn="ctr">
+                      <a:solidFill>
+                        <a:srgbClr val="000000"/>
+                      </a:solidFill>
+                      <a:prstDash val="solid"/>
+                      <a:round/>
+                      <a:headEnd type="none" w="med" len="med"/>
+                      <a:tailEnd type="none" w="med" len="med"/>
+                    </a:lnT>
+                    <a:lnB w="6350" cap="flat" cmpd="sng" algn="ctr">
+                      <a:solidFill>
+                        <a:srgbClr val="000000"/>
+                      </a:solidFill>
+                      <a:prstDash val="solid"/>
+                      <a:round/>
+                      <a:headEnd type="none" w="med" len="med"/>
+                      <a:tailEnd type="none" w="med" len="med"/>
+                    </a:lnB>
+                  </a:tcPr>
+                </a:tc>
+                <a:tc>
+                  <a:txBody>
+                    <a:bodyPr/>
+                    <a:lstStyle/>
+                    <a:p>
+                      <a:pPr algn="l" fontAlgn="b"/>
+                      <a:r>
+                        <a:rPr lang="de-DE" sz="700" b="0" i="0" u="none" strike="noStrike">
+                          <a:solidFill>
+                            <a:srgbClr val="000000"/>
+                          </a:solidFill>
+                          <a:effectLst/>
+                          <a:latin typeface="Calibri" panose="020F0502020204030204" pitchFamily="34" charset="0"/>
+                        </a:rPr>
+                        <a:t>Das BMS muss bei Überschreitung einer oder mehrerer Zellspannungen über 4.2 V ein geeignetes Signal an die VCU senden.</a:t>
+                      </a:r>
+                    </a:p>
+                  </a:txBody>
+                  <a:tcPr marL="6298" marR="6298" marT="6298" marB="0" anchor="b">
+                    <a:lnL w="6350" cap="flat" cmpd="sng" algn="ctr">
+                      <a:solidFill>
+                        <a:srgbClr val="000000"/>
+                      </a:solidFill>
+                      <a:prstDash val="solid"/>
+                      <a:round/>
+                      <a:headEnd type="none" w="med" len="med"/>
+                      <a:tailEnd type="none" w="med" len="med"/>
+                    </a:lnL>
+                    <a:lnR w="12700" cap="flat" cmpd="sng" algn="ctr">
+                      <a:solidFill>
+                        <a:srgbClr val="000000"/>
+                      </a:solidFill>
+                      <a:prstDash val="solid"/>
+                      <a:round/>
+                      <a:headEnd type="none" w="med" len="med"/>
+                      <a:tailEnd type="none" w="med" len="med"/>
+                    </a:lnR>
+                    <a:lnT w="6350" cap="flat" cmpd="sng" algn="ctr">
+                      <a:solidFill>
+                        <a:srgbClr val="000000"/>
+                      </a:solidFill>
+                      <a:prstDash val="solid"/>
+                      <a:round/>
+                      <a:headEnd type="none" w="med" len="med"/>
+                      <a:tailEnd type="none" w="med" len="med"/>
+                    </a:lnT>
+                    <a:lnB w="6350" cap="flat" cmpd="sng" algn="ctr">
+                      <a:solidFill>
+                        <a:srgbClr val="000000"/>
+                      </a:solidFill>
+                      <a:prstDash val="solid"/>
+                      <a:round/>
+                      <a:headEnd type="none" w="med" len="med"/>
+                      <a:tailEnd type="none" w="med" len="med"/>
+                    </a:lnB>
+                  </a:tcPr>
+                </a:tc>
+                <a:extLst>
+                  <a:ext uri="{0D108BD9-81ED-4DB2-BD59-A6C34878D82A}">
+                    <a16:rowId xmlns:a16="http://schemas.microsoft.com/office/drawing/2014/main" val="2936967454"/>
+                  </a:ext>
+                </a:extLst>
+              </a:tr>
+              <a:tr h="185367">
+                <a:tc>
+                  <a:txBody>
+                    <a:bodyPr/>
+                    <a:lstStyle/>
+                    <a:p>
+                      <a:pPr algn="l" fontAlgn="b"/>
+                      <a:r>
+                        <a:rPr lang="de-DE" sz="700" b="0" i="0" u="none" strike="noStrike">
+                          <a:solidFill>
+                            <a:srgbClr val="000000"/>
+                          </a:solidFill>
+                          <a:effectLst/>
+                          <a:latin typeface="Calibri" panose="020F0502020204030204" pitchFamily="34" charset="0"/>
+                        </a:rPr>
+                        <a:t>BMS-103</a:t>
+                      </a:r>
+                    </a:p>
+                  </a:txBody>
+                  <a:tcPr marL="6298" marR="6298" marT="6298" marB="0" anchor="b">
+                    <a:lnL w="12700" cap="flat" cmpd="sng" algn="ctr">
+                      <a:solidFill>
+                        <a:srgbClr val="000000"/>
+                      </a:solidFill>
+                      <a:prstDash val="solid"/>
+                      <a:round/>
+                      <a:headEnd type="none" w="med" len="med"/>
+                      <a:tailEnd type="none" w="med" len="med"/>
+                    </a:lnL>
+                    <a:lnR w="6350" cap="flat" cmpd="sng" algn="ctr">
+                      <a:solidFill>
+                        <a:srgbClr val="000000"/>
+                      </a:solidFill>
+                      <a:prstDash val="solid"/>
+                      <a:round/>
+                      <a:headEnd type="none" w="med" len="med"/>
+                      <a:tailEnd type="none" w="med" len="med"/>
+                    </a:lnR>
+                    <a:lnT w="6350" cap="flat" cmpd="sng" algn="ctr">
+                      <a:solidFill>
+                        <a:srgbClr val="000000"/>
+                      </a:solidFill>
+                      <a:prstDash val="solid"/>
+                      <a:round/>
+                      <a:headEnd type="none" w="med" len="med"/>
+                      <a:tailEnd type="none" w="med" len="med"/>
+                    </a:lnT>
+                    <a:lnB w="6350" cap="flat" cmpd="sng" algn="ctr">
+                      <a:solidFill>
+                        <a:srgbClr val="000000"/>
+                      </a:solidFill>
+                      <a:prstDash val="solid"/>
+                      <a:round/>
+                      <a:headEnd type="none" w="med" len="med"/>
+                      <a:tailEnd type="none" w="med" len="med"/>
+                    </a:lnB>
+                  </a:tcPr>
+                </a:tc>
+                <a:tc>
+                  <a:txBody>
+                    <a:bodyPr/>
+                    <a:lstStyle/>
+                    <a:p>
+                      <a:pPr algn="l" fontAlgn="b"/>
+                      <a:r>
+                        <a:rPr lang="de-DE" sz="700" b="0" i="0" u="none" strike="noStrike">
+                          <a:solidFill>
+                            <a:srgbClr val="000000"/>
+                          </a:solidFill>
+                          <a:effectLst/>
+                          <a:latin typeface="Calibri" panose="020F0502020204030204" pitchFamily="34" charset="0"/>
+                        </a:rPr>
+                        <a:t>Anforderung</a:t>
+                      </a:r>
+                    </a:p>
+                  </a:txBody>
+                  <a:tcPr marL="6298" marR="6298" marT="6298" marB="0" anchor="b">
+                    <a:lnL w="6350" cap="flat" cmpd="sng" algn="ctr">
+                      <a:solidFill>
+                        <a:srgbClr val="000000"/>
+                      </a:solidFill>
+                      <a:prstDash val="solid"/>
+                      <a:round/>
+                      <a:headEnd type="none" w="med" len="med"/>
+                      <a:tailEnd type="none" w="med" len="med"/>
+                    </a:lnL>
+                    <a:lnR w="6350" cap="flat" cmpd="sng" algn="ctr">
+                      <a:solidFill>
+                        <a:srgbClr val="000000"/>
+                      </a:solidFill>
+                      <a:prstDash val="solid"/>
+                      <a:round/>
+                      <a:headEnd type="none" w="med" len="med"/>
+                      <a:tailEnd type="none" w="med" len="med"/>
+                    </a:lnR>
+                    <a:lnT w="6350" cap="flat" cmpd="sng" algn="ctr">
+                      <a:solidFill>
+                        <a:srgbClr val="000000"/>
+                      </a:solidFill>
+                      <a:prstDash val="solid"/>
+                      <a:round/>
+                      <a:headEnd type="none" w="med" len="med"/>
+                      <a:tailEnd type="none" w="med" len="med"/>
+                    </a:lnT>
+                    <a:lnB w="6350" cap="flat" cmpd="sng" algn="ctr">
+                      <a:solidFill>
+                        <a:srgbClr val="000000"/>
+                      </a:solidFill>
+                      <a:prstDash val="solid"/>
+                      <a:round/>
+                      <a:headEnd type="none" w="med" len="med"/>
+                      <a:tailEnd type="none" w="med" len="med"/>
+                    </a:lnB>
+                  </a:tcPr>
+                </a:tc>
+                <a:tc>
+                  <a:txBody>
+                    <a:bodyPr/>
+                    <a:lstStyle/>
+                    <a:p>
+                      <a:pPr algn="l" fontAlgn="b"/>
+                      <a:r>
+                        <a:rPr lang="de-DE" sz="700" b="0" i="0" u="none" strike="noStrike" dirty="0">
+                          <a:solidFill>
+                            <a:srgbClr val="000000"/>
+                          </a:solidFill>
+                          <a:effectLst/>
+                          <a:latin typeface="Calibri" panose="020F0502020204030204" pitchFamily="34" charset="0"/>
+                        </a:rPr>
+                        <a:t>Das BMS muss bei Unterschreitung einer oder mehrerer Zellspannungen unter 2.5 V ein geeignetes Signal an die VCU senden.</a:t>
+                      </a:r>
+                    </a:p>
+                  </a:txBody>
+                  <a:tcPr marL="6298" marR="6298" marT="6298" marB="0" anchor="b">
+                    <a:lnL w="6350" cap="flat" cmpd="sng" algn="ctr">
+                      <a:solidFill>
+                        <a:srgbClr val="000000"/>
+                      </a:solidFill>
+                      <a:prstDash val="solid"/>
+                      <a:round/>
+                      <a:headEnd type="none" w="med" len="med"/>
+                      <a:tailEnd type="none" w="med" len="med"/>
+                    </a:lnL>
+                    <a:lnR w="12700" cap="flat" cmpd="sng" algn="ctr">
+                      <a:solidFill>
+                        <a:srgbClr val="000000"/>
+                      </a:solidFill>
+                      <a:prstDash val="solid"/>
+                      <a:round/>
+                      <a:headEnd type="none" w="med" len="med"/>
+                      <a:tailEnd type="none" w="med" len="med"/>
+                    </a:lnR>
+                    <a:lnT w="6350" cap="flat" cmpd="sng" algn="ctr">
+                      <a:solidFill>
+                        <a:srgbClr val="000000"/>
+                      </a:solidFill>
+                      <a:prstDash val="solid"/>
+                      <a:round/>
+                      <a:headEnd type="none" w="med" len="med"/>
+                      <a:tailEnd type="none" w="med" len="med"/>
+                    </a:lnT>
+                    <a:lnB w="6350" cap="flat" cmpd="sng" algn="ctr">
+                      <a:solidFill>
+                        <a:srgbClr val="000000"/>
+                      </a:solidFill>
+                      <a:prstDash val="solid"/>
+                      <a:round/>
+                      <a:headEnd type="none" w="med" len="med"/>
+                      <a:tailEnd type="none" w="med" len="med"/>
+                    </a:lnB>
+                  </a:tcPr>
+                </a:tc>
+                <a:extLst>
+                  <a:ext uri="{0D108BD9-81ED-4DB2-BD59-A6C34878D82A}">
+                    <a16:rowId xmlns:a16="http://schemas.microsoft.com/office/drawing/2014/main" val="3379893114"/>
+                  </a:ext>
+                </a:extLst>
+              </a:tr>
+              <a:tr h="185367">
+                <a:tc>
+                  <a:txBody>
+                    <a:bodyPr/>
+                    <a:lstStyle/>
+                    <a:p>
+                      <a:pPr algn="l" fontAlgn="b"/>
+                      <a:r>
+                        <a:rPr lang="de-DE" sz="700" b="0" i="0" u="none" strike="noStrike">
+                          <a:solidFill>
+                            <a:srgbClr val="000000"/>
+                          </a:solidFill>
+                          <a:effectLst/>
+                          <a:latin typeface="Calibri" panose="020F0502020204030204" pitchFamily="34" charset="0"/>
+                        </a:rPr>
+                        <a:t>BMS-104</a:t>
+                      </a:r>
+                    </a:p>
+                  </a:txBody>
+                  <a:tcPr marL="6298" marR="6298" marT="6298" marB="0" anchor="b">
+                    <a:lnL w="12700" cap="flat" cmpd="sng" algn="ctr">
+                      <a:solidFill>
+                        <a:srgbClr val="000000"/>
+                      </a:solidFill>
+                      <a:prstDash val="solid"/>
+                      <a:round/>
+                      <a:headEnd type="none" w="med" len="med"/>
+                      <a:tailEnd type="none" w="med" len="med"/>
+                    </a:lnL>
+                    <a:lnR w="6350" cap="flat" cmpd="sng" algn="ctr">
+                      <a:solidFill>
+                        <a:srgbClr val="000000"/>
+                      </a:solidFill>
+                      <a:prstDash val="solid"/>
+                      <a:round/>
+                      <a:headEnd type="none" w="med" len="med"/>
+                      <a:tailEnd type="none" w="med" len="med"/>
+                    </a:lnR>
+                    <a:lnT w="6350" cap="flat" cmpd="sng" algn="ctr">
+                      <a:solidFill>
+                        <a:srgbClr val="000000"/>
+                      </a:solidFill>
+                      <a:prstDash val="solid"/>
+                      <a:round/>
+                      <a:headEnd type="none" w="med" len="med"/>
+                      <a:tailEnd type="none" w="med" len="med"/>
+                    </a:lnT>
+                    <a:lnB w="6350" cap="flat" cmpd="sng" algn="ctr">
+                      <a:solidFill>
+                        <a:srgbClr val="000000"/>
+                      </a:solidFill>
+                      <a:prstDash val="solid"/>
+                      <a:round/>
+                      <a:headEnd type="none" w="med" len="med"/>
+                      <a:tailEnd type="none" w="med" len="med"/>
+                    </a:lnB>
+                  </a:tcPr>
+                </a:tc>
+                <a:tc>
+                  <a:txBody>
+                    <a:bodyPr/>
+                    <a:lstStyle/>
+                    <a:p>
+                      <a:pPr algn="l" fontAlgn="b"/>
+                      <a:r>
+                        <a:rPr lang="de-DE" sz="700" b="0" i="0" u="none" strike="noStrike">
+                          <a:solidFill>
+                            <a:srgbClr val="000000"/>
+                          </a:solidFill>
+                          <a:effectLst/>
+                          <a:latin typeface="Calibri" panose="020F0502020204030204" pitchFamily="34" charset="0"/>
+                        </a:rPr>
+                        <a:t>Anforderung</a:t>
+                      </a:r>
+                    </a:p>
+                  </a:txBody>
+                  <a:tcPr marL="6298" marR="6298" marT="6298" marB="0" anchor="b">
+                    <a:lnL w="6350" cap="flat" cmpd="sng" algn="ctr">
+                      <a:solidFill>
+                        <a:srgbClr val="000000"/>
+                      </a:solidFill>
+                      <a:prstDash val="solid"/>
+                      <a:round/>
+                      <a:headEnd type="none" w="med" len="med"/>
+                      <a:tailEnd type="none" w="med" len="med"/>
+                    </a:lnL>
+                    <a:lnR w="6350" cap="flat" cmpd="sng" algn="ctr">
+                      <a:solidFill>
+                        <a:srgbClr val="000000"/>
+                      </a:solidFill>
+                      <a:prstDash val="solid"/>
+                      <a:round/>
+                      <a:headEnd type="none" w="med" len="med"/>
+                      <a:tailEnd type="none" w="med" len="med"/>
+                    </a:lnR>
+                    <a:lnT w="6350" cap="flat" cmpd="sng" algn="ctr">
+                      <a:solidFill>
+                        <a:srgbClr val="000000"/>
+                      </a:solidFill>
+                      <a:prstDash val="solid"/>
+                      <a:round/>
+                      <a:headEnd type="none" w="med" len="med"/>
+                      <a:tailEnd type="none" w="med" len="med"/>
+                    </a:lnT>
+                    <a:lnB w="6350" cap="flat" cmpd="sng" algn="ctr">
+                      <a:solidFill>
+                        <a:srgbClr val="000000"/>
+                      </a:solidFill>
+                      <a:prstDash val="solid"/>
+                      <a:round/>
+                      <a:headEnd type="none" w="med" len="med"/>
+                      <a:tailEnd type="none" w="med" len="med"/>
+                    </a:lnB>
+                  </a:tcPr>
+                </a:tc>
+                <a:tc>
+                  <a:txBody>
+                    <a:bodyPr/>
+                    <a:lstStyle/>
+                    <a:p>
+                      <a:pPr algn="l" fontAlgn="b"/>
+                      <a:r>
+                        <a:rPr lang="de-DE" sz="700" b="0" i="0" u="none" strike="noStrike">
+                          <a:solidFill>
+                            <a:srgbClr val="000000"/>
+                          </a:solidFill>
+                          <a:effectLst/>
+                          <a:latin typeface="Calibri" panose="020F0502020204030204" pitchFamily="34" charset="0"/>
+                        </a:rPr>
+                        <a:t>Das BMS muss die Temperatur aller Zellen überwachen und </a:t>
+                      </a:r>
+                      <a:r>
+                        <a:rPr lang="de-DE" sz="700" b="0" i="0" u="none" strike="noStrike">
+                          <a:solidFill>
+                            <a:srgbClr val="000000"/>
+                          </a:solidFill>
+                          <a:effectLst/>
+                          <a:highlight>
+                            <a:srgbClr val="FFFF00"/>
+                          </a:highlight>
+                          <a:latin typeface="Calibri" panose="020F0502020204030204" pitchFamily="34" charset="0"/>
+                        </a:rPr>
+                        <a:t>mindestes alle 100 ms messen.</a:t>
+                      </a:r>
+                    </a:p>
+                  </a:txBody>
+                  <a:tcPr marL="6298" marR="6298" marT="6298" marB="0" anchor="b">
+                    <a:lnL w="6350" cap="flat" cmpd="sng" algn="ctr">
+                      <a:solidFill>
+                        <a:srgbClr val="000000"/>
+                      </a:solidFill>
+                      <a:prstDash val="solid"/>
+                      <a:round/>
+                      <a:headEnd type="none" w="med" len="med"/>
+                      <a:tailEnd type="none" w="med" len="med"/>
+                    </a:lnL>
+                    <a:lnR w="12700" cap="flat" cmpd="sng" algn="ctr">
+                      <a:solidFill>
+                        <a:srgbClr val="000000"/>
+                      </a:solidFill>
+                      <a:prstDash val="solid"/>
+                      <a:round/>
+                      <a:headEnd type="none" w="med" len="med"/>
+                      <a:tailEnd type="none" w="med" len="med"/>
+                    </a:lnR>
+                    <a:lnT w="6350" cap="flat" cmpd="sng" algn="ctr">
+                      <a:solidFill>
+                        <a:srgbClr val="000000"/>
+                      </a:solidFill>
+                      <a:prstDash val="solid"/>
+                      <a:round/>
+                      <a:headEnd type="none" w="med" len="med"/>
+                      <a:tailEnd type="none" w="med" len="med"/>
+                    </a:lnT>
+                    <a:lnB w="6350" cap="flat" cmpd="sng" algn="ctr">
+                      <a:solidFill>
+                        <a:srgbClr val="000000"/>
+                      </a:solidFill>
+                      <a:prstDash val="solid"/>
+                      <a:round/>
+                      <a:headEnd type="none" w="med" len="med"/>
+                      <a:tailEnd type="none" w="med" len="med"/>
+                    </a:lnB>
+                  </a:tcPr>
+                </a:tc>
+                <a:extLst>
+                  <a:ext uri="{0D108BD9-81ED-4DB2-BD59-A6C34878D82A}">
+                    <a16:rowId xmlns:a16="http://schemas.microsoft.com/office/drawing/2014/main" val="1847035644"/>
+                  </a:ext>
+                </a:extLst>
+              </a:tr>
+              <a:tr h="185367">
+                <a:tc>
+                  <a:txBody>
+                    <a:bodyPr/>
+                    <a:lstStyle/>
+                    <a:p>
+                      <a:pPr algn="l" fontAlgn="b"/>
+                      <a:r>
+                        <a:rPr lang="de-DE" sz="700" b="0" i="0" u="none" strike="noStrike">
+                          <a:solidFill>
+                            <a:srgbClr val="000000"/>
+                          </a:solidFill>
+                          <a:effectLst/>
+                          <a:latin typeface="Calibri" panose="020F0502020204030204" pitchFamily="34" charset="0"/>
+                        </a:rPr>
+                        <a:t>BMS-105</a:t>
+                      </a:r>
+                    </a:p>
+                  </a:txBody>
+                  <a:tcPr marL="6298" marR="6298" marT="6298" marB="0" anchor="b">
+                    <a:lnL w="12700" cap="flat" cmpd="sng" algn="ctr">
+                      <a:solidFill>
+                        <a:srgbClr val="000000"/>
+                      </a:solidFill>
+                      <a:prstDash val="solid"/>
+                      <a:round/>
+                      <a:headEnd type="none" w="med" len="med"/>
+                      <a:tailEnd type="none" w="med" len="med"/>
+                    </a:lnL>
+                    <a:lnR w="6350" cap="flat" cmpd="sng" algn="ctr">
+                      <a:solidFill>
+                        <a:srgbClr val="000000"/>
+                      </a:solidFill>
+                      <a:prstDash val="solid"/>
+                      <a:round/>
+                      <a:headEnd type="none" w="med" len="med"/>
+                      <a:tailEnd type="none" w="med" len="med"/>
+                    </a:lnR>
+                    <a:lnT w="6350" cap="flat" cmpd="sng" algn="ctr">
+                      <a:solidFill>
+                        <a:srgbClr val="000000"/>
+                      </a:solidFill>
+                      <a:prstDash val="solid"/>
+                      <a:round/>
+                      <a:headEnd type="none" w="med" len="med"/>
+                      <a:tailEnd type="none" w="med" len="med"/>
+                    </a:lnT>
+                    <a:lnB w="6350" cap="flat" cmpd="sng" algn="ctr">
+                      <a:solidFill>
+                        <a:srgbClr val="000000"/>
+                      </a:solidFill>
+                      <a:prstDash val="solid"/>
+                      <a:round/>
+                      <a:headEnd type="none" w="med" len="med"/>
+                      <a:tailEnd type="none" w="med" len="med"/>
+                    </a:lnB>
+                  </a:tcPr>
+                </a:tc>
+                <a:tc>
+                  <a:txBody>
+                    <a:bodyPr/>
+                    <a:lstStyle/>
+                    <a:p>
+                      <a:pPr algn="l" fontAlgn="b"/>
+                      <a:r>
+                        <a:rPr lang="de-DE" sz="700" b="0" i="0" u="none" strike="noStrike">
+                          <a:solidFill>
+                            <a:srgbClr val="000000"/>
+                          </a:solidFill>
+                          <a:effectLst/>
+                          <a:latin typeface="Calibri" panose="020F0502020204030204" pitchFamily="34" charset="0"/>
+                        </a:rPr>
+                        <a:t>Anforderung</a:t>
+                      </a:r>
+                    </a:p>
+                  </a:txBody>
+                  <a:tcPr marL="6298" marR="6298" marT="6298" marB="0" anchor="b">
+                    <a:lnL w="6350" cap="flat" cmpd="sng" algn="ctr">
+                      <a:solidFill>
+                        <a:srgbClr val="000000"/>
+                      </a:solidFill>
+                      <a:prstDash val="solid"/>
+                      <a:round/>
+                      <a:headEnd type="none" w="med" len="med"/>
+                      <a:tailEnd type="none" w="med" len="med"/>
+                    </a:lnL>
+                    <a:lnR w="6350" cap="flat" cmpd="sng" algn="ctr">
+                      <a:solidFill>
+                        <a:srgbClr val="000000"/>
+                      </a:solidFill>
+                      <a:prstDash val="solid"/>
+                      <a:round/>
+                      <a:headEnd type="none" w="med" len="med"/>
+                      <a:tailEnd type="none" w="med" len="med"/>
+                    </a:lnR>
+                    <a:lnT w="6350" cap="flat" cmpd="sng" algn="ctr">
+                      <a:solidFill>
+                        <a:srgbClr val="000000"/>
+                      </a:solidFill>
+                      <a:prstDash val="solid"/>
+                      <a:round/>
+                      <a:headEnd type="none" w="med" len="med"/>
+                      <a:tailEnd type="none" w="med" len="med"/>
+                    </a:lnT>
+                    <a:lnB w="6350" cap="flat" cmpd="sng" algn="ctr">
+                      <a:solidFill>
+                        <a:srgbClr val="000000"/>
+                      </a:solidFill>
+                      <a:prstDash val="solid"/>
+                      <a:round/>
+                      <a:headEnd type="none" w="med" len="med"/>
+                      <a:tailEnd type="none" w="med" len="med"/>
+                    </a:lnB>
+                  </a:tcPr>
+                </a:tc>
+                <a:tc>
+                  <a:txBody>
+                    <a:bodyPr/>
+                    <a:lstStyle/>
+                    <a:p>
+                      <a:pPr algn="l" fontAlgn="b"/>
+                      <a:r>
+                        <a:rPr lang="de-DE" sz="700" b="0" i="0" u="none" strike="noStrike" dirty="0">
+                          <a:solidFill>
+                            <a:srgbClr val="000000"/>
+                          </a:solidFill>
+                          <a:effectLst/>
+                          <a:latin typeface="Calibri" panose="020F0502020204030204" pitchFamily="34" charset="0"/>
+                        </a:rPr>
+                        <a:t>Das BMS muss bei Überschreitung einer oder mehrerer </a:t>
+                      </a:r>
+                      <a:r>
+                        <a:rPr lang="de-DE" sz="700" b="0" i="0" u="none" strike="noStrike" dirty="0">
+                          <a:solidFill>
+                            <a:srgbClr val="000000"/>
+                          </a:solidFill>
+                          <a:effectLst/>
+                          <a:highlight>
+                            <a:srgbClr val="FFFF00"/>
+                          </a:highlight>
+                          <a:latin typeface="Calibri" panose="020F0502020204030204" pitchFamily="34" charset="0"/>
+                        </a:rPr>
+                        <a:t>Zelltemperaturen über 50°C </a:t>
+                      </a:r>
+                      <a:r>
+                        <a:rPr lang="de-DE" sz="700" b="0" i="0" u="none" strike="noStrike" dirty="0">
+                          <a:solidFill>
+                            <a:srgbClr val="000000"/>
+                          </a:solidFill>
+                          <a:effectLst/>
+                          <a:latin typeface="Calibri" panose="020F0502020204030204" pitchFamily="34" charset="0"/>
+                        </a:rPr>
+                        <a:t>ein geeignetes Signal an die VCU senden.</a:t>
+                      </a:r>
+                    </a:p>
+                  </a:txBody>
+                  <a:tcPr marL="6298" marR="6298" marT="6298" marB="0" anchor="b">
+                    <a:lnL w="6350" cap="flat" cmpd="sng" algn="ctr">
+                      <a:solidFill>
+                        <a:srgbClr val="000000"/>
+                      </a:solidFill>
+                      <a:prstDash val="solid"/>
+                      <a:round/>
+                      <a:headEnd type="none" w="med" len="med"/>
+                      <a:tailEnd type="none" w="med" len="med"/>
+                    </a:lnL>
+                    <a:lnR w="12700" cap="flat" cmpd="sng" algn="ctr">
+                      <a:solidFill>
+                        <a:srgbClr val="000000"/>
+                      </a:solidFill>
+                      <a:prstDash val="solid"/>
+                      <a:round/>
+                      <a:headEnd type="none" w="med" len="med"/>
+                      <a:tailEnd type="none" w="med" len="med"/>
+                    </a:lnR>
+                    <a:lnT w="6350" cap="flat" cmpd="sng" algn="ctr">
+                      <a:solidFill>
+                        <a:srgbClr val="000000"/>
+                      </a:solidFill>
+                      <a:prstDash val="solid"/>
+                      <a:round/>
+                      <a:headEnd type="none" w="med" len="med"/>
+                      <a:tailEnd type="none" w="med" len="med"/>
+                    </a:lnT>
+                    <a:lnB w="6350" cap="flat" cmpd="sng" algn="ctr">
+                      <a:solidFill>
+                        <a:srgbClr val="000000"/>
+                      </a:solidFill>
+                      <a:prstDash val="solid"/>
+                      <a:round/>
+                      <a:headEnd type="none" w="med" len="med"/>
+                      <a:tailEnd type="none" w="med" len="med"/>
+                    </a:lnB>
+                  </a:tcPr>
+                </a:tc>
+                <a:extLst>
+                  <a:ext uri="{0D108BD9-81ED-4DB2-BD59-A6C34878D82A}">
+                    <a16:rowId xmlns:a16="http://schemas.microsoft.com/office/drawing/2014/main" val="2297165571"/>
+                  </a:ext>
+                </a:extLst>
+              </a:tr>
+              <a:tr h="185367">
+                <a:tc>
+                  <a:txBody>
+                    <a:bodyPr/>
+                    <a:lstStyle/>
+                    <a:p>
+                      <a:pPr algn="l" fontAlgn="b"/>
+                      <a:r>
+                        <a:rPr lang="de-DE" sz="700" b="0" i="0" u="none" strike="noStrike">
+                          <a:solidFill>
+                            <a:srgbClr val="000000"/>
+                          </a:solidFill>
+                          <a:effectLst/>
+                          <a:highlight>
+                            <a:srgbClr val="FFFF00"/>
+                          </a:highlight>
+                          <a:latin typeface="Calibri" panose="020F0502020204030204" pitchFamily="34" charset="0"/>
+                        </a:rPr>
+                        <a:t>BMS-106</a:t>
+                      </a:r>
+                    </a:p>
+                  </a:txBody>
+                  <a:tcPr marL="6298" marR="6298" marT="6298" marB="0" anchor="b">
+                    <a:lnL w="12700" cap="flat" cmpd="sng" algn="ctr">
+                      <a:solidFill>
+                        <a:srgbClr val="000000"/>
+                      </a:solidFill>
+                      <a:prstDash val="solid"/>
+                      <a:round/>
+                      <a:headEnd type="none" w="med" len="med"/>
+                      <a:tailEnd type="none" w="med" len="med"/>
+                    </a:lnL>
+                    <a:lnR w="6350" cap="flat" cmpd="sng" algn="ctr">
+                      <a:solidFill>
+                        <a:srgbClr val="000000"/>
+                      </a:solidFill>
+                      <a:prstDash val="solid"/>
+                      <a:round/>
+                      <a:headEnd type="none" w="med" len="med"/>
+                      <a:tailEnd type="none" w="med" len="med"/>
+                    </a:lnR>
+                    <a:lnT w="6350" cap="flat" cmpd="sng" algn="ctr">
+                      <a:solidFill>
+                        <a:srgbClr val="000000"/>
+                      </a:solidFill>
+                      <a:prstDash val="solid"/>
+                      <a:round/>
+                      <a:headEnd type="none" w="med" len="med"/>
+                      <a:tailEnd type="none" w="med" len="med"/>
+                    </a:lnT>
+                    <a:lnB w="6350" cap="flat" cmpd="sng" algn="ctr">
+                      <a:solidFill>
+                        <a:srgbClr val="000000"/>
+                      </a:solidFill>
+                      <a:prstDash val="solid"/>
+                      <a:round/>
+                      <a:headEnd type="none" w="med" len="med"/>
+                      <a:tailEnd type="none" w="med" len="med"/>
+                    </a:lnB>
+                  </a:tcPr>
+                </a:tc>
+                <a:tc>
+                  <a:txBody>
+                    <a:bodyPr/>
+                    <a:lstStyle/>
+                    <a:p>
+                      <a:pPr algn="l" fontAlgn="b"/>
+                      <a:r>
+                        <a:rPr lang="de-DE" sz="700" b="0" i="0" u="none" strike="noStrike">
+                          <a:solidFill>
+                            <a:srgbClr val="000000"/>
+                          </a:solidFill>
+                          <a:effectLst/>
+                          <a:highlight>
+                            <a:srgbClr val="FFFF00"/>
+                          </a:highlight>
+                          <a:latin typeface="Calibri" panose="020F0502020204030204" pitchFamily="34" charset="0"/>
+                        </a:rPr>
+                        <a:t>Anforderung</a:t>
+                      </a:r>
+                    </a:p>
+                  </a:txBody>
+                  <a:tcPr marL="6298" marR="6298" marT="6298" marB="0" anchor="b">
+                    <a:lnL w="6350" cap="flat" cmpd="sng" algn="ctr">
+                      <a:solidFill>
+                        <a:srgbClr val="000000"/>
+                      </a:solidFill>
+                      <a:prstDash val="solid"/>
+                      <a:round/>
+                      <a:headEnd type="none" w="med" len="med"/>
+                      <a:tailEnd type="none" w="med" len="med"/>
+                    </a:lnL>
+                    <a:lnR w="6350" cap="flat" cmpd="sng" algn="ctr">
+                      <a:solidFill>
+                        <a:srgbClr val="000000"/>
+                      </a:solidFill>
+                      <a:prstDash val="solid"/>
+                      <a:round/>
+                      <a:headEnd type="none" w="med" len="med"/>
+                      <a:tailEnd type="none" w="med" len="med"/>
+                    </a:lnR>
+                    <a:lnT w="6350" cap="flat" cmpd="sng" algn="ctr">
+                      <a:solidFill>
+                        <a:srgbClr val="000000"/>
+                      </a:solidFill>
+                      <a:prstDash val="solid"/>
+                      <a:round/>
+                      <a:headEnd type="none" w="med" len="med"/>
+                      <a:tailEnd type="none" w="med" len="med"/>
+                    </a:lnT>
+                    <a:lnB w="6350" cap="flat" cmpd="sng" algn="ctr">
+                      <a:solidFill>
+                        <a:srgbClr val="000000"/>
+                      </a:solidFill>
+                      <a:prstDash val="solid"/>
+                      <a:round/>
+                      <a:headEnd type="none" w="med" len="med"/>
+                      <a:tailEnd type="none" w="med" len="med"/>
+                    </a:lnB>
+                  </a:tcPr>
+                </a:tc>
+                <a:tc>
+                  <a:txBody>
+                    <a:bodyPr/>
+                    <a:lstStyle/>
+                    <a:p>
+                      <a:pPr algn="l" fontAlgn="b"/>
+                      <a:r>
+                        <a:rPr lang="de-DE" sz="700" b="0" i="0" u="none" strike="noStrike" dirty="0">
+                          <a:solidFill>
+                            <a:srgbClr val="000000"/>
+                          </a:solidFill>
+                          <a:effectLst/>
+                          <a:highlight>
+                            <a:srgbClr val="FFFF00"/>
+                          </a:highlight>
+                          <a:latin typeface="Calibri" panose="020F0502020204030204" pitchFamily="34" charset="0"/>
+                        </a:rPr>
+                        <a:t>Das BMS muss bei Unterschreitung einer oder mehrerer Zelltemperaturen unter 15°C ein geeignetes Signal an die VCU senden.</a:t>
+                      </a:r>
+                    </a:p>
+                  </a:txBody>
+                  <a:tcPr marL="6298" marR="6298" marT="6298" marB="0" anchor="b">
+                    <a:lnL w="6350" cap="flat" cmpd="sng" algn="ctr">
+                      <a:solidFill>
+                        <a:srgbClr val="000000"/>
+                      </a:solidFill>
+                      <a:prstDash val="solid"/>
+                      <a:round/>
+                      <a:headEnd type="none" w="med" len="med"/>
+                      <a:tailEnd type="none" w="med" len="med"/>
+                    </a:lnL>
+                    <a:lnR w="12700" cap="flat" cmpd="sng" algn="ctr">
+                      <a:solidFill>
+                        <a:srgbClr val="000000"/>
+                      </a:solidFill>
+                      <a:prstDash val="solid"/>
+                      <a:round/>
+                      <a:headEnd type="none" w="med" len="med"/>
+                      <a:tailEnd type="none" w="med" len="med"/>
+                    </a:lnR>
+                    <a:lnT w="6350" cap="flat" cmpd="sng" algn="ctr">
+                      <a:solidFill>
+                        <a:srgbClr val="000000"/>
+                      </a:solidFill>
+                      <a:prstDash val="solid"/>
+                      <a:round/>
+                      <a:headEnd type="none" w="med" len="med"/>
+                      <a:tailEnd type="none" w="med" len="med"/>
+                    </a:lnT>
+                    <a:lnB w="6350" cap="flat" cmpd="sng" algn="ctr">
+                      <a:solidFill>
+                        <a:srgbClr val="000000"/>
+                      </a:solidFill>
+                      <a:prstDash val="solid"/>
+                      <a:round/>
+                      <a:headEnd type="none" w="med" len="med"/>
+                      <a:tailEnd type="none" w="med" len="med"/>
+                    </a:lnB>
+                  </a:tcPr>
+                </a:tc>
+                <a:extLst>
+                  <a:ext uri="{0D108BD9-81ED-4DB2-BD59-A6C34878D82A}">
+                    <a16:rowId xmlns:a16="http://schemas.microsoft.com/office/drawing/2014/main" val="3027290078"/>
+                  </a:ext>
+                </a:extLst>
+              </a:tr>
+              <a:tr h="185367">
+                <a:tc>
+                  <a:txBody>
+                    <a:bodyPr/>
+                    <a:lstStyle/>
+                    <a:p>
+                      <a:pPr algn="l" fontAlgn="b"/>
+                      <a:r>
+                        <a:rPr lang="de-DE" sz="700" b="0" i="0" u="none" strike="noStrike">
+                          <a:solidFill>
+                            <a:srgbClr val="000000"/>
+                          </a:solidFill>
+                          <a:effectLst/>
+                          <a:latin typeface="Calibri" panose="020F0502020204030204" pitchFamily="34" charset="0"/>
+                        </a:rPr>
+                        <a:t>BMS-107</a:t>
+                      </a:r>
+                    </a:p>
+                  </a:txBody>
+                  <a:tcPr marL="6298" marR="6298" marT="6298" marB="0" anchor="b">
+                    <a:lnL w="12700" cap="flat" cmpd="sng" algn="ctr">
+                      <a:solidFill>
+                        <a:srgbClr val="000000"/>
+                      </a:solidFill>
+                      <a:prstDash val="solid"/>
+                      <a:round/>
+                      <a:headEnd type="none" w="med" len="med"/>
+                      <a:tailEnd type="none" w="med" len="med"/>
+                    </a:lnL>
+                    <a:lnR w="6350" cap="flat" cmpd="sng" algn="ctr">
+                      <a:solidFill>
+                        <a:srgbClr val="000000"/>
+                      </a:solidFill>
+                      <a:prstDash val="solid"/>
+                      <a:round/>
+                      <a:headEnd type="none" w="med" len="med"/>
+                      <a:tailEnd type="none" w="med" len="med"/>
+                    </a:lnR>
+                    <a:lnT w="6350" cap="flat" cmpd="sng" algn="ctr">
+                      <a:solidFill>
+                        <a:srgbClr val="000000"/>
+                      </a:solidFill>
+                      <a:prstDash val="solid"/>
+                      <a:round/>
+                      <a:headEnd type="none" w="med" len="med"/>
+                      <a:tailEnd type="none" w="med" len="med"/>
+                    </a:lnT>
+                    <a:lnB w="6350" cap="flat" cmpd="sng" algn="ctr">
+                      <a:solidFill>
+                        <a:srgbClr val="000000"/>
+                      </a:solidFill>
+                      <a:prstDash val="solid"/>
+                      <a:round/>
+                      <a:headEnd type="none" w="med" len="med"/>
+                      <a:tailEnd type="none" w="med" len="med"/>
+                    </a:lnB>
+                  </a:tcPr>
+                </a:tc>
+                <a:tc>
+                  <a:txBody>
+                    <a:bodyPr/>
+                    <a:lstStyle/>
+                    <a:p>
+                      <a:pPr algn="l" fontAlgn="b"/>
+                      <a:r>
+                        <a:rPr lang="de-DE" sz="700" b="0" i="0" u="none" strike="noStrike">
+                          <a:solidFill>
+                            <a:srgbClr val="000000"/>
+                          </a:solidFill>
+                          <a:effectLst/>
+                          <a:latin typeface="Calibri" panose="020F0502020204030204" pitchFamily="34" charset="0"/>
+                        </a:rPr>
+                        <a:t>Anforderung</a:t>
+                      </a:r>
+                    </a:p>
+                  </a:txBody>
+                  <a:tcPr marL="6298" marR="6298" marT="6298" marB="0" anchor="b">
+                    <a:lnL w="6350" cap="flat" cmpd="sng" algn="ctr">
+                      <a:solidFill>
+                        <a:srgbClr val="000000"/>
+                      </a:solidFill>
+                      <a:prstDash val="solid"/>
+                      <a:round/>
+                      <a:headEnd type="none" w="med" len="med"/>
+                      <a:tailEnd type="none" w="med" len="med"/>
+                    </a:lnL>
+                    <a:lnR w="6350" cap="flat" cmpd="sng" algn="ctr">
+                      <a:solidFill>
+                        <a:srgbClr val="000000"/>
+                      </a:solidFill>
+                      <a:prstDash val="solid"/>
+                      <a:round/>
+                      <a:headEnd type="none" w="med" len="med"/>
+                      <a:tailEnd type="none" w="med" len="med"/>
+                    </a:lnR>
+                    <a:lnT w="6350" cap="flat" cmpd="sng" algn="ctr">
+                      <a:solidFill>
+                        <a:srgbClr val="000000"/>
+                      </a:solidFill>
+                      <a:prstDash val="solid"/>
+                      <a:round/>
+                      <a:headEnd type="none" w="med" len="med"/>
+                      <a:tailEnd type="none" w="med" len="med"/>
+                    </a:lnT>
+                    <a:lnB w="6350" cap="flat" cmpd="sng" algn="ctr">
+                      <a:solidFill>
+                        <a:srgbClr val="000000"/>
+                      </a:solidFill>
+                      <a:prstDash val="solid"/>
+                      <a:round/>
+                      <a:headEnd type="none" w="med" len="med"/>
+                      <a:tailEnd type="none" w="med" len="med"/>
+                    </a:lnB>
+                  </a:tcPr>
+                </a:tc>
+                <a:tc>
+                  <a:txBody>
+                    <a:bodyPr/>
+                    <a:lstStyle/>
+                    <a:p>
+                      <a:pPr algn="l" fontAlgn="b"/>
+                      <a:r>
+                        <a:rPr lang="de-DE" sz="700" b="0" i="0" u="none" strike="noStrike">
+                          <a:solidFill>
+                            <a:srgbClr val="000000"/>
+                          </a:solidFill>
+                          <a:effectLst/>
+                          <a:latin typeface="Calibri" panose="020F0502020204030204" pitchFamily="34" charset="0"/>
+                        </a:rPr>
+                        <a:t>Das BMS muss den Strom der Traktionsbatterie überwachen und </a:t>
+                      </a:r>
+                      <a:r>
+                        <a:rPr lang="de-DE" sz="700" b="0" i="0" u="none" strike="noStrike">
+                          <a:solidFill>
+                            <a:srgbClr val="000000"/>
+                          </a:solidFill>
+                          <a:effectLst/>
+                          <a:highlight>
+                            <a:srgbClr val="FFFF00"/>
+                          </a:highlight>
+                          <a:latin typeface="Calibri" panose="020F0502020204030204" pitchFamily="34" charset="0"/>
+                        </a:rPr>
+                        <a:t>mindestens alle 100 ms messen.</a:t>
+                      </a:r>
+                    </a:p>
+                  </a:txBody>
+                  <a:tcPr marL="6298" marR="6298" marT="6298" marB="0" anchor="b">
+                    <a:lnL w="6350" cap="flat" cmpd="sng" algn="ctr">
+                      <a:solidFill>
+                        <a:srgbClr val="000000"/>
+                      </a:solidFill>
+                      <a:prstDash val="solid"/>
+                      <a:round/>
+                      <a:headEnd type="none" w="med" len="med"/>
+                      <a:tailEnd type="none" w="med" len="med"/>
+                    </a:lnL>
+                    <a:lnR w="12700" cap="flat" cmpd="sng" algn="ctr">
+                      <a:solidFill>
+                        <a:srgbClr val="000000"/>
+                      </a:solidFill>
+                      <a:prstDash val="solid"/>
+                      <a:round/>
+                      <a:headEnd type="none" w="med" len="med"/>
+                      <a:tailEnd type="none" w="med" len="med"/>
+                    </a:lnR>
+                    <a:lnT w="6350" cap="flat" cmpd="sng" algn="ctr">
+                      <a:solidFill>
+                        <a:srgbClr val="000000"/>
+                      </a:solidFill>
+                      <a:prstDash val="solid"/>
+                      <a:round/>
+                      <a:headEnd type="none" w="med" len="med"/>
+                      <a:tailEnd type="none" w="med" len="med"/>
+                    </a:lnT>
+                    <a:lnB w="6350" cap="flat" cmpd="sng" algn="ctr">
+                      <a:solidFill>
+                        <a:srgbClr val="000000"/>
+                      </a:solidFill>
+                      <a:prstDash val="solid"/>
+                      <a:round/>
+                      <a:headEnd type="none" w="med" len="med"/>
+                      <a:tailEnd type="none" w="med" len="med"/>
+                    </a:lnB>
+                  </a:tcPr>
+                </a:tc>
+                <a:extLst>
+                  <a:ext uri="{0D108BD9-81ED-4DB2-BD59-A6C34878D82A}">
+                    <a16:rowId xmlns:a16="http://schemas.microsoft.com/office/drawing/2014/main" val="2299528706"/>
+                  </a:ext>
+                </a:extLst>
+              </a:tr>
+              <a:tr h="185367">
+                <a:tc>
+                  <a:txBody>
+                    <a:bodyPr/>
+                    <a:lstStyle/>
+                    <a:p>
+                      <a:pPr algn="l" fontAlgn="b"/>
+                      <a:r>
+                        <a:rPr lang="de-DE" sz="700" b="0" i="0" u="none" strike="noStrike">
+                          <a:solidFill>
+                            <a:srgbClr val="000000"/>
+                          </a:solidFill>
+                          <a:effectLst/>
+                          <a:highlight>
+                            <a:srgbClr val="FFFF00"/>
+                          </a:highlight>
+                          <a:latin typeface="Calibri" panose="020F0502020204030204" pitchFamily="34" charset="0"/>
+                        </a:rPr>
+                        <a:t>BMS-108</a:t>
+                      </a:r>
+                    </a:p>
+                  </a:txBody>
+                  <a:tcPr marL="6298" marR="6298" marT="6298" marB="0" anchor="b">
+                    <a:lnL w="12700" cap="flat" cmpd="sng" algn="ctr">
+                      <a:solidFill>
+                        <a:srgbClr val="000000"/>
+                      </a:solidFill>
+                      <a:prstDash val="solid"/>
+                      <a:round/>
+                      <a:headEnd type="none" w="med" len="med"/>
+                      <a:tailEnd type="none" w="med" len="med"/>
+                    </a:lnL>
+                    <a:lnR w="6350" cap="flat" cmpd="sng" algn="ctr">
+                      <a:solidFill>
+                        <a:srgbClr val="000000"/>
+                      </a:solidFill>
+                      <a:prstDash val="solid"/>
+                      <a:round/>
+                      <a:headEnd type="none" w="med" len="med"/>
+                      <a:tailEnd type="none" w="med" len="med"/>
+                    </a:lnR>
+                    <a:lnT w="6350" cap="flat" cmpd="sng" algn="ctr">
+                      <a:solidFill>
+                        <a:srgbClr val="000000"/>
+                      </a:solidFill>
+                      <a:prstDash val="solid"/>
+                      <a:round/>
+                      <a:headEnd type="none" w="med" len="med"/>
+                      <a:tailEnd type="none" w="med" len="med"/>
+                    </a:lnT>
+                    <a:lnB w="6350" cap="flat" cmpd="sng" algn="ctr">
+                      <a:solidFill>
+                        <a:srgbClr val="000000"/>
+                      </a:solidFill>
+                      <a:prstDash val="solid"/>
+                      <a:round/>
+                      <a:headEnd type="none" w="med" len="med"/>
+                      <a:tailEnd type="none" w="med" len="med"/>
+                    </a:lnB>
+                  </a:tcPr>
+                </a:tc>
+                <a:tc>
+                  <a:txBody>
+                    <a:bodyPr/>
+                    <a:lstStyle/>
+                    <a:p>
+                      <a:pPr algn="l" fontAlgn="b"/>
+                      <a:r>
+                        <a:rPr lang="de-DE" sz="700" b="0" i="0" u="none" strike="noStrike">
+                          <a:solidFill>
+                            <a:srgbClr val="000000"/>
+                          </a:solidFill>
+                          <a:effectLst/>
+                          <a:highlight>
+                            <a:srgbClr val="FFFF00"/>
+                          </a:highlight>
+                          <a:latin typeface="Calibri" panose="020F0502020204030204" pitchFamily="34" charset="0"/>
+                        </a:rPr>
+                        <a:t>Anforderung</a:t>
+                      </a:r>
+                    </a:p>
+                  </a:txBody>
+                  <a:tcPr marL="6298" marR="6298" marT="6298" marB="0" anchor="b">
+                    <a:lnL w="6350" cap="flat" cmpd="sng" algn="ctr">
+                      <a:solidFill>
+                        <a:srgbClr val="000000"/>
+                      </a:solidFill>
+                      <a:prstDash val="solid"/>
+                      <a:round/>
+                      <a:headEnd type="none" w="med" len="med"/>
+                      <a:tailEnd type="none" w="med" len="med"/>
+                    </a:lnL>
+                    <a:lnR w="6350" cap="flat" cmpd="sng" algn="ctr">
+                      <a:solidFill>
+                        <a:srgbClr val="000000"/>
+                      </a:solidFill>
+                      <a:prstDash val="solid"/>
+                      <a:round/>
+                      <a:headEnd type="none" w="med" len="med"/>
+                      <a:tailEnd type="none" w="med" len="med"/>
+                    </a:lnR>
+                    <a:lnT w="6350" cap="flat" cmpd="sng" algn="ctr">
+                      <a:solidFill>
+                        <a:srgbClr val="000000"/>
+                      </a:solidFill>
+                      <a:prstDash val="solid"/>
+                      <a:round/>
+                      <a:headEnd type="none" w="med" len="med"/>
+                      <a:tailEnd type="none" w="med" len="med"/>
+                    </a:lnT>
+                    <a:lnB w="6350" cap="flat" cmpd="sng" algn="ctr">
+                      <a:solidFill>
+                        <a:srgbClr val="000000"/>
+                      </a:solidFill>
+                      <a:prstDash val="solid"/>
+                      <a:round/>
+                      <a:headEnd type="none" w="med" len="med"/>
+                      <a:tailEnd type="none" w="med" len="med"/>
+                    </a:lnB>
+                  </a:tcPr>
+                </a:tc>
+                <a:tc>
+                  <a:txBody>
+                    <a:bodyPr/>
+                    <a:lstStyle/>
+                    <a:p>
+                      <a:pPr algn="l" fontAlgn="b"/>
+                      <a:r>
+                        <a:rPr lang="de-DE" sz="700" b="0" i="0" u="none" strike="noStrike" dirty="0">
+                          <a:solidFill>
+                            <a:srgbClr val="000000"/>
+                          </a:solidFill>
+                          <a:effectLst/>
+                          <a:highlight>
+                            <a:srgbClr val="FFFF00"/>
+                          </a:highlight>
+                          <a:latin typeface="Calibri" panose="020F0502020204030204" pitchFamily="34" charset="0"/>
+                        </a:rPr>
+                        <a:t>Das BMS muss bei Überschreitung des Batteriestroms (400A) länger als 2 min ein geeignetes Signal an die VCU senden.</a:t>
+                      </a:r>
+                    </a:p>
+                  </a:txBody>
+                  <a:tcPr marL="6298" marR="6298" marT="6298" marB="0" anchor="b">
+                    <a:lnL w="6350" cap="flat" cmpd="sng" algn="ctr">
+                      <a:solidFill>
+                        <a:srgbClr val="000000"/>
+                      </a:solidFill>
+                      <a:prstDash val="solid"/>
+                      <a:round/>
+                      <a:headEnd type="none" w="med" len="med"/>
+                      <a:tailEnd type="none" w="med" len="med"/>
+                    </a:lnL>
+                    <a:lnR w="12700" cap="flat" cmpd="sng" algn="ctr">
+                      <a:solidFill>
+                        <a:srgbClr val="000000"/>
+                      </a:solidFill>
+                      <a:prstDash val="solid"/>
+                      <a:round/>
+                      <a:headEnd type="none" w="med" len="med"/>
+                      <a:tailEnd type="none" w="med" len="med"/>
+                    </a:lnR>
+                    <a:lnT w="6350" cap="flat" cmpd="sng" algn="ctr">
+                      <a:solidFill>
+                        <a:srgbClr val="000000"/>
+                      </a:solidFill>
+                      <a:prstDash val="solid"/>
+                      <a:round/>
+                      <a:headEnd type="none" w="med" len="med"/>
+                      <a:tailEnd type="none" w="med" len="med"/>
+                    </a:lnT>
+                    <a:lnB w="6350" cap="flat" cmpd="sng" algn="ctr">
+                      <a:solidFill>
+                        <a:srgbClr val="000000"/>
+                      </a:solidFill>
+                      <a:prstDash val="solid"/>
+                      <a:round/>
+                      <a:headEnd type="none" w="med" len="med"/>
+                      <a:tailEnd type="none" w="med" len="med"/>
+                    </a:lnB>
+                  </a:tcPr>
+                </a:tc>
+                <a:extLst>
+                  <a:ext uri="{0D108BD9-81ED-4DB2-BD59-A6C34878D82A}">
+                    <a16:rowId xmlns:a16="http://schemas.microsoft.com/office/drawing/2014/main" val="3988026624"/>
+                  </a:ext>
+                </a:extLst>
+              </a:tr>
+              <a:tr h="185367">
+                <a:tc>
+                  <a:txBody>
+                    <a:bodyPr/>
+                    <a:lstStyle/>
+                    <a:p>
+                      <a:pPr algn="l" fontAlgn="b"/>
+                      <a:r>
+                        <a:rPr lang="de-DE" sz="700" b="0" i="0" u="none" strike="noStrike">
+                          <a:solidFill>
+                            <a:srgbClr val="000000"/>
+                          </a:solidFill>
+                          <a:effectLst/>
+                          <a:latin typeface="Calibri" panose="020F0502020204030204" pitchFamily="34" charset="0"/>
+                        </a:rPr>
+                        <a:t>BMS-109</a:t>
+                      </a:r>
+                    </a:p>
+                  </a:txBody>
+                  <a:tcPr marL="6298" marR="6298" marT="6298" marB="0" anchor="b">
+                    <a:lnL w="12700" cap="flat" cmpd="sng" algn="ctr">
+                      <a:solidFill>
+                        <a:srgbClr val="000000"/>
+                      </a:solidFill>
+                      <a:prstDash val="solid"/>
+                      <a:round/>
+                      <a:headEnd type="none" w="med" len="med"/>
+                      <a:tailEnd type="none" w="med" len="med"/>
+                    </a:lnL>
+                    <a:lnR w="6350" cap="flat" cmpd="sng" algn="ctr">
+                      <a:solidFill>
+                        <a:srgbClr val="000000"/>
+                      </a:solidFill>
+                      <a:prstDash val="solid"/>
+                      <a:round/>
+                      <a:headEnd type="none" w="med" len="med"/>
+                      <a:tailEnd type="none" w="med" len="med"/>
+                    </a:lnR>
+                    <a:lnT w="6350" cap="flat" cmpd="sng" algn="ctr">
+                      <a:solidFill>
+                        <a:srgbClr val="000000"/>
+                      </a:solidFill>
+                      <a:prstDash val="solid"/>
+                      <a:round/>
+                      <a:headEnd type="none" w="med" len="med"/>
+                      <a:tailEnd type="none" w="med" len="med"/>
+                    </a:lnT>
+                    <a:lnB w="6350" cap="flat" cmpd="sng" algn="ctr">
+                      <a:solidFill>
+                        <a:srgbClr val="000000"/>
+                      </a:solidFill>
+                      <a:prstDash val="solid"/>
+                      <a:round/>
+                      <a:headEnd type="none" w="med" len="med"/>
+                      <a:tailEnd type="none" w="med" len="med"/>
+                    </a:lnB>
+                  </a:tcPr>
+                </a:tc>
+                <a:tc>
+                  <a:txBody>
+                    <a:bodyPr/>
+                    <a:lstStyle/>
+                    <a:p>
+                      <a:pPr algn="l" fontAlgn="b"/>
+                      <a:r>
+                        <a:rPr lang="de-DE" sz="700" b="0" i="0" u="none" strike="noStrike">
+                          <a:solidFill>
+                            <a:srgbClr val="000000"/>
+                          </a:solidFill>
+                          <a:effectLst/>
+                          <a:latin typeface="Calibri" panose="020F0502020204030204" pitchFamily="34" charset="0"/>
+                        </a:rPr>
+                        <a:t>Anforderung</a:t>
+                      </a:r>
+                    </a:p>
+                  </a:txBody>
+                  <a:tcPr marL="6298" marR="6298" marT="6298" marB="0" anchor="b">
+                    <a:lnL w="6350" cap="flat" cmpd="sng" algn="ctr">
+                      <a:solidFill>
+                        <a:srgbClr val="000000"/>
+                      </a:solidFill>
+                      <a:prstDash val="solid"/>
+                      <a:round/>
+                      <a:headEnd type="none" w="med" len="med"/>
+                      <a:tailEnd type="none" w="med" len="med"/>
+                    </a:lnL>
+                    <a:lnR w="6350" cap="flat" cmpd="sng" algn="ctr">
+                      <a:solidFill>
+                        <a:srgbClr val="000000"/>
+                      </a:solidFill>
+                      <a:prstDash val="solid"/>
+                      <a:round/>
+                      <a:headEnd type="none" w="med" len="med"/>
+                      <a:tailEnd type="none" w="med" len="med"/>
+                    </a:lnR>
+                    <a:lnT w="6350" cap="flat" cmpd="sng" algn="ctr">
+                      <a:solidFill>
+                        <a:srgbClr val="000000"/>
+                      </a:solidFill>
+                      <a:prstDash val="solid"/>
+                      <a:round/>
+                      <a:headEnd type="none" w="med" len="med"/>
+                      <a:tailEnd type="none" w="med" len="med"/>
+                    </a:lnT>
+                    <a:lnB w="6350" cap="flat" cmpd="sng" algn="ctr">
+                      <a:solidFill>
+                        <a:srgbClr val="000000"/>
+                      </a:solidFill>
+                      <a:prstDash val="solid"/>
+                      <a:round/>
+                      <a:headEnd type="none" w="med" len="med"/>
+                      <a:tailEnd type="none" w="med" len="med"/>
+                    </a:lnB>
+                  </a:tcPr>
+                </a:tc>
+                <a:tc>
+                  <a:txBody>
+                    <a:bodyPr/>
+                    <a:lstStyle/>
+                    <a:p>
+                      <a:pPr algn="l" fontAlgn="b"/>
+                      <a:r>
+                        <a:rPr lang="de-DE" sz="700" b="0" i="0" u="none" strike="noStrike" dirty="0">
+                          <a:solidFill>
+                            <a:srgbClr val="000000"/>
+                          </a:solidFill>
+                          <a:effectLst/>
+                          <a:latin typeface="Calibri" panose="020F0502020204030204" pitchFamily="34" charset="0"/>
+                        </a:rPr>
+                        <a:t>Das BMS bei andauernder Überschreitung eines oder mehrerer der Grenzwerte die Batterie abschalten, d.h. die Schütze öffnen (BDU).</a:t>
+                      </a:r>
+                    </a:p>
+                  </a:txBody>
+                  <a:tcPr marL="6298" marR="6298" marT="6298" marB="0" anchor="b">
+                    <a:lnL w="6350" cap="flat" cmpd="sng" algn="ctr">
+                      <a:solidFill>
+                        <a:srgbClr val="000000"/>
+                      </a:solidFill>
+                      <a:prstDash val="solid"/>
+                      <a:round/>
+                      <a:headEnd type="none" w="med" len="med"/>
+                      <a:tailEnd type="none" w="med" len="med"/>
+                    </a:lnL>
+                    <a:lnR w="12700" cap="flat" cmpd="sng" algn="ctr">
+                      <a:solidFill>
+                        <a:srgbClr val="000000"/>
+                      </a:solidFill>
+                      <a:prstDash val="solid"/>
+                      <a:round/>
+                      <a:headEnd type="none" w="med" len="med"/>
+                      <a:tailEnd type="none" w="med" len="med"/>
+                    </a:lnR>
+                    <a:lnT w="6350" cap="flat" cmpd="sng" algn="ctr">
+                      <a:solidFill>
+                        <a:srgbClr val="000000"/>
+                      </a:solidFill>
+                      <a:prstDash val="solid"/>
+                      <a:round/>
+                      <a:headEnd type="none" w="med" len="med"/>
+                      <a:tailEnd type="none" w="med" len="med"/>
+                    </a:lnT>
+                    <a:lnB w="6350" cap="flat" cmpd="sng" algn="ctr">
+                      <a:solidFill>
+                        <a:srgbClr val="000000"/>
+                      </a:solidFill>
+                      <a:prstDash val="solid"/>
+                      <a:round/>
+                      <a:headEnd type="none" w="med" len="med"/>
+                      <a:tailEnd type="none" w="med" len="med"/>
+                    </a:lnB>
+                  </a:tcPr>
+                </a:tc>
+                <a:extLst>
+                  <a:ext uri="{0D108BD9-81ED-4DB2-BD59-A6C34878D82A}">
+                    <a16:rowId xmlns:a16="http://schemas.microsoft.com/office/drawing/2014/main" val="1582892805"/>
+                  </a:ext>
+                </a:extLst>
+              </a:tr>
+              <a:tr h="185367">
+                <a:tc>
+                  <a:txBody>
+                    <a:bodyPr/>
+                    <a:lstStyle/>
+                    <a:p>
+                      <a:pPr algn="l" fontAlgn="b"/>
+                      <a:r>
+                        <a:rPr lang="de-DE" sz="700" b="0" i="0" u="none" strike="noStrike">
+                          <a:solidFill>
+                            <a:srgbClr val="000000"/>
+                          </a:solidFill>
+                          <a:effectLst/>
+                          <a:latin typeface="Calibri" panose="020F0502020204030204" pitchFamily="34" charset="0"/>
+                        </a:rPr>
+                        <a:t>BMS-110</a:t>
+                      </a:r>
+                    </a:p>
+                  </a:txBody>
+                  <a:tcPr marL="6298" marR="6298" marT="6298" marB="0" anchor="b">
+                    <a:lnL w="12700" cap="flat" cmpd="sng" algn="ctr">
+                      <a:solidFill>
+                        <a:srgbClr val="000000"/>
+                      </a:solidFill>
+                      <a:prstDash val="solid"/>
+                      <a:round/>
+                      <a:headEnd type="none" w="med" len="med"/>
+                      <a:tailEnd type="none" w="med" len="med"/>
+                    </a:lnL>
+                    <a:lnR w="6350" cap="flat" cmpd="sng" algn="ctr">
+                      <a:solidFill>
+                        <a:srgbClr val="000000"/>
+                      </a:solidFill>
+                      <a:prstDash val="solid"/>
+                      <a:round/>
+                      <a:headEnd type="none" w="med" len="med"/>
+                      <a:tailEnd type="none" w="med" len="med"/>
+                    </a:lnR>
+                    <a:lnT w="6350" cap="flat" cmpd="sng" algn="ctr">
+                      <a:solidFill>
+                        <a:srgbClr val="000000"/>
+                      </a:solidFill>
+                      <a:prstDash val="solid"/>
+                      <a:round/>
+                      <a:headEnd type="none" w="med" len="med"/>
+                      <a:tailEnd type="none" w="med" len="med"/>
+                    </a:lnT>
+                    <a:lnB w="6350" cap="flat" cmpd="sng" algn="ctr">
+                      <a:solidFill>
+                        <a:srgbClr val="000000"/>
+                      </a:solidFill>
+                      <a:prstDash val="solid"/>
+                      <a:round/>
+                      <a:headEnd type="none" w="med" len="med"/>
+                      <a:tailEnd type="none" w="med" len="med"/>
+                    </a:lnB>
+                  </a:tcPr>
+                </a:tc>
+                <a:tc>
+                  <a:txBody>
+                    <a:bodyPr/>
+                    <a:lstStyle/>
+                    <a:p>
+                      <a:pPr algn="l" fontAlgn="b"/>
+                      <a:r>
+                        <a:rPr lang="de-DE" sz="700" b="0" i="0" u="none" strike="noStrike">
+                          <a:solidFill>
+                            <a:srgbClr val="000000"/>
+                          </a:solidFill>
+                          <a:effectLst/>
+                          <a:latin typeface="Calibri" panose="020F0502020204030204" pitchFamily="34" charset="0"/>
+                        </a:rPr>
+                        <a:t>Anforderung</a:t>
+                      </a:r>
+                    </a:p>
+                  </a:txBody>
+                  <a:tcPr marL="6298" marR="6298" marT="6298" marB="0" anchor="b">
+                    <a:lnL w="6350" cap="flat" cmpd="sng" algn="ctr">
+                      <a:solidFill>
+                        <a:srgbClr val="000000"/>
+                      </a:solidFill>
+                      <a:prstDash val="solid"/>
+                      <a:round/>
+                      <a:headEnd type="none" w="med" len="med"/>
+                      <a:tailEnd type="none" w="med" len="med"/>
+                    </a:lnL>
+                    <a:lnR w="6350" cap="flat" cmpd="sng" algn="ctr">
+                      <a:solidFill>
+                        <a:srgbClr val="000000"/>
+                      </a:solidFill>
+                      <a:prstDash val="solid"/>
+                      <a:round/>
+                      <a:headEnd type="none" w="med" len="med"/>
+                      <a:tailEnd type="none" w="med" len="med"/>
+                    </a:lnR>
+                    <a:lnT w="6350" cap="flat" cmpd="sng" algn="ctr">
+                      <a:solidFill>
+                        <a:srgbClr val="000000"/>
+                      </a:solidFill>
+                      <a:prstDash val="solid"/>
+                      <a:round/>
+                      <a:headEnd type="none" w="med" len="med"/>
+                      <a:tailEnd type="none" w="med" len="med"/>
+                    </a:lnT>
+                    <a:lnB w="6350" cap="flat" cmpd="sng" algn="ctr">
+                      <a:solidFill>
+                        <a:srgbClr val="000000"/>
+                      </a:solidFill>
+                      <a:prstDash val="solid"/>
+                      <a:round/>
+                      <a:headEnd type="none" w="med" len="med"/>
+                      <a:tailEnd type="none" w="med" len="med"/>
+                    </a:lnB>
+                  </a:tcPr>
+                </a:tc>
+                <a:tc>
+                  <a:txBody>
+                    <a:bodyPr/>
+                    <a:lstStyle/>
+                    <a:p>
+                      <a:pPr algn="l" fontAlgn="b"/>
+                      <a:r>
+                        <a:rPr lang="de-DE" sz="700" b="0" i="0" u="none" strike="noStrike">
+                          <a:solidFill>
+                            <a:srgbClr val="000000"/>
+                          </a:solidFill>
+                          <a:effectLst/>
+                          <a:latin typeface="Calibri" panose="020F0502020204030204" pitchFamily="34" charset="0"/>
+                        </a:rPr>
+                        <a:t>Auf ein Überschreiten der genannten Grenzen muss spätestens innerhalb 50 ms reagiert werden.</a:t>
+                      </a:r>
+                    </a:p>
+                  </a:txBody>
+                  <a:tcPr marL="6298" marR="6298" marT="6298" marB="0" anchor="b">
+                    <a:lnL w="6350" cap="flat" cmpd="sng" algn="ctr">
+                      <a:solidFill>
+                        <a:srgbClr val="000000"/>
+                      </a:solidFill>
+                      <a:prstDash val="solid"/>
+                      <a:round/>
+                      <a:headEnd type="none" w="med" len="med"/>
+                      <a:tailEnd type="none" w="med" len="med"/>
+                    </a:lnL>
+                    <a:lnR w="12700" cap="flat" cmpd="sng" algn="ctr">
+                      <a:solidFill>
+                        <a:srgbClr val="000000"/>
+                      </a:solidFill>
+                      <a:prstDash val="solid"/>
+                      <a:round/>
+                      <a:headEnd type="none" w="med" len="med"/>
+                      <a:tailEnd type="none" w="med" len="med"/>
+                    </a:lnR>
+                    <a:lnT w="6350" cap="flat" cmpd="sng" algn="ctr">
+                      <a:solidFill>
+                        <a:srgbClr val="000000"/>
+                      </a:solidFill>
+                      <a:prstDash val="solid"/>
+                      <a:round/>
+                      <a:headEnd type="none" w="med" len="med"/>
+                      <a:tailEnd type="none" w="med" len="med"/>
+                    </a:lnT>
+                    <a:lnB w="6350" cap="flat" cmpd="sng" algn="ctr">
+                      <a:solidFill>
+                        <a:srgbClr val="000000"/>
+                      </a:solidFill>
+                      <a:prstDash val="solid"/>
+                      <a:round/>
+                      <a:headEnd type="none" w="med" len="med"/>
+                      <a:tailEnd type="none" w="med" len="med"/>
+                    </a:lnB>
+                  </a:tcPr>
+                </a:tc>
+                <a:extLst>
+                  <a:ext uri="{0D108BD9-81ED-4DB2-BD59-A6C34878D82A}">
+                    <a16:rowId xmlns:a16="http://schemas.microsoft.com/office/drawing/2014/main" val="3364412323"/>
+                  </a:ext>
+                </a:extLst>
+              </a:tr>
+              <a:tr h="185367">
+                <a:tc>
+                  <a:txBody>
+                    <a:bodyPr/>
+                    <a:lstStyle/>
+                    <a:p>
+                      <a:pPr algn="l" fontAlgn="b"/>
+                      <a:r>
+                        <a:rPr lang="de-DE" sz="700" b="0" i="0" u="none" strike="noStrike">
+                          <a:solidFill>
+                            <a:srgbClr val="000000"/>
+                          </a:solidFill>
+                          <a:effectLst/>
+                          <a:latin typeface="Calibri" panose="020F0502020204030204" pitchFamily="34" charset="0"/>
+                        </a:rPr>
+                        <a:t>BMS-111</a:t>
+                      </a:r>
+                    </a:p>
+                  </a:txBody>
+                  <a:tcPr marL="6298" marR="6298" marT="6298" marB="0" anchor="b">
+                    <a:lnL w="12700" cap="flat" cmpd="sng" algn="ctr">
+                      <a:solidFill>
+                        <a:srgbClr val="000000"/>
+                      </a:solidFill>
+                      <a:prstDash val="solid"/>
+                      <a:round/>
+                      <a:headEnd type="none" w="med" len="med"/>
+                      <a:tailEnd type="none" w="med" len="med"/>
+                    </a:lnL>
+                    <a:lnR w="6350" cap="flat" cmpd="sng" algn="ctr">
+                      <a:solidFill>
+                        <a:srgbClr val="000000"/>
+                      </a:solidFill>
+                      <a:prstDash val="solid"/>
+                      <a:round/>
+                      <a:headEnd type="none" w="med" len="med"/>
+                      <a:tailEnd type="none" w="med" len="med"/>
+                    </a:lnR>
+                    <a:lnT w="6350" cap="flat" cmpd="sng" algn="ctr">
+                      <a:solidFill>
+                        <a:srgbClr val="000000"/>
+                      </a:solidFill>
+                      <a:prstDash val="solid"/>
+                      <a:round/>
+                      <a:headEnd type="none" w="med" len="med"/>
+                      <a:tailEnd type="none" w="med" len="med"/>
+                    </a:lnT>
+                    <a:lnB w="6350" cap="flat" cmpd="sng" algn="ctr">
+                      <a:solidFill>
+                        <a:srgbClr val="000000"/>
+                      </a:solidFill>
+                      <a:prstDash val="solid"/>
+                      <a:round/>
+                      <a:headEnd type="none" w="med" len="med"/>
+                      <a:tailEnd type="none" w="med" len="med"/>
+                    </a:lnB>
+                  </a:tcPr>
+                </a:tc>
+                <a:tc>
+                  <a:txBody>
+                    <a:bodyPr/>
+                    <a:lstStyle/>
+                    <a:p>
+                      <a:pPr algn="l" fontAlgn="b"/>
+                      <a:r>
+                        <a:rPr lang="de-DE" sz="700" b="0" i="0" u="none" strike="noStrike">
+                          <a:solidFill>
+                            <a:srgbClr val="000000"/>
+                          </a:solidFill>
+                          <a:effectLst/>
+                          <a:latin typeface="Calibri" panose="020F0502020204030204" pitchFamily="34" charset="0"/>
+                        </a:rPr>
+                        <a:t>Anforderung</a:t>
+                      </a:r>
+                    </a:p>
+                  </a:txBody>
+                  <a:tcPr marL="6298" marR="6298" marT="6298" marB="0" anchor="b">
+                    <a:lnL w="6350" cap="flat" cmpd="sng" algn="ctr">
+                      <a:solidFill>
+                        <a:srgbClr val="000000"/>
+                      </a:solidFill>
+                      <a:prstDash val="solid"/>
+                      <a:round/>
+                      <a:headEnd type="none" w="med" len="med"/>
+                      <a:tailEnd type="none" w="med" len="med"/>
+                    </a:lnL>
+                    <a:lnR w="6350" cap="flat" cmpd="sng" algn="ctr">
+                      <a:solidFill>
+                        <a:srgbClr val="000000"/>
+                      </a:solidFill>
+                      <a:prstDash val="solid"/>
+                      <a:round/>
+                      <a:headEnd type="none" w="med" len="med"/>
+                      <a:tailEnd type="none" w="med" len="med"/>
+                    </a:lnR>
+                    <a:lnT w="6350" cap="flat" cmpd="sng" algn="ctr">
+                      <a:solidFill>
+                        <a:srgbClr val="000000"/>
+                      </a:solidFill>
+                      <a:prstDash val="solid"/>
+                      <a:round/>
+                      <a:headEnd type="none" w="med" len="med"/>
+                      <a:tailEnd type="none" w="med" len="med"/>
+                    </a:lnT>
+                    <a:lnB w="6350" cap="flat" cmpd="sng" algn="ctr">
+                      <a:solidFill>
+                        <a:srgbClr val="000000"/>
+                      </a:solidFill>
+                      <a:prstDash val="solid"/>
+                      <a:round/>
+                      <a:headEnd type="none" w="med" len="med"/>
+                      <a:tailEnd type="none" w="med" len="med"/>
+                    </a:lnB>
+                  </a:tcPr>
+                </a:tc>
+                <a:tc>
+                  <a:txBody>
+                    <a:bodyPr/>
+                    <a:lstStyle/>
+                    <a:p>
+                      <a:pPr algn="l" fontAlgn="b"/>
+                      <a:r>
+                        <a:rPr lang="de-DE" sz="700" b="0" i="0" u="none" strike="noStrike">
+                          <a:solidFill>
+                            <a:srgbClr val="000000"/>
+                          </a:solidFill>
+                          <a:effectLst/>
+                          <a:latin typeface="Calibri" panose="020F0502020204030204" pitchFamily="34" charset="0"/>
+                        </a:rPr>
+                        <a:t>In diesem Projekt ist keine Betrachtung der ISO 26262 und damit keine ASIL Klassifizierung notwendig.</a:t>
+                      </a:r>
+                    </a:p>
+                  </a:txBody>
+                  <a:tcPr marL="6298" marR="6298" marT="6298" marB="0" anchor="b">
+                    <a:lnL w="6350" cap="flat" cmpd="sng" algn="ctr">
+                      <a:solidFill>
+                        <a:srgbClr val="000000"/>
+                      </a:solidFill>
+                      <a:prstDash val="solid"/>
+                      <a:round/>
+                      <a:headEnd type="none" w="med" len="med"/>
+                      <a:tailEnd type="none" w="med" len="med"/>
+                    </a:lnL>
+                    <a:lnR w="12700" cap="flat" cmpd="sng" algn="ctr">
+                      <a:solidFill>
+                        <a:srgbClr val="000000"/>
+                      </a:solidFill>
+                      <a:prstDash val="solid"/>
+                      <a:round/>
+                      <a:headEnd type="none" w="med" len="med"/>
+                      <a:tailEnd type="none" w="med" len="med"/>
+                    </a:lnR>
+                    <a:lnT w="6350" cap="flat" cmpd="sng" algn="ctr">
+                      <a:solidFill>
+                        <a:srgbClr val="000000"/>
+                      </a:solidFill>
+                      <a:prstDash val="solid"/>
+                      <a:round/>
+                      <a:headEnd type="none" w="med" len="med"/>
+                      <a:tailEnd type="none" w="med" len="med"/>
+                    </a:lnT>
+                    <a:lnB w="6350" cap="flat" cmpd="sng" algn="ctr">
+                      <a:solidFill>
+                        <a:srgbClr val="000000"/>
+                      </a:solidFill>
+                      <a:prstDash val="solid"/>
+                      <a:round/>
+                      <a:headEnd type="none" w="med" len="med"/>
+                      <a:tailEnd type="none" w="med" len="med"/>
+                    </a:lnB>
+                  </a:tcPr>
+                </a:tc>
+                <a:extLst>
+                  <a:ext uri="{0D108BD9-81ED-4DB2-BD59-A6C34878D82A}">
+                    <a16:rowId xmlns:a16="http://schemas.microsoft.com/office/drawing/2014/main" val="3009115585"/>
+                  </a:ext>
+                </a:extLst>
+              </a:tr>
+              <a:tr h="185367">
+                <a:tc>
+                  <a:txBody>
+                    <a:bodyPr/>
+                    <a:lstStyle/>
+                    <a:p>
+                      <a:pPr algn="l" fontAlgn="b"/>
+                      <a:r>
+                        <a:rPr lang="de-DE" sz="700" b="1" i="0" u="none" strike="noStrike">
+                          <a:solidFill>
+                            <a:srgbClr val="000000"/>
+                          </a:solidFill>
+                          <a:effectLst/>
+                          <a:latin typeface="Calibri" panose="020F0502020204030204" pitchFamily="34" charset="0"/>
+                        </a:rPr>
+                        <a:t>BMS-200</a:t>
+                      </a:r>
+                    </a:p>
+                  </a:txBody>
+                  <a:tcPr marL="6298" marR="6298" marT="6298" marB="0" anchor="b">
+                    <a:lnL w="12700" cap="flat" cmpd="sng" algn="ctr">
+                      <a:solidFill>
+                        <a:srgbClr val="000000"/>
+                      </a:solidFill>
+                      <a:prstDash val="solid"/>
+                      <a:round/>
+                      <a:headEnd type="none" w="med" len="med"/>
+                      <a:tailEnd type="none" w="med" len="med"/>
+                    </a:lnL>
+                    <a:lnR w="6350" cap="flat" cmpd="sng" algn="ctr">
+                      <a:solidFill>
+                        <a:srgbClr val="000000"/>
+                      </a:solidFill>
+                      <a:prstDash val="solid"/>
+                      <a:round/>
+                      <a:headEnd type="none" w="med" len="med"/>
+                      <a:tailEnd type="none" w="med" len="med"/>
+                    </a:lnR>
+                    <a:lnT w="6350" cap="flat" cmpd="sng" algn="ctr">
+                      <a:solidFill>
+                        <a:srgbClr val="000000"/>
+                      </a:solidFill>
+                      <a:prstDash val="solid"/>
+                      <a:round/>
+                      <a:headEnd type="none" w="med" len="med"/>
+                      <a:tailEnd type="none" w="med" len="med"/>
+                    </a:lnT>
+                    <a:lnB w="6350" cap="flat" cmpd="sng" algn="ctr">
+                      <a:solidFill>
+                        <a:srgbClr val="000000"/>
+                      </a:solidFill>
+                      <a:prstDash val="solid"/>
+                      <a:round/>
+                      <a:headEnd type="none" w="med" len="med"/>
+                      <a:tailEnd type="none" w="med" len="med"/>
+                    </a:lnB>
+                    <a:solidFill>
+                      <a:srgbClr val="BFBFBF"/>
+                    </a:solidFill>
+                  </a:tcPr>
+                </a:tc>
+                <a:tc>
+                  <a:txBody>
+                    <a:bodyPr/>
+                    <a:lstStyle/>
+                    <a:p>
+                      <a:pPr algn="l" fontAlgn="b"/>
+                      <a:r>
+                        <a:rPr lang="de-DE" sz="700" b="1" i="0" u="none" strike="noStrike">
+                          <a:solidFill>
+                            <a:srgbClr val="000000"/>
+                          </a:solidFill>
+                          <a:effectLst/>
+                          <a:latin typeface="Calibri" panose="020F0502020204030204" pitchFamily="34" charset="0"/>
+                        </a:rPr>
+                        <a:t>Überschrift</a:t>
+                      </a:r>
+                    </a:p>
+                  </a:txBody>
+                  <a:tcPr marL="6298" marR="6298" marT="6298" marB="0" anchor="b">
+                    <a:lnL w="6350" cap="flat" cmpd="sng" algn="ctr">
+                      <a:solidFill>
+                        <a:srgbClr val="000000"/>
+                      </a:solidFill>
+                      <a:prstDash val="solid"/>
+                      <a:round/>
+                      <a:headEnd type="none" w="med" len="med"/>
+                      <a:tailEnd type="none" w="med" len="med"/>
+                    </a:lnL>
+                    <a:lnR w="6350" cap="flat" cmpd="sng" algn="ctr">
+                      <a:solidFill>
+                        <a:srgbClr val="000000"/>
+                      </a:solidFill>
+                      <a:prstDash val="solid"/>
+                      <a:round/>
+                      <a:headEnd type="none" w="med" len="med"/>
+                      <a:tailEnd type="none" w="med" len="med"/>
+                    </a:lnR>
+                    <a:lnT w="6350" cap="flat" cmpd="sng" algn="ctr">
+                      <a:solidFill>
+                        <a:srgbClr val="000000"/>
+                      </a:solidFill>
+                      <a:prstDash val="solid"/>
+                      <a:round/>
+                      <a:headEnd type="none" w="med" len="med"/>
+                      <a:tailEnd type="none" w="med" len="med"/>
+                    </a:lnT>
+                    <a:lnB w="6350" cap="flat" cmpd="sng" algn="ctr">
+                      <a:solidFill>
+                        <a:srgbClr val="000000"/>
+                      </a:solidFill>
+                      <a:prstDash val="solid"/>
+                      <a:round/>
+                      <a:headEnd type="none" w="med" len="med"/>
+                      <a:tailEnd type="none" w="med" len="med"/>
+                    </a:lnB>
+                    <a:solidFill>
+                      <a:srgbClr val="BFBFBF"/>
+                    </a:solidFill>
+                  </a:tcPr>
+                </a:tc>
+                <a:tc>
+                  <a:txBody>
+                    <a:bodyPr/>
+                    <a:lstStyle/>
+                    <a:p>
+                      <a:pPr algn="l" fontAlgn="b"/>
+                      <a:r>
+                        <a:rPr lang="de-DE" sz="700" b="1" i="0" u="none" strike="noStrike">
+                          <a:solidFill>
+                            <a:srgbClr val="000000"/>
+                          </a:solidFill>
+                          <a:effectLst/>
+                          <a:latin typeface="Calibri" panose="020F0502020204030204" pitchFamily="34" charset="0"/>
+                        </a:rPr>
+                        <a:t>Cell-Balancing</a:t>
+                      </a:r>
+                    </a:p>
+                  </a:txBody>
+                  <a:tcPr marL="6298" marR="6298" marT="6298" marB="0" anchor="b">
+                    <a:lnL w="6350" cap="flat" cmpd="sng" algn="ctr">
+                      <a:solidFill>
+                        <a:srgbClr val="000000"/>
+                      </a:solidFill>
+                      <a:prstDash val="solid"/>
+                      <a:round/>
+                      <a:headEnd type="none" w="med" len="med"/>
+                      <a:tailEnd type="none" w="med" len="med"/>
+                    </a:lnL>
+                    <a:lnR w="12700" cap="flat" cmpd="sng" algn="ctr">
+                      <a:solidFill>
+                        <a:srgbClr val="000000"/>
+                      </a:solidFill>
+                      <a:prstDash val="solid"/>
+                      <a:round/>
+                      <a:headEnd type="none" w="med" len="med"/>
+                      <a:tailEnd type="none" w="med" len="med"/>
+                    </a:lnR>
+                    <a:lnT w="6350" cap="flat" cmpd="sng" algn="ctr">
+                      <a:solidFill>
+                        <a:srgbClr val="000000"/>
+                      </a:solidFill>
+                      <a:prstDash val="solid"/>
+                      <a:round/>
+                      <a:headEnd type="none" w="med" len="med"/>
+                      <a:tailEnd type="none" w="med" len="med"/>
+                    </a:lnT>
+                    <a:lnB w="6350" cap="flat" cmpd="sng" algn="ctr">
+                      <a:solidFill>
+                        <a:srgbClr val="000000"/>
+                      </a:solidFill>
+                      <a:prstDash val="solid"/>
+                      <a:round/>
+                      <a:headEnd type="none" w="med" len="med"/>
+                      <a:tailEnd type="none" w="med" len="med"/>
+                    </a:lnB>
+                    <a:solidFill>
+                      <a:srgbClr val="BFBFBF"/>
+                    </a:solidFill>
+                  </a:tcPr>
+                </a:tc>
+                <a:extLst>
+                  <a:ext uri="{0D108BD9-81ED-4DB2-BD59-A6C34878D82A}">
+                    <a16:rowId xmlns:a16="http://schemas.microsoft.com/office/drawing/2014/main" val="2624246773"/>
+                  </a:ext>
+                </a:extLst>
+              </a:tr>
+              <a:tr h="185367">
+                <a:tc>
+                  <a:txBody>
+                    <a:bodyPr/>
+                    <a:lstStyle/>
+                    <a:p>
+                      <a:pPr algn="l" fontAlgn="b"/>
+                      <a:r>
+                        <a:rPr lang="de-DE" sz="700" b="0" i="0" u="none" strike="noStrike">
+                          <a:solidFill>
+                            <a:srgbClr val="000000"/>
+                          </a:solidFill>
+                          <a:effectLst/>
+                          <a:latin typeface="Calibri" panose="020F0502020204030204" pitchFamily="34" charset="0"/>
+                        </a:rPr>
+                        <a:t>BMS-201</a:t>
+                      </a:r>
+                    </a:p>
+                  </a:txBody>
+                  <a:tcPr marL="6298" marR="6298" marT="6298" marB="0" anchor="b">
+                    <a:lnL w="12700" cap="flat" cmpd="sng" algn="ctr">
+                      <a:solidFill>
+                        <a:srgbClr val="000000"/>
+                      </a:solidFill>
+                      <a:prstDash val="solid"/>
+                      <a:round/>
+                      <a:headEnd type="none" w="med" len="med"/>
+                      <a:tailEnd type="none" w="med" len="med"/>
+                    </a:lnL>
+                    <a:lnR w="6350" cap="flat" cmpd="sng" algn="ctr">
+                      <a:solidFill>
+                        <a:srgbClr val="000000"/>
+                      </a:solidFill>
+                      <a:prstDash val="solid"/>
+                      <a:round/>
+                      <a:headEnd type="none" w="med" len="med"/>
+                      <a:tailEnd type="none" w="med" len="med"/>
+                    </a:lnR>
+                    <a:lnT w="6350" cap="flat" cmpd="sng" algn="ctr">
+                      <a:solidFill>
+                        <a:srgbClr val="000000"/>
+                      </a:solidFill>
+                      <a:prstDash val="solid"/>
+                      <a:round/>
+                      <a:headEnd type="none" w="med" len="med"/>
+                      <a:tailEnd type="none" w="med" len="med"/>
+                    </a:lnT>
+                    <a:lnB w="6350" cap="flat" cmpd="sng" algn="ctr">
+                      <a:solidFill>
+                        <a:srgbClr val="000000"/>
+                      </a:solidFill>
+                      <a:prstDash val="solid"/>
+                      <a:round/>
+                      <a:headEnd type="none" w="med" len="med"/>
+                      <a:tailEnd type="none" w="med" len="med"/>
+                    </a:lnB>
+                  </a:tcPr>
+                </a:tc>
+                <a:tc>
+                  <a:txBody>
+                    <a:bodyPr/>
+                    <a:lstStyle/>
+                    <a:p>
+                      <a:pPr algn="l" fontAlgn="b"/>
+                      <a:r>
+                        <a:rPr lang="de-DE" sz="700" b="0" i="0" u="none" strike="noStrike">
+                          <a:solidFill>
+                            <a:srgbClr val="000000"/>
+                          </a:solidFill>
+                          <a:effectLst/>
+                          <a:latin typeface="Calibri" panose="020F0502020204030204" pitchFamily="34" charset="0"/>
+                        </a:rPr>
+                        <a:t>Anforderung</a:t>
+                      </a:r>
+                    </a:p>
+                  </a:txBody>
+                  <a:tcPr marL="6298" marR="6298" marT="6298" marB="0" anchor="b">
+                    <a:lnL w="6350" cap="flat" cmpd="sng" algn="ctr">
+                      <a:solidFill>
+                        <a:srgbClr val="000000"/>
+                      </a:solidFill>
+                      <a:prstDash val="solid"/>
+                      <a:round/>
+                      <a:headEnd type="none" w="med" len="med"/>
+                      <a:tailEnd type="none" w="med" len="med"/>
+                    </a:lnL>
+                    <a:lnR w="6350" cap="flat" cmpd="sng" algn="ctr">
+                      <a:solidFill>
+                        <a:srgbClr val="000000"/>
+                      </a:solidFill>
+                      <a:prstDash val="solid"/>
+                      <a:round/>
+                      <a:headEnd type="none" w="med" len="med"/>
+                      <a:tailEnd type="none" w="med" len="med"/>
+                    </a:lnR>
+                    <a:lnT w="6350" cap="flat" cmpd="sng" algn="ctr">
+                      <a:solidFill>
+                        <a:srgbClr val="000000"/>
+                      </a:solidFill>
+                      <a:prstDash val="solid"/>
+                      <a:round/>
+                      <a:headEnd type="none" w="med" len="med"/>
+                      <a:tailEnd type="none" w="med" len="med"/>
+                    </a:lnT>
+                    <a:lnB w="6350" cap="flat" cmpd="sng" algn="ctr">
+                      <a:solidFill>
+                        <a:srgbClr val="000000"/>
+                      </a:solidFill>
+                      <a:prstDash val="solid"/>
+                      <a:round/>
+                      <a:headEnd type="none" w="med" len="med"/>
+                      <a:tailEnd type="none" w="med" len="med"/>
+                    </a:lnB>
+                  </a:tcPr>
+                </a:tc>
+                <a:tc>
+                  <a:txBody>
+                    <a:bodyPr/>
+                    <a:lstStyle/>
+                    <a:p>
+                      <a:pPr algn="l" fontAlgn="b"/>
+                      <a:r>
+                        <a:rPr lang="de-DE" sz="700" b="0" i="0" u="none" strike="noStrike">
+                          <a:solidFill>
+                            <a:srgbClr val="000000"/>
+                          </a:solidFill>
+                          <a:effectLst/>
+                          <a:latin typeface="Calibri" panose="020F0502020204030204" pitchFamily="34" charset="0"/>
+                        </a:rPr>
+                        <a:t>Das BMS soll einem auseinanderdriften der Zellspannungen entgegen wirken, d.h. die Zellen müssen gebalanced werden.</a:t>
+                      </a:r>
+                    </a:p>
+                  </a:txBody>
+                  <a:tcPr marL="6298" marR="6298" marT="6298" marB="0" anchor="b">
+                    <a:lnL w="6350" cap="flat" cmpd="sng" algn="ctr">
+                      <a:solidFill>
+                        <a:srgbClr val="000000"/>
+                      </a:solidFill>
+                      <a:prstDash val="solid"/>
+                      <a:round/>
+                      <a:headEnd type="none" w="med" len="med"/>
+                      <a:tailEnd type="none" w="med" len="med"/>
+                    </a:lnL>
+                    <a:lnR w="12700" cap="flat" cmpd="sng" algn="ctr">
+                      <a:solidFill>
+                        <a:srgbClr val="000000"/>
+                      </a:solidFill>
+                      <a:prstDash val="solid"/>
+                      <a:round/>
+                      <a:headEnd type="none" w="med" len="med"/>
+                      <a:tailEnd type="none" w="med" len="med"/>
+                    </a:lnR>
+                    <a:lnT w="6350" cap="flat" cmpd="sng" algn="ctr">
+                      <a:solidFill>
+                        <a:srgbClr val="000000"/>
+                      </a:solidFill>
+                      <a:prstDash val="solid"/>
+                      <a:round/>
+                      <a:headEnd type="none" w="med" len="med"/>
+                      <a:tailEnd type="none" w="med" len="med"/>
+                    </a:lnT>
+                    <a:lnB w="6350" cap="flat" cmpd="sng" algn="ctr">
+                      <a:solidFill>
+                        <a:srgbClr val="000000"/>
+                      </a:solidFill>
+                      <a:prstDash val="solid"/>
+                      <a:round/>
+                      <a:headEnd type="none" w="med" len="med"/>
+                      <a:tailEnd type="none" w="med" len="med"/>
+                    </a:lnB>
+                  </a:tcPr>
+                </a:tc>
+                <a:extLst>
+                  <a:ext uri="{0D108BD9-81ED-4DB2-BD59-A6C34878D82A}">
+                    <a16:rowId xmlns:a16="http://schemas.microsoft.com/office/drawing/2014/main" val="2672813104"/>
+                  </a:ext>
+                </a:extLst>
+              </a:tr>
+              <a:tr h="185367">
+                <a:tc>
+                  <a:txBody>
+                    <a:bodyPr/>
+                    <a:lstStyle/>
+                    <a:p>
+                      <a:pPr algn="l" fontAlgn="b"/>
+                      <a:r>
+                        <a:rPr lang="de-DE" sz="700" b="0" i="0" u="none" strike="noStrike">
+                          <a:solidFill>
+                            <a:srgbClr val="000000"/>
+                          </a:solidFill>
+                          <a:effectLst/>
+                          <a:latin typeface="Calibri" panose="020F0502020204030204" pitchFamily="34" charset="0"/>
+                        </a:rPr>
+                        <a:t>BMS-202</a:t>
+                      </a:r>
+                    </a:p>
+                  </a:txBody>
+                  <a:tcPr marL="6298" marR="6298" marT="6298" marB="0" anchor="b">
+                    <a:lnL w="12700" cap="flat" cmpd="sng" algn="ctr">
+                      <a:solidFill>
+                        <a:srgbClr val="000000"/>
+                      </a:solidFill>
+                      <a:prstDash val="solid"/>
+                      <a:round/>
+                      <a:headEnd type="none" w="med" len="med"/>
+                      <a:tailEnd type="none" w="med" len="med"/>
+                    </a:lnL>
+                    <a:lnR w="6350" cap="flat" cmpd="sng" algn="ctr">
+                      <a:solidFill>
+                        <a:srgbClr val="000000"/>
+                      </a:solidFill>
+                      <a:prstDash val="solid"/>
+                      <a:round/>
+                      <a:headEnd type="none" w="med" len="med"/>
+                      <a:tailEnd type="none" w="med" len="med"/>
+                    </a:lnR>
+                    <a:lnT w="6350" cap="flat" cmpd="sng" algn="ctr">
+                      <a:solidFill>
+                        <a:srgbClr val="000000"/>
+                      </a:solidFill>
+                      <a:prstDash val="solid"/>
+                      <a:round/>
+                      <a:headEnd type="none" w="med" len="med"/>
+                      <a:tailEnd type="none" w="med" len="med"/>
+                    </a:lnT>
+                    <a:lnB w="6350" cap="flat" cmpd="sng" algn="ctr">
+                      <a:solidFill>
+                        <a:srgbClr val="000000"/>
+                      </a:solidFill>
+                      <a:prstDash val="solid"/>
+                      <a:round/>
+                      <a:headEnd type="none" w="med" len="med"/>
+                      <a:tailEnd type="none" w="med" len="med"/>
+                    </a:lnB>
+                  </a:tcPr>
+                </a:tc>
+                <a:tc>
+                  <a:txBody>
+                    <a:bodyPr/>
+                    <a:lstStyle/>
+                    <a:p>
+                      <a:pPr algn="l" fontAlgn="b"/>
+                      <a:r>
+                        <a:rPr lang="de-DE" sz="700" b="0" i="0" u="none" strike="noStrike">
+                          <a:solidFill>
+                            <a:srgbClr val="000000"/>
+                          </a:solidFill>
+                          <a:effectLst/>
+                          <a:latin typeface="Calibri" panose="020F0502020204030204" pitchFamily="34" charset="0"/>
+                        </a:rPr>
+                        <a:t>Anforderung</a:t>
+                      </a:r>
+                    </a:p>
+                  </a:txBody>
+                  <a:tcPr marL="6298" marR="6298" marT="6298" marB="0" anchor="b">
+                    <a:lnL w="6350" cap="flat" cmpd="sng" algn="ctr">
+                      <a:solidFill>
+                        <a:srgbClr val="000000"/>
+                      </a:solidFill>
+                      <a:prstDash val="solid"/>
+                      <a:round/>
+                      <a:headEnd type="none" w="med" len="med"/>
+                      <a:tailEnd type="none" w="med" len="med"/>
+                    </a:lnL>
+                    <a:lnR w="6350" cap="flat" cmpd="sng" algn="ctr">
+                      <a:solidFill>
+                        <a:srgbClr val="000000"/>
+                      </a:solidFill>
+                      <a:prstDash val="solid"/>
+                      <a:round/>
+                      <a:headEnd type="none" w="med" len="med"/>
+                      <a:tailEnd type="none" w="med" len="med"/>
+                    </a:lnR>
+                    <a:lnT w="6350" cap="flat" cmpd="sng" algn="ctr">
+                      <a:solidFill>
+                        <a:srgbClr val="000000"/>
+                      </a:solidFill>
+                      <a:prstDash val="solid"/>
+                      <a:round/>
+                      <a:headEnd type="none" w="med" len="med"/>
+                      <a:tailEnd type="none" w="med" len="med"/>
+                    </a:lnT>
+                    <a:lnB w="6350" cap="flat" cmpd="sng" algn="ctr">
+                      <a:solidFill>
+                        <a:srgbClr val="000000"/>
+                      </a:solidFill>
+                      <a:prstDash val="solid"/>
+                      <a:round/>
+                      <a:headEnd type="none" w="med" len="med"/>
+                      <a:tailEnd type="none" w="med" len="med"/>
+                    </a:lnB>
+                  </a:tcPr>
+                </a:tc>
+                <a:tc>
+                  <a:txBody>
+                    <a:bodyPr/>
+                    <a:lstStyle/>
+                    <a:p>
+                      <a:pPr algn="l" fontAlgn="b"/>
+                      <a:r>
+                        <a:rPr lang="de-DE" sz="700" b="0" i="0" u="none" strike="noStrike">
+                          <a:solidFill>
+                            <a:srgbClr val="000000"/>
+                          </a:solidFill>
+                          <a:effectLst/>
+                          <a:latin typeface="Calibri" panose="020F0502020204030204" pitchFamily="34" charset="0"/>
+                        </a:rPr>
+                        <a:t>Die Anforderung des Balancings soll einmal pro Sekunde an die BSW gesendet werden.</a:t>
+                      </a:r>
+                    </a:p>
+                  </a:txBody>
+                  <a:tcPr marL="6298" marR="6298" marT="6298" marB="0" anchor="b">
+                    <a:lnL w="6350" cap="flat" cmpd="sng" algn="ctr">
+                      <a:solidFill>
+                        <a:srgbClr val="000000"/>
+                      </a:solidFill>
+                      <a:prstDash val="solid"/>
+                      <a:round/>
+                      <a:headEnd type="none" w="med" len="med"/>
+                      <a:tailEnd type="none" w="med" len="med"/>
+                    </a:lnL>
+                    <a:lnR w="12700" cap="flat" cmpd="sng" algn="ctr">
+                      <a:solidFill>
+                        <a:srgbClr val="000000"/>
+                      </a:solidFill>
+                      <a:prstDash val="solid"/>
+                      <a:round/>
+                      <a:headEnd type="none" w="med" len="med"/>
+                      <a:tailEnd type="none" w="med" len="med"/>
+                    </a:lnR>
+                    <a:lnT w="6350" cap="flat" cmpd="sng" algn="ctr">
+                      <a:solidFill>
+                        <a:srgbClr val="000000"/>
+                      </a:solidFill>
+                      <a:prstDash val="solid"/>
+                      <a:round/>
+                      <a:headEnd type="none" w="med" len="med"/>
+                      <a:tailEnd type="none" w="med" len="med"/>
+                    </a:lnT>
+                    <a:lnB w="6350" cap="flat" cmpd="sng" algn="ctr">
+                      <a:solidFill>
+                        <a:srgbClr val="000000"/>
+                      </a:solidFill>
+                      <a:prstDash val="solid"/>
+                      <a:round/>
+                      <a:headEnd type="none" w="med" len="med"/>
+                      <a:tailEnd type="none" w="med" len="med"/>
+                    </a:lnB>
+                  </a:tcPr>
+                </a:tc>
+                <a:extLst>
+                  <a:ext uri="{0D108BD9-81ED-4DB2-BD59-A6C34878D82A}">
+                    <a16:rowId xmlns:a16="http://schemas.microsoft.com/office/drawing/2014/main" val="1341247801"/>
+                  </a:ext>
+                </a:extLst>
+              </a:tr>
+              <a:tr h="185367">
+                <a:tc>
+                  <a:txBody>
+                    <a:bodyPr/>
+                    <a:lstStyle/>
+                    <a:p>
+                      <a:pPr algn="l" fontAlgn="b"/>
+                      <a:r>
+                        <a:rPr lang="de-DE" sz="700" b="1" i="0" u="none" strike="noStrike">
+                          <a:solidFill>
+                            <a:srgbClr val="000000"/>
+                          </a:solidFill>
+                          <a:effectLst/>
+                          <a:latin typeface="Calibri" panose="020F0502020204030204" pitchFamily="34" charset="0"/>
+                        </a:rPr>
+                        <a:t>BMS-300</a:t>
+                      </a:r>
+                    </a:p>
+                  </a:txBody>
+                  <a:tcPr marL="6298" marR="6298" marT="6298" marB="0" anchor="b">
+                    <a:lnL w="12700" cap="flat" cmpd="sng" algn="ctr">
+                      <a:solidFill>
+                        <a:srgbClr val="000000"/>
+                      </a:solidFill>
+                      <a:prstDash val="solid"/>
+                      <a:round/>
+                      <a:headEnd type="none" w="med" len="med"/>
+                      <a:tailEnd type="none" w="med" len="med"/>
+                    </a:lnL>
+                    <a:lnR w="6350" cap="flat" cmpd="sng" algn="ctr">
+                      <a:solidFill>
+                        <a:srgbClr val="000000"/>
+                      </a:solidFill>
+                      <a:prstDash val="solid"/>
+                      <a:round/>
+                      <a:headEnd type="none" w="med" len="med"/>
+                      <a:tailEnd type="none" w="med" len="med"/>
+                    </a:lnR>
+                    <a:lnT w="6350" cap="flat" cmpd="sng" algn="ctr">
+                      <a:solidFill>
+                        <a:srgbClr val="000000"/>
+                      </a:solidFill>
+                      <a:prstDash val="solid"/>
+                      <a:round/>
+                      <a:headEnd type="none" w="med" len="med"/>
+                      <a:tailEnd type="none" w="med" len="med"/>
+                    </a:lnT>
+                    <a:lnB w="6350" cap="flat" cmpd="sng" algn="ctr">
+                      <a:solidFill>
+                        <a:srgbClr val="000000"/>
+                      </a:solidFill>
+                      <a:prstDash val="solid"/>
+                      <a:round/>
+                      <a:headEnd type="none" w="med" len="med"/>
+                      <a:tailEnd type="none" w="med" len="med"/>
+                    </a:lnB>
+                    <a:solidFill>
+                      <a:srgbClr val="BFBFBF"/>
+                    </a:solidFill>
+                  </a:tcPr>
+                </a:tc>
+                <a:tc>
+                  <a:txBody>
+                    <a:bodyPr/>
+                    <a:lstStyle/>
+                    <a:p>
+                      <a:pPr algn="l" fontAlgn="b"/>
+                      <a:r>
+                        <a:rPr lang="de-DE" sz="700" b="1" i="0" u="none" strike="noStrike">
+                          <a:solidFill>
+                            <a:srgbClr val="000000"/>
+                          </a:solidFill>
+                          <a:effectLst/>
+                          <a:latin typeface="Calibri" panose="020F0502020204030204" pitchFamily="34" charset="0"/>
+                        </a:rPr>
+                        <a:t>Überschrift</a:t>
+                      </a:r>
+                    </a:p>
+                  </a:txBody>
+                  <a:tcPr marL="6298" marR="6298" marT="6298" marB="0" anchor="b">
+                    <a:lnL w="6350" cap="flat" cmpd="sng" algn="ctr">
+                      <a:solidFill>
+                        <a:srgbClr val="000000"/>
+                      </a:solidFill>
+                      <a:prstDash val="solid"/>
+                      <a:round/>
+                      <a:headEnd type="none" w="med" len="med"/>
+                      <a:tailEnd type="none" w="med" len="med"/>
+                    </a:lnL>
+                    <a:lnR w="6350" cap="flat" cmpd="sng" algn="ctr">
+                      <a:solidFill>
+                        <a:srgbClr val="000000"/>
+                      </a:solidFill>
+                      <a:prstDash val="solid"/>
+                      <a:round/>
+                      <a:headEnd type="none" w="med" len="med"/>
+                      <a:tailEnd type="none" w="med" len="med"/>
+                    </a:lnR>
+                    <a:lnT w="6350" cap="flat" cmpd="sng" algn="ctr">
+                      <a:solidFill>
+                        <a:srgbClr val="000000"/>
+                      </a:solidFill>
+                      <a:prstDash val="solid"/>
+                      <a:round/>
+                      <a:headEnd type="none" w="med" len="med"/>
+                      <a:tailEnd type="none" w="med" len="med"/>
+                    </a:lnT>
+                    <a:lnB w="6350" cap="flat" cmpd="sng" algn="ctr">
+                      <a:solidFill>
+                        <a:srgbClr val="000000"/>
+                      </a:solidFill>
+                      <a:prstDash val="solid"/>
+                      <a:round/>
+                      <a:headEnd type="none" w="med" len="med"/>
+                      <a:tailEnd type="none" w="med" len="med"/>
+                    </a:lnB>
+                    <a:solidFill>
+                      <a:srgbClr val="BFBFBF"/>
+                    </a:solidFill>
+                  </a:tcPr>
+                </a:tc>
+                <a:tc>
+                  <a:txBody>
+                    <a:bodyPr/>
+                    <a:lstStyle/>
+                    <a:p>
+                      <a:pPr algn="l" fontAlgn="b"/>
+                      <a:r>
+                        <a:rPr lang="de-DE" sz="700" b="1" i="0" u="none" strike="noStrike">
+                          <a:solidFill>
+                            <a:srgbClr val="000000"/>
+                          </a:solidFill>
+                          <a:effectLst/>
+                          <a:latin typeface="Calibri" panose="020F0502020204030204" pitchFamily="34" charset="0"/>
+                        </a:rPr>
+                        <a:t>Fehlerdiagnose</a:t>
+                      </a:r>
+                    </a:p>
+                  </a:txBody>
+                  <a:tcPr marL="6298" marR="6298" marT="6298" marB="0" anchor="b">
+                    <a:lnL w="6350" cap="flat" cmpd="sng" algn="ctr">
+                      <a:solidFill>
+                        <a:srgbClr val="000000"/>
+                      </a:solidFill>
+                      <a:prstDash val="solid"/>
+                      <a:round/>
+                      <a:headEnd type="none" w="med" len="med"/>
+                      <a:tailEnd type="none" w="med" len="med"/>
+                    </a:lnL>
+                    <a:lnR w="12700" cap="flat" cmpd="sng" algn="ctr">
+                      <a:solidFill>
+                        <a:srgbClr val="000000"/>
+                      </a:solidFill>
+                      <a:prstDash val="solid"/>
+                      <a:round/>
+                      <a:headEnd type="none" w="med" len="med"/>
+                      <a:tailEnd type="none" w="med" len="med"/>
+                    </a:lnR>
+                    <a:lnT w="6350" cap="flat" cmpd="sng" algn="ctr">
+                      <a:solidFill>
+                        <a:srgbClr val="000000"/>
+                      </a:solidFill>
+                      <a:prstDash val="solid"/>
+                      <a:round/>
+                      <a:headEnd type="none" w="med" len="med"/>
+                      <a:tailEnd type="none" w="med" len="med"/>
+                    </a:lnT>
+                    <a:lnB w="6350" cap="flat" cmpd="sng" algn="ctr">
+                      <a:solidFill>
+                        <a:srgbClr val="000000"/>
+                      </a:solidFill>
+                      <a:prstDash val="solid"/>
+                      <a:round/>
+                      <a:headEnd type="none" w="med" len="med"/>
+                      <a:tailEnd type="none" w="med" len="med"/>
+                    </a:lnB>
+                    <a:solidFill>
+                      <a:srgbClr val="BFBFBF"/>
+                    </a:solidFill>
+                  </a:tcPr>
+                </a:tc>
+                <a:extLst>
+                  <a:ext uri="{0D108BD9-81ED-4DB2-BD59-A6C34878D82A}">
+                    <a16:rowId xmlns:a16="http://schemas.microsoft.com/office/drawing/2014/main" val="596675053"/>
+                  </a:ext>
+                </a:extLst>
+              </a:tr>
+              <a:tr h="185367">
+                <a:tc>
+                  <a:txBody>
+                    <a:bodyPr/>
+                    <a:lstStyle/>
+                    <a:p>
+                      <a:pPr algn="l" fontAlgn="b"/>
+                      <a:r>
+                        <a:rPr lang="de-DE" sz="700" b="0" i="0" u="none" strike="noStrike">
+                          <a:solidFill>
+                            <a:srgbClr val="000000"/>
+                          </a:solidFill>
+                          <a:effectLst/>
+                          <a:latin typeface="Calibri" panose="020F0502020204030204" pitchFamily="34" charset="0"/>
+                        </a:rPr>
+                        <a:t>BMS-301</a:t>
+                      </a:r>
+                    </a:p>
+                  </a:txBody>
+                  <a:tcPr marL="6298" marR="6298" marT="6298" marB="0" anchor="b">
+                    <a:lnL w="12700" cap="flat" cmpd="sng" algn="ctr">
+                      <a:solidFill>
+                        <a:srgbClr val="000000"/>
+                      </a:solidFill>
+                      <a:prstDash val="solid"/>
+                      <a:round/>
+                      <a:headEnd type="none" w="med" len="med"/>
+                      <a:tailEnd type="none" w="med" len="med"/>
+                    </a:lnL>
+                    <a:lnR w="6350" cap="flat" cmpd="sng" algn="ctr">
+                      <a:solidFill>
+                        <a:srgbClr val="000000"/>
+                      </a:solidFill>
+                      <a:prstDash val="solid"/>
+                      <a:round/>
+                      <a:headEnd type="none" w="med" len="med"/>
+                      <a:tailEnd type="none" w="med" len="med"/>
+                    </a:lnR>
+                    <a:lnT w="6350" cap="flat" cmpd="sng" algn="ctr">
+                      <a:solidFill>
+                        <a:srgbClr val="000000"/>
+                      </a:solidFill>
+                      <a:prstDash val="solid"/>
+                      <a:round/>
+                      <a:headEnd type="none" w="med" len="med"/>
+                      <a:tailEnd type="none" w="med" len="med"/>
+                    </a:lnT>
+                    <a:lnB w="6350" cap="flat" cmpd="sng" algn="ctr">
+                      <a:solidFill>
+                        <a:srgbClr val="000000"/>
+                      </a:solidFill>
+                      <a:prstDash val="solid"/>
+                      <a:round/>
+                      <a:headEnd type="none" w="med" len="med"/>
+                      <a:tailEnd type="none" w="med" len="med"/>
+                    </a:lnB>
+                  </a:tcPr>
+                </a:tc>
+                <a:tc>
+                  <a:txBody>
+                    <a:bodyPr/>
+                    <a:lstStyle/>
+                    <a:p>
+                      <a:pPr algn="l" fontAlgn="b"/>
+                      <a:r>
+                        <a:rPr lang="de-DE" sz="700" b="0" i="0" u="none" strike="noStrike">
+                          <a:solidFill>
+                            <a:srgbClr val="000000"/>
+                          </a:solidFill>
+                          <a:effectLst/>
+                          <a:latin typeface="Calibri" panose="020F0502020204030204" pitchFamily="34" charset="0"/>
+                        </a:rPr>
+                        <a:t>Anforderung</a:t>
+                      </a:r>
+                    </a:p>
+                  </a:txBody>
+                  <a:tcPr marL="6298" marR="6298" marT="6298" marB="0" anchor="b">
+                    <a:lnL w="6350" cap="flat" cmpd="sng" algn="ctr">
+                      <a:solidFill>
+                        <a:srgbClr val="000000"/>
+                      </a:solidFill>
+                      <a:prstDash val="solid"/>
+                      <a:round/>
+                      <a:headEnd type="none" w="med" len="med"/>
+                      <a:tailEnd type="none" w="med" len="med"/>
+                    </a:lnL>
+                    <a:lnR w="6350" cap="flat" cmpd="sng" algn="ctr">
+                      <a:solidFill>
+                        <a:srgbClr val="000000"/>
+                      </a:solidFill>
+                      <a:prstDash val="solid"/>
+                      <a:round/>
+                      <a:headEnd type="none" w="med" len="med"/>
+                      <a:tailEnd type="none" w="med" len="med"/>
+                    </a:lnR>
+                    <a:lnT w="6350" cap="flat" cmpd="sng" algn="ctr">
+                      <a:solidFill>
+                        <a:srgbClr val="000000"/>
+                      </a:solidFill>
+                      <a:prstDash val="solid"/>
+                      <a:round/>
+                      <a:headEnd type="none" w="med" len="med"/>
+                      <a:tailEnd type="none" w="med" len="med"/>
+                    </a:lnT>
+                    <a:lnB w="6350" cap="flat" cmpd="sng" algn="ctr">
+                      <a:solidFill>
+                        <a:srgbClr val="000000"/>
+                      </a:solidFill>
+                      <a:prstDash val="solid"/>
+                      <a:round/>
+                      <a:headEnd type="none" w="med" len="med"/>
+                      <a:tailEnd type="none" w="med" len="med"/>
+                    </a:lnB>
+                  </a:tcPr>
+                </a:tc>
+                <a:tc>
+                  <a:txBody>
+                    <a:bodyPr/>
+                    <a:lstStyle/>
+                    <a:p>
+                      <a:pPr algn="l" fontAlgn="b"/>
+                      <a:r>
+                        <a:rPr lang="de-DE" sz="700" b="0" i="0" u="none" strike="noStrike">
+                          <a:solidFill>
+                            <a:srgbClr val="000000"/>
+                          </a:solidFill>
+                          <a:effectLst/>
+                          <a:latin typeface="Calibri" panose="020F0502020204030204" pitchFamily="34" charset="0"/>
+                        </a:rPr>
+                        <a:t>Das BMS soll die Zellspannungen und Temperaturen auf Fehler wie Kabelbrüche und Kurzschlüsse hin untersuchen. Dazu ist ein Konzept auszuarbeiten und vorzuschlagen</a:t>
+                      </a:r>
+                    </a:p>
+                  </a:txBody>
+                  <a:tcPr marL="6298" marR="6298" marT="6298" marB="0" anchor="b">
+                    <a:lnL w="6350" cap="flat" cmpd="sng" algn="ctr">
+                      <a:solidFill>
+                        <a:srgbClr val="000000"/>
+                      </a:solidFill>
+                      <a:prstDash val="solid"/>
+                      <a:round/>
+                      <a:headEnd type="none" w="med" len="med"/>
+                      <a:tailEnd type="none" w="med" len="med"/>
+                    </a:lnL>
+                    <a:lnR w="12700" cap="flat" cmpd="sng" algn="ctr">
+                      <a:solidFill>
+                        <a:srgbClr val="000000"/>
+                      </a:solidFill>
+                      <a:prstDash val="solid"/>
+                      <a:round/>
+                      <a:headEnd type="none" w="med" len="med"/>
+                      <a:tailEnd type="none" w="med" len="med"/>
+                    </a:lnR>
+                    <a:lnT w="6350" cap="flat" cmpd="sng" algn="ctr">
+                      <a:solidFill>
+                        <a:srgbClr val="000000"/>
+                      </a:solidFill>
+                      <a:prstDash val="solid"/>
+                      <a:round/>
+                      <a:headEnd type="none" w="med" len="med"/>
+                      <a:tailEnd type="none" w="med" len="med"/>
+                    </a:lnT>
+                    <a:lnB w="6350" cap="flat" cmpd="sng" algn="ctr">
+                      <a:solidFill>
+                        <a:srgbClr val="000000"/>
+                      </a:solidFill>
+                      <a:prstDash val="solid"/>
+                      <a:round/>
+                      <a:headEnd type="none" w="med" len="med"/>
+                      <a:tailEnd type="none" w="med" len="med"/>
+                    </a:lnB>
+                  </a:tcPr>
+                </a:tc>
+                <a:extLst>
+                  <a:ext uri="{0D108BD9-81ED-4DB2-BD59-A6C34878D82A}">
+                    <a16:rowId xmlns:a16="http://schemas.microsoft.com/office/drawing/2014/main" val="313586376"/>
+                  </a:ext>
+                </a:extLst>
+              </a:tr>
+              <a:tr h="185367">
+                <a:tc>
+                  <a:txBody>
+                    <a:bodyPr/>
+                    <a:lstStyle/>
+                    <a:p>
+                      <a:pPr algn="l" fontAlgn="b"/>
+                      <a:r>
+                        <a:rPr lang="de-DE" sz="700" b="1" i="0" u="none" strike="noStrike">
+                          <a:solidFill>
+                            <a:srgbClr val="000000"/>
+                          </a:solidFill>
+                          <a:effectLst/>
+                          <a:latin typeface="Calibri" panose="020F0502020204030204" pitchFamily="34" charset="0"/>
+                        </a:rPr>
+                        <a:t>BMS-400</a:t>
+                      </a:r>
+                    </a:p>
+                  </a:txBody>
+                  <a:tcPr marL="6298" marR="6298" marT="6298" marB="0" anchor="b">
+                    <a:lnL w="12700" cap="flat" cmpd="sng" algn="ctr">
+                      <a:solidFill>
+                        <a:srgbClr val="000000"/>
+                      </a:solidFill>
+                      <a:prstDash val="solid"/>
+                      <a:round/>
+                      <a:headEnd type="none" w="med" len="med"/>
+                      <a:tailEnd type="none" w="med" len="med"/>
+                    </a:lnL>
+                    <a:lnR w="6350" cap="flat" cmpd="sng" algn="ctr">
+                      <a:solidFill>
+                        <a:srgbClr val="000000"/>
+                      </a:solidFill>
+                      <a:prstDash val="solid"/>
+                      <a:round/>
+                      <a:headEnd type="none" w="med" len="med"/>
+                      <a:tailEnd type="none" w="med" len="med"/>
+                    </a:lnR>
+                    <a:lnT w="6350" cap="flat" cmpd="sng" algn="ctr">
+                      <a:solidFill>
+                        <a:srgbClr val="000000"/>
+                      </a:solidFill>
+                      <a:prstDash val="solid"/>
+                      <a:round/>
+                      <a:headEnd type="none" w="med" len="med"/>
+                      <a:tailEnd type="none" w="med" len="med"/>
+                    </a:lnT>
+                    <a:lnB w="6350" cap="flat" cmpd="sng" algn="ctr">
+                      <a:solidFill>
+                        <a:srgbClr val="000000"/>
+                      </a:solidFill>
+                      <a:prstDash val="solid"/>
+                      <a:round/>
+                      <a:headEnd type="none" w="med" len="med"/>
+                      <a:tailEnd type="none" w="med" len="med"/>
+                    </a:lnB>
+                    <a:solidFill>
+                      <a:srgbClr val="BFBFBF"/>
+                    </a:solidFill>
+                  </a:tcPr>
+                </a:tc>
+                <a:tc>
+                  <a:txBody>
+                    <a:bodyPr/>
+                    <a:lstStyle/>
+                    <a:p>
+                      <a:pPr algn="l" fontAlgn="b"/>
+                      <a:r>
+                        <a:rPr lang="de-DE" sz="700" b="1" i="0" u="none" strike="noStrike">
+                          <a:solidFill>
+                            <a:srgbClr val="000000"/>
+                          </a:solidFill>
+                          <a:effectLst/>
+                          <a:latin typeface="Calibri" panose="020F0502020204030204" pitchFamily="34" charset="0"/>
+                        </a:rPr>
+                        <a:t>Überschrift</a:t>
+                      </a:r>
+                    </a:p>
+                  </a:txBody>
+                  <a:tcPr marL="6298" marR="6298" marT="6298" marB="0" anchor="b">
+                    <a:lnL w="6350" cap="flat" cmpd="sng" algn="ctr">
+                      <a:solidFill>
+                        <a:srgbClr val="000000"/>
+                      </a:solidFill>
+                      <a:prstDash val="solid"/>
+                      <a:round/>
+                      <a:headEnd type="none" w="med" len="med"/>
+                      <a:tailEnd type="none" w="med" len="med"/>
+                    </a:lnL>
+                    <a:lnR w="6350" cap="flat" cmpd="sng" algn="ctr">
+                      <a:solidFill>
+                        <a:srgbClr val="000000"/>
+                      </a:solidFill>
+                      <a:prstDash val="solid"/>
+                      <a:round/>
+                      <a:headEnd type="none" w="med" len="med"/>
+                      <a:tailEnd type="none" w="med" len="med"/>
+                    </a:lnR>
+                    <a:lnT w="6350" cap="flat" cmpd="sng" algn="ctr">
+                      <a:solidFill>
+                        <a:srgbClr val="000000"/>
+                      </a:solidFill>
+                      <a:prstDash val="solid"/>
+                      <a:round/>
+                      <a:headEnd type="none" w="med" len="med"/>
+                      <a:tailEnd type="none" w="med" len="med"/>
+                    </a:lnT>
+                    <a:lnB w="6350" cap="flat" cmpd="sng" algn="ctr">
+                      <a:solidFill>
+                        <a:srgbClr val="000000"/>
+                      </a:solidFill>
+                      <a:prstDash val="solid"/>
+                      <a:round/>
+                      <a:headEnd type="none" w="med" len="med"/>
+                      <a:tailEnd type="none" w="med" len="med"/>
+                    </a:lnB>
+                    <a:solidFill>
+                      <a:srgbClr val="BFBFBF"/>
+                    </a:solidFill>
+                  </a:tcPr>
+                </a:tc>
+                <a:tc>
+                  <a:txBody>
+                    <a:bodyPr/>
+                    <a:lstStyle/>
+                    <a:p>
+                      <a:pPr algn="l" fontAlgn="b"/>
+                      <a:r>
+                        <a:rPr lang="de-DE" sz="700" b="1" i="0" u="none" strike="noStrike">
+                          <a:solidFill>
+                            <a:srgbClr val="000000"/>
+                          </a:solidFill>
+                          <a:effectLst/>
+                          <a:latin typeface="Calibri" panose="020F0502020204030204" pitchFamily="34" charset="0"/>
+                        </a:rPr>
+                        <a:t>Informationsdarstellung auf Display</a:t>
+                      </a:r>
+                    </a:p>
+                  </a:txBody>
+                  <a:tcPr marL="6298" marR="6298" marT="6298" marB="0" anchor="b">
+                    <a:lnL w="6350" cap="flat" cmpd="sng" algn="ctr">
+                      <a:solidFill>
+                        <a:srgbClr val="000000"/>
+                      </a:solidFill>
+                      <a:prstDash val="solid"/>
+                      <a:round/>
+                      <a:headEnd type="none" w="med" len="med"/>
+                      <a:tailEnd type="none" w="med" len="med"/>
+                    </a:lnL>
+                    <a:lnR w="12700" cap="flat" cmpd="sng" algn="ctr">
+                      <a:solidFill>
+                        <a:srgbClr val="000000"/>
+                      </a:solidFill>
+                      <a:prstDash val="solid"/>
+                      <a:round/>
+                      <a:headEnd type="none" w="med" len="med"/>
+                      <a:tailEnd type="none" w="med" len="med"/>
+                    </a:lnR>
+                    <a:lnT w="6350" cap="flat" cmpd="sng" algn="ctr">
+                      <a:solidFill>
+                        <a:srgbClr val="000000"/>
+                      </a:solidFill>
+                      <a:prstDash val="solid"/>
+                      <a:round/>
+                      <a:headEnd type="none" w="med" len="med"/>
+                      <a:tailEnd type="none" w="med" len="med"/>
+                    </a:lnT>
+                    <a:lnB w="6350" cap="flat" cmpd="sng" algn="ctr">
+                      <a:solidFill>
+                        <a:srgbClr val="000000"/>
+                      </a:solidFill>
+                      <a:prstDash val="solid"/>
+                      <a:round/>
+                      <a:headEnd type="none" w="med" len="med"/>
+                      <a:tailEnd type="none" w="med" len="med"/>
+                    </a:lnB>
+                    <a:solidFill>
+                      <a:srgbClr val="BFBFBF"/>
+                    </a:solidFill>
+                  </a:tcPr>
+                </a:tc>
+                <a:extLst>
+                  <a:ext uri="{0D108BD9-81ED-4DB2-BD59-A6C34878D82A}">
+                    <a16:rowId xmlns:a16="http://schemas.microsoft.com/office/drawing/2014/main" val="4136050059"/>
+                  </a:ext>
+                </a:extLst>
+              </a:tr>
+              <a:tr h="194635">
+                <a:tc>
+                  <a:txBody>
+                    <a:bodyPr/>
+                    <a:lstStyle/>
+                    <a:p>
+                      <a:pPr algn="l" fontAlgn="b"/>
+                      <a:r>
+                        <a:rPr lang="de-DE" sz="700" b="0" i="0" u="none" strike="noStrike">
+                          <a:solidFill>
+                            <a:srgbClr val="000000"/>
+                          </a:solidFill>
+                          <a:effectLst/>
+                          <a:latin typeface="Calibri" panose="020F0502020204030204" pitchFamily="34" charset="0"/>
+                        </a:rPr>
+                        <a:t>BMS-401</a:t>
+                      </a:r>
+                    </a:p>
+                  </a:txBody>
+                  <a:tcPr marL="6298" marR="6298" marT="6298" marB="0" anchor="b">
+                    <a:lnL w="12700" cap="flat" cmpd="sng" algn="ctr">
+                      <a:solidFill>
+                        <a:srgbClr val="000000"/>
+                      </a:solidFill>
+                      <a:prstDash val="solid"/>
+                      <a:round/>
+                      <a:headEnd type="none" w="med" len="med"/>
+                      <a:tailEnd type="none" w="med" len="med"/>
+                    </a:lnL>
+                    <a:lnR w="6350" cap="flat" cmpd="sng" algn="ctr">
+                      <a:solidFill>
+                        <a:srgbClr val="000000"/>
+                      </a:solidFill>
+                      <a:prstDash val="solid"/>
+                      <a:round/>
+                      <a:headEnd type="none" w="med" len="med"/>
+                      <a:tailEnd type="none" w="med" len="med"/>
+                    </a:lnR>
+                    <a:lnT w="6350" cap="flat" cmpd="sng" algn="ctr">
+                      <a:solidFill>
+                        <a:srgbClr val="000000"/>
+                      </a:solidFill>
+                      <a:prstDash val="solid"/>
+                      <a:round/>
+                      <a:headEnd type="none" w="med" len="med"/>
+                      <a:tailEnd type="none" w="med" len="med"/>
+                    </a:lnT>
+                    <a:lnB w="12700" cap="flat" cmpd="sng" algn="ctr">
+                      <a:solidFill>
+                        <a:srgbClr val="000000"/>
+                      </a:solidFill>
+                      <a:prstDash val="solid"/>
+                      <a:round/>
+                      <a:headEnd type="none" w="med" len="med"/>
+                      <a:tailEnd type="none" w="med" len="med"/>
+                    </a:lnB>
+                  </a:tcPr>
+                </a:tc>
+                <a:tc>
+                  <a:txBody>
+                    <a:bodyPr/>
+                    <a:lstStyle/>
+                    <a:p>
+                      <a:pPr algn="l" fontAlgn="b"/>
+                      <a:r>
+                        <a:rPr lang="de-DE" sz="700" b="0" i="0" u="none" strike="noStrike">
+                          <a:solidFill>
+                            <a:srgbClr val="000000"/>
+                          </a:solidFill>
+                          <a:effectLst/>
+                          <a:latin typeface="Calibri" panose="020F0502020204030204" pitchFamily="34" charset="0"/>
+                        </a:rPr>
+                        <a:t>Anforderung</a:t>
+                      </a:r>
+                    </a:p>
+                  </a:txBody>
+                  <a:tcPr marL="6298" marR="6298" marT="6298" marB="0" anchor="b">
+                    <a:lnL w="6350" cap="flat" cmpd="sng" algn="ctr">
+                      <a:solidFill>
+                        <a:srgbClr val="000000"/>
+                      </a:solidFill>
+                      <a:prstDash val="solid"/>
+                      <a:round/>
+                      <a:headEnd type="none" w="med" len="med"/>
+                      <a:tailEnd type="none" w="med" len="med"/>
+                    </a:lnL>
+                    <a:lnR w="6350" cap="flat" cmpd="sng" algn="ctr">
+                      <a:solidFill>
+                        <a:srgbClr val="000000"/>
+                      </a:solidFill>
+                      <a:prstDash val="solid"/>
+                      <a:round/>
+                      <a:headEnd type="none" w="med" len="med"/>
+                      <a:tailEnd type="none" w="med" len="med"/>
+                    </a:lnR>
+                    <a:lnT w="6350" cap="flat" cmpd="sng" algn="ctr">
+                      <a:solidFill>
+                        <a:srgbClr val="000000"/>
+                      </a:solidFill>
+                      <a:prstDash val="solid"/>
+                      <a:round/>
+                      <a:headEnd type="none" w="med" len="med"/>
+                      <a:tailEnd type="none" w="med" len="med"/>
+                    </a:lnT>
+                    <a:lnB w="12700" cap="flat" cmpd="sng" algn="ctr">
+                      <a:solidFill>
+                        <a:srgbClr val="000000"/>
+                      </a:solidFill>
+                      <a:prstDash val="solid"/>
+                      <a:round/>
+                      <a:headEnd type="none" w="med" len="med"/>
+                      <a:tailEnd type="none" w="med" len="med"/>
+                    </a:lnB>
+                  </a:tcPr>
+                </a:tc>
+                <a:tc>
+                  <a:txBody>
+                    <a:bodyPr/>
+                    <a:lstStyle/>
+                    <a:p>
+                      <a:pPr algn="l" fontAlgn="b"/>
+                      <a:r>
+                        <a:rPr lang="de-DE" sz="700" b="0" i="0" u="none" strike="noStrike" dirty="0">
+                          <a:solidFill>
+                            <a:srgbClr val="000000"/>
+                          </a:solidFill>
+                          <a:effectLst/>
+                          <a:latin typeface="Calibri" panose="020F0502020204030204" pitchFamily="34" charset="0"/>
+                        </a:rPr>
+                        <a:t>Das BMS soll alle notwendigen Informationen auf dem Display darstellen. Dazu ist ein Konzept auszuarbeiten und vorzuschlagen</a:t>
+                      </a:r>
+                    </a:p>
+                  </a:txBody>
+                  <a:tcPr marL="6298" marR="6298" marT="6298" marB="0" anchor="b">
+                    <a:lnL w="6350" cap="flat" cmpd="sng" algn="ctr">
+                      <a:solidFill>
+                        <a:srgbClr val="000000"/>
+                      </a:solidFill>
+                      <a:prstDash val="solid"/>
+                      <a:round/>
+                      <a:headEnd type="none" w="med" len="med"/>
+                      <a:tailEnd type="none" w="med" len="med"/>
+                    </a:lnL>
+                    <a:lnR w="12700" cap="flat" cmpd="sng" algn="ctr">
+                      <a:solidFill>
+                        <a:srgbClr val="000000"/>
+                      </a:solidFill>
+                      <a:prstDash val="solid"/>
+                      <a:round/>
+                      <a:headEnd type="none" w="med" len="med"/>
+                      <a:tailEnd type="none" w="med" len="med"/>
+                    </a:lnR>
+                    <a:lnT w="6350" cap="flat" cmpd="sng" algn="ctr">
+                      <a:solidFill>
+                        <a:srgbClr val="000000"/>
+                      </a:solidFill>
+                      <a:prstDash val="solid"/>
+                      <a:round/>
+                      <a:headEnd type="none" w="med" len="med"/>
+                      <a:tailEnd type="none" w="med" len="med"/>
+                    </a:lnT>
+                    <a:lnB w="12700" cap="flat" cmpd="sng" algn="ctr">
+                      <a:solidFill>
+                        <a:srgbClr val="000000"/>
+                      </a:solidFill>
+                      <a:prstDash val="solid"/>
+                      <a:round/>
+                      <a:headEnd type="none" w="med" len="med"/>
+                      <a:tailEnd type="none" w="med" len="med"/>
+                    </a:lnB>
+                  </a:tcPr>
+                </a:tc>
+                <a:extLst>
+                  <a:ext uri="{0D108BD9-81ED-4DB2-BD59-A6C34878D82A}">
+                    <a16:rowId xmlns:a16="http://schemas.microsoft.com/office/drawing/2014/main" val="1214352620"/>
+                  </a:ext>
+                </a:extLst>
+              </a:tr>
+            </a:tbl>
+          </a:graphicData>
+        </a:graphic>
+      </p:graphicFrame>
+    </p:spTree>
+    <p:extLst>
+      <p:ext uri="{BB962C8B-B14F-4D97-AF65-F5344CB8AC3E}">
+        <p14:creationId xmlns:p14="http://schemas.microsoft.com/office/powerpoint/2010/main" val="2817361613"/>
+      </p:ext>
+    </p:extLst>
+  </p:cSld>
+  <p:clrMapOvr>
+    <a:masterClrMapping/>
+  </p:clrMapOvr>
+</p:sld>
+</file>
+
+<file path=ppt/slides/slide5.xml><?xml version="1.0" encoding="utf-8"?>
+<p:sld xmlns:a="http://schemas.openxmlformats.org/drawingml/2006/main" xmlns:r="http://schemas.openxmlformats.org/officeDocument/2006/relationships" xmlns:p="http://schemas.openxmlformats.org/presentationml/2006/main">
+  <p:cSld>
+    <p:spTree>
+      <p:nvGrpSpPr>
+        <p:cNvPr id="1" name=""/>
+        <p:cNvGrpSpPr/>
+        <p:nvPr/>
+      </p:nvGrpSpPr>
+      <p:grpSpPr>
+        <a:xfrm>
+          <a:off x="0" y="0"/>
+          <a:ext cx="0" cy="0"/>
+          <a:chOff x="0" y="0"/>
+          <a:chExt cx="0" cy="0"/>
+        </a:xfrm>
+      </p:grpSpPr>
+      <p:sp>
+        <p:nvSpPr>
+          <p:cNvPr id="18" name="Foliennummernplatzhalter 17"/>
+          <p:cNvSpPr txBox="1">
+            <a:spLocks noGrp="1"/>
+          </p:cNvSpPr>
+          <p:nvPr/>
+        </p:nvSpPr>
+        <p:spPr>
+          <a:xfrm>
+            <a:off x="6553200" y="6356350"/>
+            <a:ext cx="2133600" cy="365125"/>
+          </a:xfrm>
+          <a:prstGeom prst="rect">
+            <a:avLst/>
+          </a:prstGeom>
+          <a:noFill/>
+        </p:spPr>
+        <p:txBody>
+          <a:bodyPr anchor="ctr"/>
+          <a:lstStyle/>
+          <a:p>
+            <a:pPr algn="r" fontAlgn="auto">
+              <a:spcBef>
+                <a:spcPts val="0"/>
+              </a:spcBef>
+              <a:spcAft>
+                <a:spcPts val="0"/>
+              </a:spcAft>
+              <a:defRPr/>
+            </a:pPr>
+            <a:fld id="{DAF3A313-D66B-4357-A41A-5240B2F93707}" type="slidenum">
+              <a:rPr lang="de-DE" sz="1600" b="1">
+                <a:solidFill>
+                  <a:schemeClr val="tx1">
+                    <a:lumMod val="85000"/>
+                    <a:lumOff val="15000"/>
+                  </a:schemeClr>
+                </a:solidFill>
+                <a:latin typeface="+mn-lt"/>
+                <a:cs typeface="+mn-cs"/>
+              </a:rPr>
+              <a:pPr algn="r" fontAlgn="auto">
+                <a:spcBef>
+                  <a:spcPts val="0"/>
+                </a:spcBef>
+                <a:spcAft>
+                  <a:spcPts val="0"/>
+                </a:spcAft>
+                <a:defRPr/>
+              </a:pPr>
+              <a:t>5</a:t>
+            </a:fld>
+            <a:endParaRPr lang="de-DE" sz="1600" b="1" dirty="0">
+              <a:solidFill>
+                <a:schemeClr val="tx1">
+                  <a:lumMod val="85000"/>
+                  <a:lumOff val="15000"/>
+                </a:schemeClr>
+              </a:solidFill>
+              <a:latin typeface="+mn-lt"/>
+              <a:cs typeface="+mn-cs"/>
+            </a:endParaRPr>
+          </a:p>
+        </p:txBody>
+      </p:sp>
+      <p:sp>
+        <p:nvSpPr>
+          <p:cNvPr id="29701" name="Text Box 9"/>
+          <p:cNvSpPr txBox="1">
+            <a:spLocks noChangeArrowheads="1"/>
+          </p:cNvSpPr>
+          <p:nvPr/>
+        </p:nvSpPr>
+        <p:spPr bwMode="auto">
+          <a:xfrm>
+            <a:off x="-1065213" y="3305175"/>
+            <a:ext cx="184150" cy="366713"/>
+          </a:xfrm>
+          <a:prstGeom prst="rect">
+            <a:avLst/>
+          </a:prstGeom>
+          <a:noFill/>
+          <a:ln w="9525">
+            <a:noFill/>
+            <a:miter lim="800000"/>
+            <a:headEnd/>
+            <a:tailEnd/>
+          </a:ln>
+        </p:spPr>
+        <p:txBody>
+          <a:bodyPr wrap="none">
+            <a:spAutoFit/>
+          </a:bodyPr>
+          <a:lstStyle/>
+          <a:p>
+            <a:endParaRPr lang="de-DE" dirty="0"/>
+          </a:p>
+        </p:txBody>
+      </p:sp>
+      <p:sp>
+        <p:nvSpPr>
+          <p:cNvPr id="13" name="Textfeld 12"/>
+          <p:cNvSpPr txBox="1"/>
+          <p:nvPr/>
+        </p:nvSpPr>
+        <p:spPr>
+          <a:xfrm>
+            <a:off x="323529" y="438420"/>
+            <a:ext cx="6408712" cy="707886"/>
+          </a:xfrm>
+          <a:prstGeom prst="rect">
+            <a:avLst/>
+          </a:prstGeom>
+          <a:noFill/>
+        </p:spPr>
+        <p:txBody>
+          <a:bodyPr wrap="square">
+            <a:spAutoFit/>
+          </a:bodyPr>
+          <a:lstStyle/>
+          <a:p>
+            <a:pPr fontAlgn="auto">
+              <a:spcBef>
+                <a:spcPts val="0"/>
+              </a:spcBef>
+              <a:spcAft>
+                <a:spcPts val="0"/>
+              </a:spcAft>
+              <a:defRPr/>
+            </a:pPr>
+            <a:r>
               <a:rPr lang="de-DE" sz="4000" dirty="0">
                 <a:solidFill>
                   <a:schemeClr val="bg1">
@@ -14466,7 +18653,7 @@
                 <a:latin typeface="+mn-lt"/>
                 <a:cs typeface="+mn-cs"/>
               </a:rPr>
-              <a:t>BMS-Lab</a:t>
+              <a:t>Komponenten</a:t>
             </a:r>
             <a:endParaRPr lang="de-DE" sz="3600" dirty="0">
               <a:solidFill>
@@ -15257,7 +19444,7 @@
 </p:sld>
 </file>
 
-<file path=ppt/slides/slide4.xml><?xml version="1.0" encoding="utf-8"?>
+<file path=ppt/slides/slide6.xml><?xml version="1.0" encoding="utf-8"?>
 <p:sld xmlns:a="http://schemas.openxmlformats.org/drawingml/2006/main" xmlns:r="http://schemas.openxmlformats.org/officeDocument/2006/relationships" xmlns:p="http://schemas.openxmlformats.org/presentationml/2006/main">
   <p:cSld>
     <p:spTree>
@@ -15325,7 +19512,7 @@
                 </a:spcAft>
                 <a:defRPr/>
               </a:pPr>
-              <a:t>4</a:t>
+              <a:t>6</a:t>
             </a:fld>
             <a:endParaRPr lang="de-DE" sz="1600" b="1" dirty="0">
               <a:solidFill>
@@ -15415,7 +19602,7 @@
                 <a:latin typeface="+mn-lt"/>
                 <a:cs typeface="+mn-cs"/>
               </a:rPr>
-              <a:t>BMS-Lab</a:t>
+              <a:t>Komponenten</a:t>
             </a:r>
             <a:endParaRPr lang="de-DE" sz="3600" dirty="0">
               <a:solidFill>
@@ -16128,7 +20315,7 @@
 </p:sld>
 </file>
 
-<file path=ppt/slides/slide5.xml><?xml version="1.0" encoding="utf-8"?>
+<file path=ppt/slides/slide7.xml><?xml version="1.0" encoding="utf-8"?>
 <p:sld xmlns:a="http://schemas.openxmlformats.org/drawingml/2006/main" xmlns:r="http://schemas.openxmlformats.org/officeDocument/2006/relationships" xmlns:p="http://schemas.openxmlformats.org/presentationml/2006/main">
   <p:cSld>
     <p:spTree>
@@ -16196,7 +20383,7 @@
                 </a:spcAft>
                 <a:defRPr/>
               </a:pPr>
-              <a:t>5</a:t>
+              <a:t>7</a:t>
             </a:fld>
             <a:endParaRPr lang="de-DE" sz="1600" b="1" dirty="0">
               <a:solidFill>
@@ -16253,7 +20440,7 @@
         </p:nvSpPr>
         <p:spPr>
           <a:xfrm>
-            <a:off x="323529" y="438420"/>
+            <a:off x="323529" y="373106"/>
             <a:ext cx="6408712" cy="707886"/>
           </a:xfrm>
           <a:prstGeom prst="rect">
@@ -16286,7 +20473,7 @@
                 <a:latin typeface="+mn-lt"/>
                 <a:cs typeface="+mn-cs"/>
               </a:rPr>
-              <a:t>BMS-Lab</a:t>
+              <a:t>Komponenten</a:t>
             </a:r>
             <a:endParaRPr lang="de-DE" sz="3600" dirty="0">
               <a:solidFill>
@@ -16542,7 +20729,7 @@
         <p:spPr>
           <a:xfrm>
             <a:off x="971600" y="4262611"/>
-            <a:ext cx="6984776" cy="1323439"/>
+            <a:ext cx="6984776" cy="1077218"/>
           </a:xfrm>
           <a:prstGeom prst="rect">
             <a:avLst/>
@@ -16580,20 +20767,6 @@
             <a:r>
               <a:rPr lang="de-DE" sz="1600" dirty="0"/>
               <a:t> Controller gesendet werden</a:t>
-            </a:r>
-          </a:p>
-          <a:p>
-            <a:pPr marL="285750" indent="-285750">
-              <a:buFont typeface="Arial" panose="020B0604020202020204" pitchFamily="34" charset="0"/>
-              <a:buChar char="•"/>
-            </a:pPr>
-            <a:r>
-              <a:rPr lang="de-DE" sz="1600" dirty="0">
-                <a:highlight>
-                  <a:srgbClr val="FFFF00"/>
-                </a:highlight>
-              </a:rPr>
-              <a:t>Konzeptausarbeitung optional</a:t>
             </a:r>
           </a:p>
         </p:txBody>
@@ -16939,7 +21112,7 @@
 </p:sld>
 </file>
 
-<file path=ppt/slides/slide6.xml><?xml version="1.0" encoding="utf-8"?>
+<file path=ppt/slides/slide8.xml><?xml version="1.0" encoding="utf-8"?>
 <p:sld xmlns:a="http://schemas.openxmlformats.org/drawingml/2006/main" xmlns:r="http://schemas.openxmlformats.org/officeDocument/2006/relationships" xmlns:p="http://schemas.openxmlformats.org/presentationml/2006/main">
   <p:cSld>
     <p:spTree>
@@ -17007,7 +21180,7 @@
                 </a:spcAft>
                 <a:defRPr/>
               </a:pPr>
-              <a:t>6</a:t>
+              <a:t>8</a:t>
             </a:fld>
             <a:endParaRPr lang="de-DE" sz="1600" b="1" dirty="0">
               <a:solidFill>
@@ -17097,7 +21270,7 @@
                 <a:latin typeface="+mn-lt"/>
                 <a:cs typeface="+mn-cs"/>
               </a:rPr>
-              <a:t>BMS-Lab</a:t>
+              <a:t>Komponenten</a:t>
             </a:r>
             <a:endParaRPr lang="de-DE" sz="3600" dirty="0">
               <a:solidFill>
@@ -17363,7 +21536,7 @@
         <p:spPr>
           <a:xfrm>
             <a:off x="971600" y="4262611"/>
-            <a:ext cx="6984776" cy="584775"/>
+            <a:ext cx="6984776" cy="830997"/>
           </a:xfrm>
           <a:prstGeom prst="rect">
             <a:avLst/>
@@ -17383,6 +21556,16 @@
             <a:r>
               <a:rPr lang="de-DE" sz="1600" dirty="0"/>
               <a:t>Die Daten der Sensoren werden für die Darstellung auf dem Display aufbereitet</a:t>
+            </a:r>
+          </a:p>
+          <a:p>
+            <a:pPr marL="285750" indent="-285750">
+              <a:buFont typeface="Arial" panose="020B0604020202020204" pitchFamily="34" charset="0"/>
+              <a:buChar char="•"/>
+            </a:pPr>
+            <a:r>
+              <a:rPr lang="de-DE" sz="1600" dirty="0"/>
+              <a:t>Daten werden für Weiterverarbeitung aufbereitet (Parse-Funktion)</a:t>
             </a:r>
           </a:p>
         </p:txBody>
@@ -17811,7 +21994,7 @@
 </p:sld>
 </file>
 
-<file path=ppt/slides/slide7.xml><?xml version="1.0" encoding="utf-8"?>
+<file path=ppt/slides/slide9.xml><?xml version="1.0" encoding="utf-8"?>
 <p:sld xmlns:a="http://schemas.openxmlformats.org/drawingml/2006/main" xmlns:r="http://schemas.openxmlformats.org/officeDocument/2006/relationships" xmlns:p="http://schemas.openxmlformats.org/presentationml/2006/main">
   <p:cSld>
     <p:spTree>
@@ -17879,7 +22062,7 @@
                 </a:spcAft>
                 <a:defRPr/>
               </a:pPr>
-              <a:t>7</a:t>
+              <a:t>9</a:t>
             </a:fld>
             <a:endParaRPr lang="de-DE" sz="1600" b="1" dirty="0">
               <a:solidFill>
@@ -17969,7 +22152,7 @@
                 <a:latin typeface="+mn-lt"/>
                 <a:cs typeface="+mn-cs"/>
               </a:rPr>
-              <a:t>BMS-Lab</a:t>
+              <a:t>Komponenten</a:t>
             </a:r>
             <a:endParaRPr lang="de-DE" sz="3600" dirty="0">
               <a:solidFill>
@@ -18575,1425 +22758,6 @@
     <p:extLst>
       <p:ext uri="{BB962C8B-B14F-4D97-AF65-F5344CB8AC3E}">
         <p14:creationId xmlns:p14="http://schemas.microsoft.com/office/powerpoint/2010/main" val="3645526368"/>
-      </p:ext>
-    </p:extLst>
-  </p:cSld>
-  <p:clrMapOvr>
-    <a:masterClrMapping/>
-  </p:clrMapOvr>
-</p:sld>
-</file>
-
-<file path=ppt/slides/slide8.xml><?xml version="1.0" encoding="utf-8"?>
-<p:sld xmlns:a="http://schemas.openxmlformats.org/drawingml/2006/main" xmlns:r="http://schemas.openxmlformats.org/officeDocument/2006/relationships" xmlns:p="http://schemas.openxmlformats.org/presentationml/2006/main">
-  <p:cSld>
-    <p:spTree>
-      <p:nvGrpSpPr>
-        <p:cNvPr id="1" name=""/>
-        <p:cNvGrpSpPr/>
-        <p:nvPr/>
-      </p:nvGrpSpPr>
-      <p:grpSpPr>
-        <a:xfrm>
-          <a:off x="0" y="0"/>
-          <a:ext cx="0" cy="0"/>
-          <a:chOff x="0" y="0"/>
-          <a:chExt cx="0" cy="0"/>
-        </a:xfrm>
-      </p:grpSpPr>
-      <p:sp>
-        <p:nvSpPr>
-          <p:cNvPr id="18" name="Foliennummernplatzhalter 17"/>
-          <p:cNvSpPr txBox="1">
-            <a:spLocks noGrp="1"/>
-          </p:cNvSpPr>
-          <p:nvPr/>
-        </p:nvSpPr>
-        <p:spPr>
-          <a:xfrm>
-            <a:off x="6553200" y="6356350"/>
-            <a:ext cx="2133600" cy="365125"/>
-          </a:xfrm>
-          <a:prstGeom prst="rect">
-            <a:avLst/>
-          </a:prstGeom>
-          <a:noFill/>
-        </p:spPr>
-        <p:txBody>
-          <a:bodyPr anchor="ctr"/>
-          <a:lstStyle/>
-          <a:p>
-            <a:pPr algn="r" fontAlgn="auto">
-              <a:spcBef>
-                <a:spcPts val="0"/>
-              </a:spcBef>
-              <a:spcAft>
-                <a:spcPts val="0"/>
-              </a:spcAft>
-              <a:defRPr/>
-            </a:pPr>
-            <a:fld id="{DAF3A313-D66B-4357-A41A-5240B2F93707}" type="slidenum">
-              <a:rPr lang="de-DE" sz="1600" b="1">
-                <a:solidFill>
-                  <a:schemeClr val="tx1">
-                    <a:lumMod val="85000"/>
-                    <a:lumOff val="15000"/>
-                  </a:schemeClr>
-                </a:solidFill>
-                <a:latin typeface="+mn-lt"/>
-                <a:cs typeface="+mn-cs"/>
-              </a:rPr>
-              <a:pPr algn="r" fontAlgn="auto">
-                <a:spcBef>
-                  <a:spcPts val="0"/>
-                </a:spcBef>
-                <a:spcAft>
-                  <a:spcPts val="0"/>
-                </a:spcAft>
-                <a:defRPr/>
-              </a:pPr>
-              <a:t>8</a:t>
-            </a:fld>
-            <a:endParaRPr lang="de-DE" sz="1600" b="1" dirty="0">
-              <a:solidFill>
-                <a:schemeClr val="tx1">
-                  <a:lumMod val="85000"/>
-                  <a:lumOff val="15000"/>
-                </a:schemeClr>
-              </a:solidFill>
-              <a:latin typeface="+mn-lt"/>
-              <a:cs typeface="+mn-cs"/>
-            </a:endParaRPr>
-          </a:p>
-        </p:txBody>
-      </p:sp>
-      <p:sp>
-        <p:nvSpPr>
-          <p:cNvPr id="29701" name="Text Box 9"/>
-          <p:cNvSpPr txBox="1">
-            <a:spLocks noChangeArrowheads="1"/>
-          </p:cNvSpPr>
-          <p:nvPr/>
-        </p:nvSpPr>
-        <p:spPr bwMode="auto">
-          <a:xfrm>
-            <a:off x="-1065213" y="3305175"/>
-            <a:ext cx="184150" cy="366713"/>
-          </a:xfrm>
-          <a:prstGeom prst="rect">
-            <a:avLst/>
-          </a:prstGeom>
-          <a:noFill/>
-          <a:ln w="9525">
-            <a:noFill/>
-            <a:miter lim="800000"/>
-            <a:headEnd/>
-            <a:tailEnd/>
-          </a:ln>
-        </p:spPr>
-        <p:txBody>
-          <a:bodyPr wrap="none">
-            <a:spAutoFit/>
-          </a:bodyPr>
-          <a:lstStyle/>
-          <a:p>
-            <a:endParaRPr lang="de-DE" dirty="0"/>
-          </a:p>
-        </p:txBody>
-      </p:sp>
-      <p:sp>
-        <p:nvSpPr>
-          <p:cNvPr id="13" name="Textfeld 12"/>
-          <p:cNvSpPr txBox="1"/>
-          <p:nvPr/>
-        </p:nvSpPr>
-        <p:spPr>
-          <a:xfrm>
-            <a:off x="323529" y="438420"/>
-            <a:ext cx="6408712" cy="707886"/>
-          </a:xfrm>
-          <a:prstGeom prst="rect">
-            <a:avLst/>
-          </a:prstGeom>
-          <a:noFill/>
-        </p:spPr>
-        <p:txBody>
-          <a:bodyPr wrap="square">
-            <a:spAutoFit/>
-          </a:bodyPr>
-          <a:lstStyle/>
-          <a:p>
-            <a:pPr fontAlgn="auto">
-              <a:spcBef>
-                <a:spcPts val="0"/>
-              </a:spcBef>
-              <a:spcAft>
-                <a:spcPts val="0"/>
-              </a:spcAft>
-              <a:defRPr/>
-            </a:pPr>
-            <a:r>
-              <a:rPr lang="de-DE" sz="4000" dirty="0">
-                <a:solidFill>
-                  <a:schemeClr val="bg1">
-                    <a:lumMod val="75000"/>
-                  </a:schemeClr>
-                </a:solidFill>
-                <a:latin typeface="+mn-lt"/>
-                <a:cs typeface="+mn-cs"/>
-              </a:rPr>
-              <a:t>BMS-Lab</a:t>
-            </a:r>
-            <a:endParaRPr lang="de-DE" sz="3600" dirty="0">
-              <a:solidFill>
-                <a:schemeClr val="bg1">
-                  <a:lumMod val="75000"/>
-                </a:schemeClr>
-              </a:solidFill>
-              <a:latin typeface="+mn-lt"/>
-              <a:cs typeface="+mn-cs"/>
-            </a:endParaRPr>
-          </a:p>
-        </p:txBody>
-      </p:sp>
-      <p:sp>
-        <p:nvSpPr>
-          <p:cNvPr id="2" name="Rechteck 1">
-            <a:extLst>
-              <a:ext uri="{FF2B5EF4-FFF2-40B4-BE49-F238E27FC236}">
-                <a16:creationId xmlns:a16="http://schemas.microsoft.com/office/drawing/2014/main" id="{1CC065BE-F83B-5FA9-7B39-0573E17EB876}"/>
-              </a:ext>
-            </a:extLst>
-          </p:cNvPr>
-          <p:cNvSpPr/>
-          <p:nvPr/>
-        </p:nvSpPr>
-        <p:spPr>
-          <a:xfrm>
-            <a:off x="2771800" y="1949420"/>
-            <a:ext cx="3168352" cy="1801908"/>
-          </a:xfrm>
-          <a:prstGeom prst="rect">
-            <a:avLst/>
-          </a:prstGeom>
-        </p:spPr>
-        <p:style>
-          <a:lnRef idx="2">
-            <a:schemeClr val="dk1"/>
-          </a:lnRef>
-          <a:fillRef idx="1">
-            <a:schemeClr val="lt1"/>
-          </a:fillRef>
-          <a:effectRef idx="0">
-            <a:schemeClr val="dk1"/>
-          </a:effectRef>
-          <a:fontRef idx="minor">
-            <a:schemeClr val="dk1"/>
-          </a:fontRef>
-        </p:style>
-        <p:txBody>
-          <a:bodyPr rtlCol="0" anchor="t"/>
-          <a:lstStyle/>
-          <a:p>
-            <a:pPr algn="ctr"/>
-            <a:r>
-              <a:rPr lang="de-DE" sz="1400" dirty="0"/>
-              <a:t>Komponente 6</a:t>
-            </a:r>
-          </a:p>
-          <a:p>
-            <a:pPr algn="ctr"/>
-            <a:endParaRPr lang="de-DE" sz="1400" dirty="0"/>
-          </a:p>
-          <a:p>
-            <a:pPr algn="ctr"/>
-            <a:r>
-              <a:rPr lang="de-DE" dirty="0"/>
-              <a:t>Vehicle Control Unit</a:t>
-            </a:r>
-          </a:p>
-          <a:p>
-            <a:pPr algn="ctr"/>
-            <a:r>
-              <a:rPr lang="de-DE" dirty="0"/>
-              <a:t>(VCU)</a:t>
-            </a:r>
-          </a:p>
-        </p:txBody>
-      </p:sp>
-      <p:cxnSp>
-        <p:nvCxnSpPr>
-          <p:cNvPr id="4" name="Gerade Verbindung mit Pfeil 3">
-            <a:extLst>
-              <a:ext uri="{FF2B5EF4-FFF2-40B4-BE49-F238E27FC236}">
-                <a16:creationId xmlns:a16="http://schemas.microsoft.com/office/drawing/2014/main" id="{91BA3094-3BA4-013B-481B-0DABF09A4152}"/>
-              </a:ext>
-            </a:extLst>
-          </p:cNvPr>
-          <p:cNvCxnSpPr>
-            <a:cxnSpLocks/>
-          </p:cNvCxnSpPr>
-          <p:nvPr/>
-        </p:nvCxnSpPr>
-        <p:spPr>
-          <a:xfrm>
-            <a:off x="1131188" y="2875231"/>
-            <a:ext cx="1656184" cy="0"/>
-          </a:xfrm>
-          <a:prstGeom prst="straightConnector1">
-            <a:avLst/>
-          </a:prstGeom>
-          <a:ln>
-            <a:tailEnd type="triangle"/>
-          </a:ln>
-        </p:spPr>
-        <p:style>
-          <a:lnRef idx="1">
-            <a:schemeClr val="dk1"/>
-          </a:lnRef>
-          <a:fillRef idx="0">
-            <a:schemeClr val="dk1"/>
-          </a:fillRef>
-          <a:effectRef idx="0">
-            <a:schemeClr val="dk1"/>
-          </a:effectRef>
-          <a:fontRef idx="minor">
-            <a:schemeClr val="tx1"/>
-          </a:fontRef>
-        </p:style>
-      </p:cxnSp>
-      <p:cxnSp>
-        <p:nvCxnSpPr>
-          <p:cNvPr id="8" name="Gerade Verbindung mit Pfeil 7">
-            <a:extLst>
-              <a:ext uri="{FF2B5EF4-FFF2-40B4-BE49-F238E27FC236}">
-                <a16:creationId xmlns:a16="http://schemas.microsoft.com/office/drawing/2014/main" id="{B7FFF93C-CDCC-48D6-E929-70BB8B6410EB}"/>
-              </a:ext>
-            </a:extLst>
-          </p:cNvPr>
-          <p:cNvCxnSpPr>
-            <a:cxnSpLocks/>
-          </p:cNvCxnSpPr>
-          <p:nvPr/>
-        </p:nvCxnSpPr>
-        <p:spPr>
-          <a:xfrm>
-            <a:off x="5968908" y="2385944"/>
-            <a:ext cx="1656184" cy="0"/>
-          </a:xfrm>
-          <a:prstGeom prst="straightConnector1">
-            <a:avLst/>
-          </a:prstGeom>
-          <a:ln>
-            <a:tailEnd type="triangle"/>
-          </a:ln>
-        </p:spPr>
-        <p:style>
-          <a:lnRef idx="1">
-            <a:schemeClr val="dk1"/>
-          </a:lnRef>
-          <a:fillRef idx="0">
-            <a:schemeClr val="dk1"/>
-          </a:fillRef>
-          <a:effectRef idx="0">
-            <a:schemeClr val="dk1"/>
-          </a:effectRef>
-          <a:fontRef idx="minor">
-            <a:schemeClr val="tx1"/>
-          </a:fontRef>
-        </p:style>
-      </p:cxnSp>
-      <p:sp>
-        <p:nvSpPr>
-          <p:cNvPr id="5" name="Rechteck 4">
-            <a:extLst>
-              <a:ext uri="{FF2B5EF4-FFF2-40B4-BE49-F238E27FC236}">
-                <a16:creationId xmlns:a16="http://schemas.microsoft.com/office/drawing/2014/main" id="{EC55813B-9ECD-C501-358F-AD763F37CE95}"/>
-              </a:ext>
-            </a:extLst>
-          </p:cNvPr>
-          <p:cNvSpPr/>
-          <p:nvPr/>
-        </p:nvSpPr>
-        <p:spPr>
-          <a:xfrm>
-            <a:off x="4702288" y="3427878"/>
-            <a:ext cx="1224136" cy="323450"/>
-          </a:xfrm>
-          <a:prstGeom prst="rect">
-            <a:avLst/>
-          </a:prstGeom>
-          <a:ln w="9525"/>
-        </p:spPr>
-        <p:style>
-          <a:lnRef idx="2">
-            <a:schemeClr val="dk1"/>
-          </a:lnRef>
-          <a:fillRef idx="1">
-            <a:schemeClr val="lt1"/>
-          </a:fillRef>
-          <a:effectRef idx="0">
-            <a:schemeClr val="dk1"/>
-          </a:effectRef>
-          <a:fontRef idx="minor">
-            <a:schemeClr val="dk1"/>
-          </a:fontRef>
-        </p:style>
-        <p:txBody>
-          <a:bodyPr rtlCol="0" anchor="ctr"/>
-          <a:lstStyle/>
-          <a:p>
-            <a:pPr algn="ctr"/>
-            <a:r>
-              <a:rPr lang="de-DE" sz="1200" dirty="0"/>
-              <a:t>10x pro Sekunde</a:t>
-            </a:r>
-          </a:p>
-        </p:txBody>
-      </p:sp>
-      <p:sp>
-        <p:nvSpPr>
-          <p:cNvPr id="6" name="Textfeld 5">
-            <a:extLst>
-              <a:ext uri="{FF2B5EF4-FFF2-40B4-BE49-F238E27FC236}">
-                <a16:creationId xmlns:a16="http://schemas.microsoft.com/office/drawing/2014/main" id="{DD3DC2DF-4E59-1E95-3859-AE3E4C24DC6A}"/>
-              </a:ext>
-            </a:extLst>
-          </p:cNvPr>
-          <p:cNvSpPr txBox="1"/>
-          <p:nvPr/>
-        </p:nvSpPr>
-        <p:spPr>
-          <a:xfrm>
-            <a:off x="971600" y="4262611"/>
-            <a:ext cx="6984776" cy="830997"/>
-          </a:xfrm>
-          <a:prstGeom prst="rect">
-            <a:avLst/>
-          </a:prstGeom>
-          <a:noFill/>
-        </p:spPr>
-        <p:txBody>
-          <a:bodyPr wrap="square" rtlCol="0">
-            <a:spAutoFit/>
-          </a:bodyPr>
-          <a:lstStyle/>
-          <a:p>
-            <a:pPr marL="285750" indent="-285750">
-              <a:buFont typeface="Arial" panose="020B0604020202020204" pitchFamily="34" charset="0"/>
-              <a:buChar char="•"/>
-            </a:pPr>
-            <a:r>
-              <a:rPr lang="de-DE" sz="1600" dirty="0"/>
-              <a:t>Die VCU verarbeitet die Informationen des </a:t>
-            </a:r>
-            <a:r>
-              <a:rPr lang="de-DE" sz="1600" dirty="0" err="1"/>
-              <a:t>Safety</a:t>
-            </a:r>
-            <a:r>
-              <a:rPr lang="de-DE" sz="1600" dirty="0"/>
-              <a:t> Controllers und gibt diese an das VCU Display und an den Inverter weiter.</a:t>
-            </a:r>
-          </a:p>
-          <a:p>
-            <a:pPr marL="285750" indent="-285750">
-              <a:buFont typeface="Arial" panose="020B0604020202020204" pitchFamily="34" charset="0"/>
-              <a:buChar char="•"/>
-            </a:pPr>
-            <a:r>
-              <a:rPr lang="de-DE" sz="1600" dirty="0">
-                <a:highlight>
-                  <a:srgbClr val="FFFF00"/>
-                </a:highlight>
-              </a:rPr>
-              <a:t>Optional</a:t>
-            </a:r>
-          </a:p>
-        </p:txBody>
-      </p:sp>
-      <p:sp>
-        <p:nvSpPr>
-          <p:cNvPr id="7" name="Textfeld 6">
-            <a:extLst>
-              <a:ext uri="{FF2B5EF4-FFF2-40B4-BE49-F238E27FC236}">
-                <a16:creationId xmlns:a16="http://schemas.microsoft.com/office/drawing/2014/main" id="{AF1A5FCA-9F96-B7B0-1BAA-4F389CC0A5F0}"/>
-              </a:ext>
-            </a:extLst>
-          </p:cNvPr>
-          <p:cNvSpPr txBox="1"/>
-          <p:nvPr/>
-        </p:nvSpPr>
-        <p:spPr>
-          <a:xfrm>
-            <a:off x="1092220" y="2590557"/>
-            <a:ext cx="1743764" cy="584775"/>
-          </a:xfrm>
-          <a:prstGeom prst="rect">
-            <a:avLst/>
-          </a:prstGeom>
-          <a:noFill/>
-        </p:spPr>
-        <p:txBody>
-          <a:bodyPr wrap="square" rtlCol="0">
-            <a:spAutoFit/>
-          </a:bodyPr>
-          <a:lstStyle/>
-          <a:p>
-            <a:r>
-              <a:rPr lang="de-DE" sz="1600" dirty="0">
-                <a:solidFill>
-                  <a:srgbClr val="0070C0"/>
-                </a:solidFill>
-              </a:rPr>
-              <a:t>Nachricht von </a:t>
-            </a:r>
-            <a:r>
-              <a:rPr lang="de-DE" sz="1600" dirty="0" err="1">
-                <a:solidFill>
-                  <a:srgbClr val="0070C0"/>
-                </a:solidFill>
-              </a:rPr>
-              <a:t>Safety</a:t>
-            </a:r>
-            <a:r>
-              <a:rPr lang="de-DE" sz="1600" dirty="0">
-                <a:solidFill>
-                  <a:srgbClr val="0070C0"/>
-                </a:solidFill>
-              </a:rPr>
-              <a:t> Controller</a:t>
-            </a:r>
-          </a:p>
-        </p:txBody>
-      </p:sp>
-      <p:sp>
-        <p:nvSpPr>
-          <p:cNvPr id="16" name="Textfeld 15">
-            <a:extLst>
-              <a:ext uri="{FF2B5EF4-FFF2-40B4-BE49-F238E27FC236}">
-                <a16:creationId xmlns:a16="http://schemas.microsoft.com/office/drawing/2014/main" id="{6D03D6D3-8D89-86D6-22C6-EB2D0D390FD1}"/>
-              </a:ext>
-            </a:extLst>
-          </p:cNvPr>
-          <p:cNvSpPr txBox="1"/>
-          <p:nvPr/>
-        </p:nvSpPr>
-        <p:spPr>
-          <a:xfrm>
-            <a:off x="6139936" y="2101272"/>
-            <a:ext cx="1512168" cy="338554"/>
-          </a:xfrm>
-          <a:prstGeom prst="rect">
-            <a:avLst/>
-          </a:prstGeom>
-          <a:noFill/>
-        </p:spPr>
-        <p:txBody>
-          <a:bodyPr wrap="square" rtlCol="0">
-            <a:spAutoFit/>
-          </a:bodyPr>
-          <a:lstStyle/>
-          <a:p>
-            <a:r>
-              <a:rPr lang="de-DE" sz="1600" dirty="0">
-                <a:solidFill>
-                  <a:srgbClr val="FF0000"/>
-                </a:solidFill>
-              </a:rPr>
-              <a:t>Display (VCU)</a:t>
-            </a:r>
-          </a:p>
-        </p:txBody>
-      </p:sp>
-      <p:sp>
-        <p:nvSpPr>
-          <p:cNvPr id="3" name="Textfeld 2">
-            <a:extLst>
-              <a:ext uri="{FF2B5EF4-FFF2-40B4-BE49-F238E27FC236}">
-                <a16:creationId xmlns:a16="http://schemas.microsoft.com/office/drawing/2014/main" id="{6AB53ED0-9355-F510-BB7D-B1F2132E81EE}"/>
-              </a:ext>
-            </a:extLst>
-          </p:cNvPr>
-          <p:cNvSpPr txBox="1"/>
-          <p:nvPr/>
-        </p:nvSpPr>
-        <p:spPr>
-          <a:xfrm>
-            <a:off x="1815932" y="1567825"/>
-            <a:ext cx="5080088" cy="276999"/>
-          </a:xfrm>
-          <a:prstGeom prst="rect">
-            <a:avLst/>
-          </a:prstGeom>
-          <a:noFill/>
-        </p:spPr>
-        <p:txBody>
-          <a:bodyPr wrap="square" rtlCol="0">
-            <a:spAutoFit/>
-          </a:bodyPr>
-          <a:lstStyle/>
-          <a:p>
-            <a:r>
-              <a:rPr lang="de-DE" sz="1200" dirty="0">
-                <a:solidFill>
-                  <a:srgbClr val="00B050"/>
-                </a:solidFill>
-              </a:rPr>
-              <a:t>■  Sensor Eingang            </a:t>
-            </a:r>
-            <a:r>
-              <a:rPr lang="de-DE" sz="1200" dirty="0">
-                <a:solidFill>
-                  <a:srgbClr val="FF0000"/>
-                </a:solidFill>
-              </a:rPr>
-              <a:t>■  Aktor Ausgang           </a:t>
-            </a:r>
-            <a:r>
-              <a:rPr lang="de-DE" sz="1200" dirty="0">
-                <a:solidFill>
-                  <a:srgbClr val="0070C0"/>
-                </a:solidFill>
-              </a:rPr>
-              <a:t>■  Berechnete Daten</a:t>
-            </a:r>
-            <a:endParaRPr lang="de-DE" sz="1200" dirty="0">
-              <a:solidFill>
-                <a:srgbClr val="FF0000"/>
-              </a:solidFill>
-            </a:endParaRPr>
-          </a:p>
-        </p:txBody>
-      </p:sp>
-      <p:cxnSp>
-        <p:nvCxnSpPr>
-          <p:cNvPr id="17" name="Gerade Verbindung mit Pfeil 16">
-            <a:extLst>
-              <a:ext uri="{FF2B5EF4-FFF2-40B4-BE49-F238E27FC236}">
-                <a16:creationId xmlns:a16="http://schemas.microsoft.com/office/drawing/2014/main" id="{3E4F3910-5F06-519B-9C8B-41AC497D4F2B}"/>
-              </a:ext>
-            </a:extLst>
-          </p:cNvPr>
-          <p:cNvCxnSpPr>
-            <a:cxnSpLocks/>
-          </p:cNvCxnSpPr>
-          <p:nvPr/>
-        </p:nvCxnSpPr>
-        <p:spPr>
-          <a:xfrm>
-            <a:off x="5963188" y="3224489"/>
-            <a:ext cx="1656184" cy="0"/>
-          </a:xfrm>
-          <a:prstGeom prst="straightConnector1">
-            <a:avLst/>
-          </a:prstGeom>
-          <a:ln>
-            <a:tailEnd type="triangle"/>
-          </a:ln>
-        </p:spPr>
-        <p:style>
-          <a:lnRef idx="1">
-            <a:schemeClr val="dk1"/>
-          </a:lnRef>
-          <a:fillRef idx="0">
-            <a:schemeClr val="dk1"/>
-          </a:fillRef>
-          <a:effectRef idx="0">
-            <a:schemeClr val="dk1"/>
-          </a:effectRef>
-          <a:fontRef idx="minor">
-            <a:schemeClr val="tx1"/>
-          </a:fontRef>
-        </p:style>
-      </p:cxnSp>
-      <p:sp>
-        <p:nvSpPr>
-          <p:cNvPr id="19" name="Textfeld 18">
-            <a:extLst>
-              <a:ext uri="{FF2B5EF4-FFF2-40B4-BE49-F238E27FC236}">
-                <a16:creationId xmlns:a16="http://schemas.microsoft.com/office/drawing/2014/main" id="{9D8BD886-8B52-2117-C533-892FAE6E474E}"/>
-              </a:ext>
-            </a:extLst>
-          </p:cNvPr>
-          <p:cNvSpPr txBox="1"/>
-          <p:nvPr/>
-        </p:nvSpPr>
-        <p:spPr>
-          <a:xfrm>
-            <a:off x="6134216" y="2939817"/>
-            <a:ext cx="1512168" cy="338554"/>
-          </a:xfrm>
-          <a:prstGeom prst="rect">
-            <a:avLst/>
-          </a:prstGeom>
-          <a:noFill/>
-        </p:spPr>
-        <p:txBody>
-          <a:bodyPr wrap="square" rtlCol="0">
-            <a:spAutoFit/>
-          </a:bodyPr>
-          <a:lstStyle/>
-          <a:p>
-            <a:r>
-              <a:rPr lang="de-DE" sz="1600" dirty="0">
-                <a:solidFill>
-                  <a:srgbClr val="FF0000"/>
-                </a:solidFill>
-              </a:rPr>
-              <a:t>Inverter</a:t>
-            </a:r>
-          </a:p>
-        </p:txBody>
-      </p:sp>
-      <p:sp>
-        <p:nvSpPr>
-          <p:cNvPr id="20" name="Rechteck 19">
-            <a:extLst>
-              <a:ext uri="{FF2B5EF4-FFF2-40B4-BE49-F238E27FC236}">
-                <a16:creationId xmlns:a16="http://schemas.microsoft.com/office/drawing/2014/main" id="{F7897167-2F51-A62F-0A64-8C0DE3E5D474}"/>
-              </a:ext>
-            </a:extLst>
-          </p:cNvPr>
-          <p:cNvSpPr/>
-          <p:nvPr/>
-        </p:nvSpPr>
-        <p:spPr>
-          <a:xfrm>
-            <a:off x="2787372" y="3297903"/>
-            <a:ext cx="1914916" cy="453378"/>
-          </a:xfrm>
-          <a:prstGeom prst="rect">
-            <a:avLst/>
-          </a:prstGeom>
-          <a:ln w="9525"/>
-        </p:spPr>
-        <p:style>
-          <a:lnRef idx="2">
-            <a:schemeClr val="dk1"/>
-          </a:lnRef>
-          <a:fillRef idx="1">
-            <a:schemeClr val="lt1"/>
-          </a:fillRef>
-          <a:effectRef idx="0">
-            <a:schemeClr val="dk1"/>
-          </a:effectRef>
-          <a:fontRef idx="minor">
-            <a:schemeClr val="dk1"/>
-          </a:fontRef>
-        </p:style>
-        <p:txBody>
-          <a:bodyPr rtlCol="0" anchor="t"/>
-          <a:lstStyle/>
-          <a:p>
-            <a:r>
-              <a:rPr lang="de-DE" sz="1200" dirty="0" err="1"/>
-              <a:t>Requirements</a:t>
-            </a:r>
-            <a:r>
-              <a:rPr lang="de-DE" sz="1200" dirty="0"/>
-              <a:t>:</a:t>
-            </a:r>
-          </a:p>
-          <a:p>
-            <a:r>
-              <a:rPr lang="de-DE" sz="1200" dirty="0"/>
-              <a:t>BMS-101 bis BMS-111</a:t>
-            </a:r>
-          </a:p>
-        </p:txBody>
-      </p:sp>
-    </p:spTree>
-    <p:extLst>
-      <p:ext uri="{BB962C8B-B14F-4D97-AF65-F5344CB8AC3E}">
-        <p14:creationId xmlns:p14="http://schemas.microsoft.com/office/powerpoint/2010/main" val="2368014717"/>
-      </p:ext>
-    </p:extLst>
-  </p:cSld>
-  <p:clrMapOvr>
-    <a:masterClrMapping/>
-  </p:clrMapOvr>
-</p:sld>
-</file>
-
-<file path=ppt/slides/slide9.xml><?xml version="1.0" encoding="utf-8"?>
-<p:sld xmlns:a="http://schemas.openxmlformats.org/drawingml/2006/main" xmlns:r="http://schemas.openxmlformats.org/officeDocument/2006/relationships" xmlns:p="http://schemas.openxmlformats.org/presentationml/2006/main">
-  <p:cSld>
-    <p:spTree>
-      <p:nvGrpSpPr>
-        <p:cNvPr id="1" name=""/>
-        <p:cNvGrpSpPr/>
-        <p:nvPr/>
-      </p:nvGrpSpPr>
-      <p:grpSpPr>
-        <a:xfrm>
-          <a:off x="0" y="0"/>
-          <a:ext cx="0" cy="0"/>
-          <a:chOff x="0" y="0"/>
-          <a:chExt cx="0" cy="0"/>
-        </a:xfrm>
-      </p:grpSpPr>
-      <p:sp>
-        <p:nvSpPr>
-          <p:cNvPr id="18" name="Foliennummernplatzhalter 17"/>
-          <p:cNvSpPr txBox="1">
-            <a:spLocks noGrp="1"/>
-          </p:cNvSpPr>
-          <p:nvPr/>
-        </p:nvSpPr>
-        <p:spPr>
-          <a:xfrm>
-            <a:off x="6553200" y="6356350"/>
-            <a:ext cx="2133600" cy="365125"/>
-          </a:xfrm>
-          <a:prstGeom prst="rect">
-            <a:avLst/>
-          </a:prstGeom>
-          <a:noFill/>
-        </p:spPr>
-        <p:txBody>
-          <a:bodyPr anchor="ctr"/>
-          <a:lstStyle/>
-          <a:p>
-            <a:pPr algn="r" fontAlgn="auto">
-              <a:spcBef>
-                <a:spcPts val="0"/>
-              </a:spcBef>
-              <a:spcAft>
-                <a:spcPts val="0"/>
-              </a:spcAft>
-              <a:defRPr/>
-            </a:pPr>
-            <a:fld id="{DAF3A313-D66B-4357-A41A-5240B2F93707}" type="slidenum">
-              <a:rPr lang="de-DE" sz="1600" b="1">
-                <a:solidFill>
-                  <a:schemeClr val="tx1">
-                    <a:lumMod val="85000"/>
-                    <a:lumOff val="15000"/>
-                  </a:schemeClr>
-                </a:solidFill>
-                <a:latin typeface="+mn-lt"/>
-                <a:cs typeface="+mn-cs"/>
-              </a:rPr>
-              <a:pPr algn="r" fontAlgn="auto">
-                <a:spcBef>
-                  <a:spcPts val="0"/>
-                </a:spcBef>
-                <a:spcAft>
-                  <a:spcPts val="0"/>
-                </a:spcAft>
-                <a:defRPr/>
-              </a:pPr>
-              <a:t>9</a:t>
-            </a:fld>
-            <a:endParaRPr lang="de-DE" sz="1600" b="1" dirty="0">
-              <a:solidFill>
-                <a:schemeClr val="tx1">
-                  <a:lumMod val="85000"/>
-                  <a:lumOff val="15000"/>
-                </a:schemeClr>
-              </a:solidFill>
-              <a:latin typeface="+mn-lt"/>
-              <a:cs typeface="+mn-cs"/>
-            </a:endParaRPr>
-          </a:p>
-        </p:txBody>
-      </p:sp>
-      <p:sp>
-        <p:nvSpPr>
-          <p:cNvPr id="29701" name="Text Box 9"/>
-          <p:cNvSpPr txBox="1">
-            <a:spLocks noChangeArrowheads="1"/>
-          </p:cNvSpPr>
-          <p:nvPr/>
-        </p:nvSpPr>
-        <p:spPr bwMode="auto">
-          <a:xfrm>
-            <a:off x="-1065213" y="3305175"/>
-            <a:ext cx="184150" cy="366713"/>
-          </a:xfrm>
-          <a:prstGeom prst="rect">
-            <a:avLst/>
-          </a:prstGeom>
-          <a:noFill/>
-          <a:ln w="9525">
-            <a:noFill/>
-            <a:miter lim="800000"/>
-            <a:headEnd/>
-            <a:tailEnd/>
-          </a:ln>
-        </p:spPr>
-        <p:txBody>
-          <a:bodyPr wrap="none">
-            <a:spAutoFit/>
-          </a:bodyPr>
-          <a:lstStyle/>
-          <a:p>
-            <a:endParaRPr lang="de-DE" dirty="0"/>
-          </a:p>
-        </p:txBody>
-      </p:sp>
-      <p:sp>
-        <p:nvSpPr>
-          <p:cNvPr id="13" name="Textfeld 12"/>
-          <p:cNvSpPr txBox="1"/>
-          <p:nvPr/>
-        </p:nvSpPr>
-        <p:spPr>
-          <a:xfrm>
-            <a:off x="323529" y="438420"/>
-            <a:ext cx="6408712" cy="707886"/>
-          </a:xfrm>
-          <a:prstGeom prst="rect">
-            <a:avLst/>
-          </a:prstGeom>
-          <a:noFill/>
-        </p:spPr>
-        <p:txBody>
-          <a:bodyPr wrap="square">
-            <a:spAutoFit/>
-          </a:bodyPr>
-          <a:lstStyle/>
-          <a:p>
-            <a:pPr fontAlgn="auto">
-              <a:spcBef>
-                <a:spcPts val="0"/>
-              </a:spcBef>
-              <a:spcAft>
-                <a:spcPts val="0"/>
-              </a:spcAft>
-              <a:defRPr/>
-            </a:pPr>
-            <a:r>
-              <a:rPr lang="de-DE" sz="4000" dirty="0">
-                <a:solidFill>
-                  <a:schemeClr val="bg1">
-                    <a:lumMod val="75000"/>
-                  </a:schemeClr>
-                </a:solidFill>
-                <a:latin typeface="+mn-lt"/>
-                <a:cs typeface="+mn-cs"/>
-              </a:rPr>
-              <a:t>BMS-Lab</a:t>
-            </a:r>
-            <a:endParaRPr lang="de-DE" sz="3600" dirty="0">
-              <a:solidFill>
-                <a:schemeClr val="bg1">
-                  <a:lumMod val="75000"/>
-                </a:schemeClr>
-              </a:solidFill>
-              <a:latin typeface="+mn-lt"/>
-              <a:cs typeface="+mn-cs"/>
-            </a:endParaRPr>
-          </a:p>
-        </p:txBody>
-      </p:sp>
-      <p:sp>
-        <p:nvSpPr>
-          <p:cNvPr id="2" name="Textfeld 1">
-            <a:extLst>
-              <a:ext uri="{FF2B5EF4-FFF2-40B4-BE49-F238E27FC236}">
-                <a16:creationId xmlns:a16="http://schemas.microsoft.com/office/drawing/2014/main" id="{F5B03C12-B9B9-63E1-CC40-1A799E83544C}"/>
-              </a:ext>
-            </a:extLst>
-          </p:cNvPr>
-          <p:cNvSpPr txBox="1"/>
-          <p:nvPr/>
-        </p:nvSpPr>
-        <p:spPr>
-          <a:xfrm>
-            <a:off x="539552" y="1146306"/>
-            <a:ext cx="7344816" cy="369332"/>
-          </a:xfrm>
-          <a:prstGeom prst="rect">
-            <a:avLst/>
-          </a:prstGeom>
-          <a:noFill/>
-        </p:spPr>
-        <p:txBody>
-          <a:bodyPr wrap="square" rtlCol="0">
-            <a:spAutoFit/>
-          </a:bodyPr>
-          <a:lstStyle/>
-          <a:p>
-            <a:r>
-              <a:rPr lang="de-DE" dirty="0"/>
-              <a:t>Architektur</a:t>
-            </a:r>
-          </a:p>
-        </p:txBody>
-      </p:sp>
-      <p:pic>
-        <p:nvPicPr>
-          <p:cNvPr id="6" name="Grafik 5">
-            <a:extLst>
-              <a:ext uri="{FF2B5EF4-FFF2-40B4-BE49-F238E27FC236}">
-                <a16:creationId xmlns:a16="http://schemas.microsoft.com/office/drawing/2014/main" id="{3F9ABA64-3363-6B79-8EF6-9422A7070E1F}"/>
-              </a:ext>
-            </a:extLst>
-          </p:cNvPr>
-          <p:cNvPicPr>
-            <a:picLocks noChangeAspect="1"/>
-          </p:cNvPicPr>
-          <p:nvPr/>
-        </p:nvPicPr>
-        <p:blipFill>
-          <a:blip r:embed="rId2"/>
-          <a:stretch>
-            <a:fillRect/>
-          </a:stretch>
-        </p:blipFill>
-        <p:spPr>
-          <a:xfrm>
-            <a:off x="5770444" y="1593544"/>
-            <a:ext cx="3271056" cy="1044838"/>
-          </a:xfrm>
-          <a:prstGeom prst="rect">
-            <a:avLst/>
-          </a:prstGeom>
-        </p:spPr>
-      </p:pic>
-      <p:cxnSp>
-        <p:nvCxnSpPr>
-          <p:cNvPr id="8" name="Gerader Verbinder 7">
-            <a:extLst>
-              <a:ext uri="{FF2B5EF4-FFF2-40B4-BE49-F238E27FC236}">
-                <a16:creationId xmlns:a16="http://schemas.microsoft.com/office/drawing/2014/main" id="{FAA8A70F-5AC3-3FB0-F91D-EB73290E601F}"/>
-              </a:ext>
-            </a:extLst>
-          </p:cNvPr>
-          <p:cNvCxnSpPr/>
-          <p:nvPr/>
-        </p:nvCxnSpPr>
-        <p:spPr>
-          <a:xfrm>
-            <a:off x="143508" y="2656565"/>
-            <a:ext cx="8856984" cy="0"/>
-          </a:xfrm>
-          <a:prstGeom prst="line">
-            <a:avLst/>
-          </a:prstGeom>
-          <a:ln w="9525" cap="flat" cmpd="sng" algn="ctr">
-            <a:solidFill>
-              <a:schemeClr val="accent1"/>
-            </a:solidFill>
-            <a:prstDash val="dash"/>
-            <a:round/>
-            <a:headEnd type="none" w="med" len="med"/>
-            <a:tailEnd type="none" w="med" len="med"/>
-          </a:ln>
-        </p:spPr>
-        <p:style>
-          <a:lnRef idx="0">
-            <a:scrgbClr r="0" g="0" b="0"/>
-          </a:lnRef>
-          <a:fillRef idx="0">
-            <a:scrgbClr r="0" g="0" b="0"/>
-          </a:fillRef>
-          <a:effectRef idx="0">
-            <a:scrgbClr r="0" g="0" b="0"/>
-          </a:effectRef>
-          <a:fontRef idx="minor">
-            <a:schemeClr val="tx1"/>
-          </a:fontRef>
-        </p:style>
-      </p:cxnSp>
-      <p:cxnSp>
-        <p:nvCxnSpPr>
-          <p:cNvPr id="12" name="Gerader Verbinder 11">
-            <a:extLst>
-              <a:ext uri="{FF2B5EF4-FFF2-40B4-BE49-F238E27FC236}">
-                <a16:creationId xmlns:a16="http://schemas.microsoft.com/office/drawing/2014/main" id="{6D2D8386-C8AA-7E66-DE45-F1E5C5A0C795}"/>
-              </a:ext>
-            </a:extLst>
-          </p:cNvPr>
-          <p:cNvCxnSpPr/>
-          <p:nvPr/>
-        </p:nvCxnSpPr>
-        <p:spPr>
-          <a:xfrm>
-            <a:off x="143508" y="3861048"/>
-            <a:ext cx="8856984" cy="0"/>
-          </a:xfrm>
-          <a:prstGeom prst="line">
-            <a:avLst/>
-          </a:prstGeom>
-          <a:ln w="9525" cap="flat" cmpd="sng" algn="ctr">
-            <a:solidFill>
-              <a:schemeClr val="accent1"/>
-            </a:solidFill>
-            <a:prstDash val="dash"/>
-            <a:round/>
-            <a:headEnd type="none" w="med" len="med"/>
-            <a:tailEnd type="none" w="med" len="med"/>
-          </a:ln>
-        </p:spPr>
-        <p:style>
-          <a:lnRef idx="0">
-            <a:scrgbClr r="0" g="0" b="0"/>
-          </a:lnRef>
-          <a:fillRef idx="0">
-            <a:scrgbClr r="0" g="0" b="0"/>
-          </a:fillRef>
-          <a:effectRef idx="0">
-            <a:scrgbClr r="0" g="0" b="0"/>
-          </a:effectRef>
-          <a:fontRef idx="minor">
-            <a:schemeClr val="tx1"/>
-          </a:fontRef>
-        </p:style>
-      </p:cxnSp>
-      <p:cxnSp>
-        <p:nvCxnSpPr>
-          <p:cNvPr id="14" name="Gerader Verbinder 13">
-            <a:extLst>
-              <a:ext uri="{FF2B5EF4-FFF2-40B4-BE49-F238E27FC236}">
-                <a16:creationId xmlns:a16="http://schemas.microsoft.com/office/drawing/2014/main" id="{EA0990F9-6EA5-89A9-EF08-039F1724F062}"/>
-              </a:ext>
-            </a:extLst>
-          </p:cNvPr>
-          <p:cNvCxnSpPr/>
-          <p:nvPr/>
-        </p:nvCxnSpPr>
-        <p:spPr>
-          <a:xfrm>
-            <a:off x="143508" y="5085184"/>
-            <a:ext cx="8856984" cy="0"/>
-          </a:xfrm>
-          <a:prstGeom prst="line">
-            <a:avLst/>
-          </a:prstGeom>
-          <a:ln w="9525" cap="flat" cmpd="sng" algn="ctr">
-            <a:solidFill>
-              <a:schemeClr val="accent1"/>
-            </a:solidFill>
-            <a:prstDash val="dash"/>
-            <a:round/>
-            <a:headEnd type="none" w="med" len="med"/>
-            <a:tailEnd type="none" w="med" len="med"/>
-          </a:ln>
-        </p:spPr>
-        <p:style>
-          <a:lnRef idx="0">
-            <a:scrgbClr r="0" g="0" b="0"/>
-          </a:lnRef>
-          <a:fillRef idx="0">
-            <a:scrgbClr r="0" g="0" b="0"/>
-          </a:fillRef>
-          <a:effectRef idx="0">
-            <a:scrgbClr r="0" g="0" b="0"/>
-          </a:effectRef>
-          <a:fontRef idx="minor">
-            <a:schemeClr val="tx1"/>
-          </a:fontRef>
-        </p:style>
-      </p:cxnSp>
-      <p:sp>
-        <p:nvSpPr>
-          <p:cNvPr id="9" name="Textfeld 8">
-            <a:extLst>
-              <a:ext uri="{FF2B5EF4-FFF2-40B4-BE49-F238E27FC236}">
-                <a16:creationId xmlns:a16="http://schemas.microsoft.com/office/drawing/2014/main" id="{A32ADE64-7257-822A-CEE3-89AB117008F3}"/>
-              </a:ext>
-            </a:extLst>
-          </p:cNvPr>
-          <p:cNvSpPr txBox="1"/>
-          <p:nvPr/>
-        </p:nvSpPr>
-        <p:spPr>
-          <a:xfrm>
-            <a:off x="179513" y="1886039"/>
-            <a:ext cx="2160239" cy="369332"/>
-          </a:xfrm>
-          <a:prstGeom prst="rect">
-            <a:avLst/>
-          </a:prstGeom>
-          <a:noFill/>
-        </p:spPr>
-        <p:txBody>
-          <a:bodyPr wrap="square" rtlCol="0">
-            <a:spAutoFit/>
-          </a:bodyPr>
-          <a:lstStyle/>
-          <a:p>
-            <a:r>
-              <a:rPr lang="de-DE" dirty="0"/>
-              <a:t>Sicherheits-Schicht</a:t>
-            </a:r>
-          </a:p>
-        </p:txBody>
-      </p:sp>
-      <p:sp>
-        <p:nvSpPr>
-          <p:cNvPr id="15" name="Textfeld 14">
-            <a:extLst>
-              <a:ext uri="{FF2B5EF4-FFF2-40B4-BE49-F238E27FC236}">
-                <a16:creationId xmlns:a16="http://schemas.microsoft.com/office/drawing/2014/main" id="{76368781-2A25-DF4A-999A-725AB6360056}"/>
-              </a:ext>
-            </a:extLst>
-          </p:cNvPr>
-          <p:cNvSpPr txBox="1"/>
-          <p:nvPr/>
-        </p:nvSpPr>
-        <p:spPr>
-          <a:xfrm>
-            <a:off x="179513" y="3056476"/>
-            <a:ext cx="3024335" cy="369332"/>
-          </a:xfrm>
-          <a:prstGeom prst="rect">
-            <a:avLst/>
-          </a:prstGeom>
-          <a:noFill/>
-        </p:spPr>
-        <p:txBody>
-          <a:bodyPr wrap="square" rtlCol="0">
-            <a:spAutoFit/>
-          </a:bodyPr>
-          <a:lstStyle/>
-          <a:p>
-            <a:r>
-              <a:rPr lang="de-DE" dirty="0" err="1"/>
-              <a:t>Cell</a:t>
-            </a:r>
-            <a:r>
-              <a:rPr lang="de-DE" dirty="0"/>
-              <a:t>-</a:t>
-            </a:r>
-            <a:r>
-              <a:rPr lang="de-DE" dirty="0" err="1"/>
-              <a:t>Balancing</a:t>
-            </a:r>
-            <a:r>
-              <a:rPr lang="de-DE" dirty="0"/>
-              <a:t>-Schicht</a:t>
-            </a:r>
-          </a:p>
-        </p:txBody>
-      </p:sp>
-      <p:sp>
-        <p:nvSpPr>
-          <p:cNvPr id="16" name="Textfeld 15">
-            <a:extLst>
-              <a:ext uri="{FF2B5EF4-FFF2-40B4-BE49-F238E27FC236}">
-                <a16:creationId xmlns:a16="http://schemas.microsoft.com/office/drawing/2014/main" id="{7DC0CBA9-9D7F-A876-8221-5E489D75A9D6}"/>
-              </a:ext>
-            </a:extLst>
-          </p:cNvPr>
-          <p:cNvSpPr txBox="1"/>
-          <p:nvPr/>
-        </p:nvSpPr>
-        <p:spPr>
-          <a:xfrm>
-            <a:off x="179512" y="4260958"/>
-            <a:ext cx="2376264" cy="369332"/>
-          </a:xfrm>
-          <a:prstGeom prst="rect">
-            <a:avLst/>
-          </a:prstGeom>
-          <a:noFill/>
-        </p:spPr>
-        <p:txBody>
-          <a:bodyPr wrap="square" rtlCol="0">
-            <a:spAutoFit/>
-          </a:bodyPr>
-          <a:lstStyle/>
-          <a:p>
-            <a:r>
-              <a:rPr lang="de-DE" dirty="0"/>
-              <a:t>Informations-Schicht</a:t>
-            </a:r>
-          </a:p>
-        </p:txBody>
-      </p:sp>
-      <p:sp>
-        <p:nvSpPr>
-          <p:cNvPr id="17" name="Textfeld 16">
-            <a:extLst>
-              <a:ext uri="{FF2B5EF4-FFF2-40B4-BE49-F238E27FC236}">
-                <a16:creationId xmlns:a16="http://schemas.microsoft.com/office/drawing/2014/main" id="{6BB8406F-D5BD-49A7-CA6A-2D1F12F9B7B4}"/>
-              </a:ext>
-            </a:extLst>
-          </p:cNvPr>
-          <p:cNvSpPr txBox="1"/>
-          <p:nvPr/>
-        </p:nvSpPr>
-        <p:spPr>
-          <a:xfrm>
-            <a:off x="179512" y="5485093"/>
-            <a:ext cx="3888432" cy="369332"/>
-          </a:xfrm>
-          <a:prstGeom prst="rect">
-            <a:avLst/>
-          </a:prstGeom>
-          <a:noFill/>
-        </p:spPr>
-        <p:txBody>
-          <a:bodyPr wrap="square" rtlCol="0">
-            <a:spAutoFit/>
-          </a:bodyPr>
-          <a:lstStyle/>
-          <a:p>
-            <a:r>
-              <a:rPr lang="de-DE" dirty="0"/>
-              <a:t>Vehicle-Control-Unit-Schicht</a:t>
-            </a:r>
-          </a:p>
-        </p:txBody>
-      </p:sp>
-      <p:pic>
-        <p:nvPicPr>
-          <p:cNvPr id="11" name="Grafik 10">
-            <a:extLst>
-              <a:ext uri="{FF2B5EF4-FFF2-40B4-BE49-F238E27FC236}">
-                <a16:creationId xmlns:a16="http://schemas.microsoft.com/office/drawing/2014/main" id="{5FCDA3DF-28C4-8D58-5857-C5BCB54EB95B}"/>
-              </a:ext>
-            </a:extLst>
-          </p:cNvPr>
-          <p:cNvPicPr>
-            <a:picLocks noChangeAspect="1"/>
-          </p:cNvPicPr>
-          <p:nvPr/>
-        </p:nvPicPr>
-        <p:blipFill>
-          <a:blip r:embed="rId3"/>
-          <a:stretch>
-            <a:fillRect/>
-          </a:stretch>
-        </p:blipFill>
-        <p:spPr>
-          <a:xfrm>
-            <a:off x="5749788" y="2782156"/>
-            <a:ext cx="3322711" cy="972500"/>
-          </a:xfrm>
-          <a:prstGeom prst="rect">
-            <a:avLst/>
-          </a:prstGeom>
-        </p:spPr>
-      </p:pic>
-      <p:pic>
-        <p:nvPicPr>
-          <p:cNvPr id="20" name="Grafik 19">
-            <a:extLst>
-              <a:ext uri="{FF2B5EF4-FFF2-40B4-BE49-F238E27FC236}">
-                <a16:creationId xmlns:a16="http://schemas.microsoft.com/office/drawing/2014/main" id="{EEBA4ECF-445C-3C73-F4D8-3BD3A6AA986D}"/>
-              </a:ext>
-            </a:extLst>
-          </p:cNvPr>
-          <p:cNvPicPr>
-            <a:picLocks noChangeAspect="1"/>
-          </p:cNvPicPr>
-          <p:nvPr/>
-        </p:nvPicPr>
-        <p:blipFill>
-          <a:blip r:embed="rId4"/>
-          <a:stretch>
-            <a:fillRect/>
-          </a:stretch>
-        </p:blipFill>
-        <p:spPr>
-          <a:xfrm>
-            <a:off x="2568564" y="1650387"/>
-            <a:ext cx="3168436" cy="907203"/>
-          </a:xfrm>
-          <a:prstGeom prst="rect">
-            <a:avLst/>
-          </a:prstGeom>
-        </p:spPr>
-      </p:pic>
-      <p:pic>
-        <p:nvPicPr>
-          <p:cNvPr id="22" name="Grafik 21">
-            <a:extLst>
-              <a:ext uri="{FF2B5EF4-FFF2-40B4-BE49-F238E27FC236}">
-                <a16:creationId xmlns:a16="http://schemas.microsoft.com/office/drawing/2014/main" id="{7ADFF31B-82F4-C439-E036-B71FDFF4557A}"/>
-              </a:ext>
-            </a:extLst>
-          </p:cNvPr>
-          <p:cNvPicPr>
-            <a:picLocks noChangeAspect="1"/>
-          </p:cNvPicPr>
-          <p:nvPr/>
-        </p:nvPicPr>
-        <p:blipFill>
-          <a:blip r:embed="rId5"/>
-          <a:stretch>
-            <a:fillRect/>
-          </a:stretch>
-        </p:blipFill>
-        <p:spPr>
-          <a:xfrm>
-            <a:off x="2411760" y="4003864"/>
-            <a:ext cx="3312368" cy="964118"/>
-          </a:xfrm>
-          <a:prstGeom prst="rect">
-            <a:avLst/>
-          </a:prstGeom>
-        </p:spPr>
-      </p:pic>
-      <p:pic>
-        <p:nvPicPr>
-          <p:cNvPr id="24" name="Grafik 23">
-            <a:extLst>
-              <a:ext uri="{FF2B5EF4-FFF2-40B4-BE49-F238E27FC236}">
-                <a16:creationId xmlns:a16="http://schemas.microsoft.com/office/drawing/2014/main" id="{08EF6AFD-9706-E584-1F23-0F1874988CD7}"/>
-              </a:ext>
-            </a:extLst>
-          </p:cNvPr>
-          <p:cNvPicPr>
-            <a:picLocks noChangeAspect="1"/>
-          </p:cNvPicPr>
-          <p:nvPr/>
-        </p:nvPicPr>
-        <p:blipFill>
-          <a:blip r:embed="rId6"/>
-          <a:stretch>
-            <a:fillRect/>
-          </a:stretch>
-        </p:blipFill>
-        <p:spPr>
-          <a:xfrm>
-            <a:off x="5740215" y="4017092"/>
-            <a:ext cx="3316632" cy="982528"/>
-          </a:xfrm>
-          <a:prstGeom prst="rect">
-            <a:avLst/>
-          </a:prstGeom>
-        </p:spPr>
-      </p:pic>
-      <p:pic>
-        <p:nvPicPr>
-          <p:cNvPr id="26" name="Grafik 25">
-            <a:extLst>
-              <a:ext uri="{FF2B5EF4-FFF2-40B4-BE49-F238E27FC236}">
-                <a16:creationId xmlns:a16="http://schemas.microsoft.com/office/drawing/2014/main" id="{E69B30B1-1759-29BC-AF94-930662890084}"/>
-              </a:ext>
-            </a:extLst>
-          </p:cNvPr>
-          <p:cNvPicPr>
-            <a:picLocks noChangeAspect="1"/>
-          </p:cNvPicPr>
-          <p:nvPr/>
-        </p:nvPicPr>
-        <p:blipFill>
-          <a:blip r:embed="rId7"/>
-          <a:stretch>
-            <a:fillRect/>
-          </a:stretch>
-        </p:blipFill>
-        <p:spPr>
-          <a:xfrm>
-            <a:off x="5749788" y="5234845"/>
-            <a:ext cx="3312368" cy="988910"/>
-          </a:xfrm>
-          <a:prstGeom prst="rect">
-            <a:avLst/>
-          </a:prstGeom>
-        </p:spPr>
-      </p:pic>
-    </p:spTree>
-    <p:extLst>
-      <p:ext uri="{BB962C8B-B14F-4D97-AF65-F5344CB8AC3E}">
-        <p14:creationId xmlns:p14="http://schemas.microsoft.com/office/powerpoint/2010/main" val="3380547026"/>
       </p:ext>
     </p:extLst>
   </p:cSld>
